--- a/Курсовая_работа_Кривцов_К_Е_БИВТ_21_5.pptx
+++ b/Курсовая_работа_Кривцов_К_Е_БИВТ_21_5.pptx
@@ -4,6 +4,9 @@
   <p:sldMasterIdLst>
     <p:sldMasterId id="2147483648" r:id="rId1"/>
   </p:sldMasterIdLst>
+  <p:notesMasterIdLst>
+    <p:notesMasterId r:id="rId49"/>
+  </p:notesMasterIdLst>
   <p:sldIdLst>
     <p:sldId id="256" r:id="rId2"/>
     <p:sldId id="257" r:id="rId3"/>
@@ -18,25 +21,40 @@
     <p:sldId id="266" r:id="rId12"/>
     <p:sldId id="267" r:id="rId13"/>
     <p:sldId id="268" r:id="rId14"/>
-    <p:sldId id="274" r:id="rId15"/>
-    <p:sldId id="269" r:id="rId16"/>
-    <p:sldId id="271" r:id="rId17"/>
-    <p:sldId id="272" r:id="rId18"/>
-    <p:sldId id="273" r:id="rId19"/>
-    <p:sldId id="275" r:id="rId20"/>
-    <p:sldId id="276" r:id="rId21"/>
-    <p:sldId id="277" r:id="rId22"/>
-    <p:sldId id="278" r:id="rId23"/>
-    <p:sldId id="279" r:id="rId24"/>
-    <p:sldId id="280" r:id="rId25"/>
-    <p:sldId id="281" r:id="rId26"/>
-    <p:sldId id="282" r:id="rId27"/>
-    <p:sldId id="283" r:id="rId28"/>
-    <p:sldId id="286" r:id="rId29"/>
-    <p:sldId id="285" r:id="rId30"/>
-    <p:sldId id="287" r:id="rId31"/>
-    <p:sldId id="288" r:id="rId32"/>
-    <p:sldId id="289" r:id="rId33"/>
+    <p:sldId id="269" r:id="rId15"/>
+    <p:sldId id="274" r:id="rId16"/>
+    <p:sldId id="290" r:id="rId17"/>
+    <p:sldId id="291" r:id="rId18"/>
+    <p:sldId id="292" r:id="rId19"/>
+    <p:sldId id="293" r:id="rId20"/>
+    <p:sldId id="294" r:id="rId21"/>
+    <p:sldId id="295" r:id="rId22"/>
+    <p:sldId id="296" r:id="rId23"/>
+    <p:sldId id="297" r:id="rId24"/>
+    <p:sldId id="298" r:id="rId25"/>
+    <p:sldId id="299" r:id="rId26"/>
+    <p:sldId id="300" r:id="rId27"/>
+    <p:sldId id="271" r:id="rId28"/>
+    <p:sldId id="272" r:id="rId29"/>
+    <p:sldId id="273" r:id="rId30"/>
+    <p:sldId id="275" r:id="rId31"/>
+    <p:sldId id="276" r:id="rId32"/>
+    <p:sldId id="277" r:id="rId33"/>
+    <p:sldId id="278" r:id="rId34"/>
+    <p:sldId id="279" r:id="rId35"/>
+    <p:sldId id="280" r:id="rId36"/>
+    <p:sldId id="281" r:id="rId37"/>
+    <p:sldId id="282" r:id="rId38"/>
+    <p:sldId id="283" r:id="rId39"/>
+    <p:sldId id="286" r:id="rId40"/>
+    <p:sldId id="303" r:id="rId41"/>
+    <p:sldId id="301" r:id="rId42"/>
+    <p:sldId id="285" r:id="rId43"/>
+    <p:sldId id="287" r:id="rId44"/>
+    <p:sldId id="304" r:id="rId45"/>
+    <p:sldId id="288" r:id="rId46"/>
+    <p:sldId id="302" r:id="rId47"/>
+    <p:sldId id="289" r:id="rId48"/>
   </p:sldIdLst>
   <p:sldSz cx="12192000" cy="6858000"/>
   <p:notesSz cx="6858000" cy="9144000"/>
@@ -135,7 +153,697 @@
       </a:defRPr>
     </a:lvl9pPr>
   </p:defaultTextStyle>
+  <p:extLst>
+    <p:ext uri="{EFAFB233-063F-42B5-8137-9DF3F51BA10A}">
+      <p15:sldGuideLst xmlns:p15="http://schemas.microsoft.com/office/powerpoint/2012/main"/>
+    </p:ext>
+  </p:extLst>
 </p:presentation>
+</file>
+
+<file path=ppt/notesMasters/notesMaster1.xml><?xml version="1.0" encoding="utf-8"?>
+<p:notesMaster xmlns:a="http://schemas.openxmlformats.org/drawingml/2006/main" xmlns:r="http://schemas.openxmlformats.org/officeDocument/2006/relationships" xmlns:p="http://schemas.openxmlformats.org/presentationml/2006/main">
+  <p:cSld>
+    <p:bg>
+      <p:bgRef idx="1001">
+        <a:schemeClr val="bg1"/>
+      </p:bgRef>
+    </p:bg>
+    <p:spTree>
+      <p:nvGrpSpPr>
+        <p:cNvPr id="1" name=""/>
+        <p:cNvGrpSpPr/>
+        <p:nvPr/>
+      </p:nvGrpSpPr>
+      <p:grpSpPr>
+        <a:xfrm>
+          <a:off x="0" y="0"/>
+          <a:ext cx="0" cy="0"/>
+          <a:chOff x="0" y="0"/>
+          <a:chExt cx="0" cy="0"/>
+        </a:xfrm>
+      </p:grpSpPr>
+      <p:sp>
+        <p:nvSpPr>
+          <p:cNvPr id="2" name="Верхний колонтитул 1"/>
+          <p:cNvSpPr>
+            <a:spLocks noGrp="1"/>
+          </p:cNvSpPr>
+          <p:nvPr>
+            <p:ph type="hdr" sz="quarter"/>
+          </p:nvPr>
+        </p:nvSpPr>
+        <p:spPr>
+          <a:xfrm>
+            <a:off x="0" y="0"/>
+            <a:ext cx="2971800" cy="458788"/>
+          </a:xfrm>
+          <a:prstGeom prst="rect">
+            <a:avLst/>
+          </a:prstGeom>
+        </p:spPr>
+        <p:txBody>
+          <a:bodyPr vert="horz" lIns="91440" tIns="45720" rIns="91440" bIns="45720" rtlCol="0"/>
+          <a:lstStyle>
+            <a:lvl1pPr algn="l">
+              <a:defRPr sz="1200"/>
+            </a:lvl1pPr>
+          </a:lstStyle>
+          <a:p>
+            <a:endParaRPr lang="ru-RU"/>
+          </a:p>
+        </p:txBody>
+      </p:sp>
+      <p:sp>
+        <p:nvSpPr>
+          <p:cNvPr id="3" name="Дата 2"/>
+          <p:cNvSpPr>
+            <a:spLocks noGrp="1"/>
+          </p:cNvSpPr>
+          <p:nvPr>
+            <p:ph type="dt" idx="1"/>
+          </p:nvPr>
+        </p:nvSpPr>
+        <p:spPr>
+          <a:xfrm>
+            <a:off x="3884613" y="0"/>
+            <a:ext cx="2971800" cy="458788"/>
+          </a:xfrm>
+          <a:prstGeom prst="rect">
+            <a:avLst/>
+          </a:prstGeom>
+        </p:spPr>
+        <p:txBody>
+          <a:bodyPr vert="horz" lIns="91440" tIns="45720" rIns="91440" bIns="45720" rtlCol="0"/>
+          <a:lstStyle>
+            <a:lvl1pPr algn="r">
+              <a:defRPr sz="1200"/>
+            </a:lvl1pPr>
+          </a:lstStyle>
+          <a:p>
+            <a:fld id="{BBE109AF-4A65-454E-A11D-ECF17141A990}" type="datetimeFigureOut">
+              <a:rPr lang="ru-RU" smtClean="0"/>
+              <a:t>09.12.2023</a:t>
+            </a:fld>
+            <a:endParaRPr lang="ru-RU"/>
+          </a:p>
+        </p:txBody>
+      </p:sp>
+      <p:sp>
+        <p:nvSpPr>
+          <p:cNvPr id="4" name="Образ слайда 3"/>
+          <p:cNvSpPr>
+            <a:spLocks noGrp="1" noRot="1" noChangeAspect="1"/>
+          </p:cNvSpPr>
+          <p:nvPr>
+            <p:ph type="sldImg" idx="2"/>
+          </p:nvPr>
+        </p:nvSpPr>
+        <p:spPr>
+          <a:xfrm>
+            <a:off x="685800" y="1143000"/>
+            <a:ext cx="5486400" cy="3086100"/>
+          </a:xfrm>
+          <a:prstGeom prst="rect">
+            <a:avLst/>
+          </a:prstGeom>
+          <a:noFill/>
+          <a:ln w="12700">
+            <a:solidFill>
+              <a:prstClr val="black"/>
+            </a:solidFill>
+          </a:ln>
+        </p:spPr>
+        <p:txBody>
+          <a:bodyPr vert="horz" lIns="91440" tIns="45720" rIns="91440" bIns="45720" rtlCol="0" anchor="ctr"/>
+          <a:lstStyle/>
+          <a:p>
+            <a:endParaRPr lang="ru-RU"/>
+          </a:p>
+        </p:txBody>
+      </p:sp>
+      <p:sp>
+        <p:nvSpPr>
+          <p:cNvPr id="5" name="Заметки 4"/>
+          <p:cNvSpPr>
+            <a:spLocks noGrp="1"/>
+          </p:cNvSpPr>
+          <p:nvPr>
+            <p:ph type="body" sz="quarter" idx="3"/>
+          </p:nvPr>
+        </p:nvSpPr>
+        <p:spPr>
+          <a:xfrm>
+            <a:off x="685800" y="4400550"/>
+            <a:ext cx="5486400" cy="3600450"/>
+          </a:xfrm>
+          <a:prstGeom prst="rect">
+            <a:avLst/>
+          </a:prstGeom>
+        </p:spPr>
+        <p:txBody>
+          <a:bodyPr vert="horz" lIns="91440" tIns="45720" rIns="91440" bIns="45720" rtlCol="0"/>
+          <a:lstStyle/>
+          <a:p>
+            <a:pPr lvl="0"/>
+            <a:r>
+              <a:rPr lang="ru-RU"/>
+              <a:t>Образец текста</a:t>
+            </a:r>
+          </a:p>
+          <a:p>
+            <a:pPr lvl="1"/>
+            <a:r>
+              <a:rPr lang="ru-RU"/>
+              <a:t>Второй уровень</a:t>
+            </a:r>
+          </a:p>
+          <a:p>
+            <a:pPr lvl="2"/>
+            <a:r>
+              <a:rPr lang="ru-RU"/>
+              <a:t>Третий уровень</a:t>
+            </a:r>
+          </a:p>
+          <a:p>
+            <a:pPr lvl="3"/>
+            <a:r>
+              <a:rPr lang="ru-RU"/>
+              <a:t>Четвертый уровень</a:t>
+            </a:r>
+          </a:p>
+          <a:p>
+            <a:pPr lvl="4"/>
+            <a:r>
+              <a:rPr lang="ru-RU"/>
+              <a:t>Пятый уровень</a:t>
+            </a:r>
+          </a:p>
+        </p:txBody>
+      </p:sp>
+      <p:sp>
+        <p:nvSpPr>
+          <p:cNvPr id="6" name="Нижний колонтитул 5"/>
+          <p:cNvSpPr>
+            <a:spLocks noGrp="1"/>
+          </p:cNvSpPr>
+          <p:nvPr>
+            <p:ph type="ftr" sz="quarter" idx="4"/>
+          </p:nvPr>
+        </p:nvSpPr>
+        <p:spPr>
+          <a:xfrm>
+            <a:off x="0" y="8685213"/>
+            <a:ext cx="2971800" cy="458787"/>
+          </a:xfrm>
+          <a:prstGeom prst="rect">
+            <a:avLst/>
+          </a:prstGeom>
+        </p:spPr>
+        <p:txBody>
+          <a:bodyPr vert="horz" lIns="91440" tIns="45720" rIns="91440" bIns="45720" rtlCol="0" anchor="b"/>
+          <a:lstStyle>
+            <a:lvl1pPr algn="l">
+              <a:defRPr sz="1200"/>
+            </a:lvl1pPr>
+          </a:lstStyle>
+          <a:p>
+            <a:endParaRPr lang="ru-RU"/>
+          </a:p>
+        </p:txBody>
+      </p:sp>
+      <p:sp>
+        <p:nvSpPr>
+          <p:cNvPr id="7" name="Номер слайда 6"/>
+          <p:cNvSpPr>
+            <a:spLocks noGrp="1"/>
+          </p:cNvSpPr>
+          <p:nvPr>
+            <p:ph type="sldNum" sz="quarter" idx="5"/>
+          </p:nvPr>
+        </p:nvSpPr>
+        <p:spPr>
+          <a:xfrm>
+            <a:off x="3884613" y="8685213"/>
+            <a:ext cx="2971800" cy="458787"/>
+          </a:xfrm>
+          <a:prstGeom prst="rect">
+            <a:avLst/>
+          </a:prstGeom>
+        </p:spPr>
+        <p:txBody>
+          <a:bodyPr vert="horz" lIns="91440" tIns="45720" rIns="91440" bIns="45720" rtlCol="0" anchor="b"/>
+          <a:lstStyle>
+            <a:lvl1pPr algn="r">
+              <a:defRPr sz="1200"/>
+            </a:lvl1pPr>
+          </a:lstStyle>
+          <a:p>
+            <a:fld id="{81B2B3C6-14C3-4F92-8B42-057502DBF599}" type="slidenum">
+              <a:rPr lang="ru-RU" smtClean="0"/>
+              <a:t>‹#›</a:t>
+            </a:fld>
+            <a:endParaRPr lang="ru-RU"/>
+          </a:p>
+        </p:txBody>
+      </p:sp>
+    </p:spTree>
+    <p:extLst>
+      <p:ext uri="{BB962C8B-B14F-4D97-AF65-F5344CB8AC3E}">
+        <p14:creationId xmlns:p14="http://schemas.microsoft.com/office/powerpoint/2010/main" val="1721834232"/>
+      </p:ext>
+    </p:extLst>
+  </p:cSld>
+  <p:clrMap bg1="lt1" tx1="dk1" bg2="lt2" tx2="dk2" accent1="accent1" accent2="accent2" accent3="accent3" accent4="accent4" accent5="accent5" accent6="accent6" hlink="hlink" folHlink="folHlink"/>
+  <p:notesStyle>
+    <a:lvl1pPr marL="0" algn="l" defTabSz="914400" rtl="0" eaLnBrk="1" latinLnBrk="0" hangingPunct="1">
+      <a:defRPr sz="1200" kern="1200">
+        <a:solidFill>
+          <a:schemeClr val="tx1"/>
+        </a:solidFill>
+        <a:latin typeface="+mn-lt"/>
+        <a:ea typeface="+mn-ea"/>
+        <a:cs typeface="+mn-cs"/>
+      </a:defRPr>
+    </a:lvl1pPr>
+    <a:lvl2pPr marL="457200" algn="l" defTabSz="914400" rtl="0" eaLnBrk="1" latinLnBrk="0" hangingPunct="1">
+      <a:defRPr sz="1200" kern="1200">
+        <a:solidFill>
+          <a:schemeClr val="tx1"/>
+        </a:solidFill>
+        <a:latin typeface="+mn-lt"/>
+        <a:ea typeface="+mn-ea"/>
+        <a:cs typeface="+mn-cs"/>
+      </a:defRPr>
+    </a:lvl2pPr>
+    <a:lvl3pPr marL="914400" algn="l" defTabSz="914400" rtl="0" eaLnBrk="1" latinLnBrk="0" hangingPunct="1">
+      <a:defRPr sz="1200" kern="1200">
+        <a:solidFill>
+          <a:schemeClr val="tx1"/>
+        </a:solidFill>
+        <a:latin typeface="+mn-lt"/>
+        <a:ea typeface="+mn-ea"/>
+        <a:cs typeface="+mn-cs"/>
+      </a:defRPr>
+    </a:lvl3pPr>
+    <a:lvl4pPr marL="1371600" algn="l" defTabSz="914400" rtl="0" eaLnBrk="1" latinLnBrk="0" hangingPunct="1">
+      <a:defRPr sz="1200" kern="1200">
+        <a:solidFill>
+          <a:schemeClr val="tx1"/>
+        </a:solidFill>
+        <a:latin typeface="+mn-lt"/>
+        <a:ea typeface="+mn-ea"/>
+        <a:cs typeface="+mn-cs"/>
+      </a:defRPr>
+    </a:lvl4pPr>
+    <a:lvl5pPr marL="1828800" algn="l" defTabSz="914400" rtl="0" eaLnBrk="1" latinLnBrk="0" hangingPunct="1">
+      <a:defRPr sz="1200" kern="1200">
+        <a:solidFill>
+          <a:schemeClr val="tx1"/>
+        </a:solidFill>
+        <a:latin typeface="+mn-lt"/>
+        <a:ea typeface="+mn-ea"/>
+        <a:cs typeface="+mn-cs"/>
+      </a:defRPr>
+    </a:lvl5pPr>
+    <a:lvl6pPr marL="2286000" algn="l" defTabSz="914400" rtl="0" eaLnBrk="1" latinLnBrk="0" hangingPunct="1">
+      <a:defRPr sz="1200" kern="1200">
+        <a:solidFill>
+          <a:schemeClr val="tx1"/>
+        </a:solidFill>
+        <a:latin typeface="+mn-lt"/>
+        <a:ea typeface="+mn-ea"/>
+        <a:cs typeface="+mn-cs"/>
+      </a:defRPr>
+    </a:lvl6pPr>
+    <a:lvl7pPr marL="2743200" algn="l" defTabSz="914400" rtl="0" eaLnBrk="1" latinLnBrk="0" hangingPunct="1">
+      <a:defRPr sz="1200" kern="1200">
+        <a:solidFill>
+          <a:schemeClr val="tx1"/>
+        </a:solidFill>
+        <a:latin typeface="+mn-lt"/>
+        <a:ea typeface="+mn-ea"/>
+        <a:cs typeface="+mn-cs"/>
+      </a:defRPr>
+    </a:lvl7pPr>
+    <a:lvl8pPr marL="3200400" algn="l" defTabSz="914400" rtl="0" eaLnBrk="1" latinLnBrk="0" hangingPunct="1">
+      <a:defRPr sz="1200" kern="1200">
+        <a:solidFill>
+          <a:schemeClr val="tx1"/>
+        </a:solidFill>
+        <a:latin typeface="+mn-lt"/>
+        <a:ea typeface="+mn-ea"/>
+        <a:cs typeface="+mn-cs"/>
+      </a:defRPr>
+    </a:lvl8pPr>
+    <a:lvl9pPr marL="3657600" algn="l" defTabSz="914400" rtl="0" eaLnBrk="1" latinLnBrk="0" hangingPunct="1">
+      <a:defRPr sz="1200" kern="1200">
+        <a:solidFill>
+          <a:schemeClr val="tx1"/>
+        </a:solidFill>
+        <a:latin typeface="+mn-lt"/>
+        <a:ea typeface="+mn-ea"/>
+        <a:cs typeface="+mn-cs"/>
+      </a:defRPr>
+    </a:lvl9pPr>
+  </p:notesStyle>
+</p:notesMaster>
+</file>
+
+<file path=ppt/notesSlides/notesSlide1.xml><?xml version="1.0" encoding="utf-8"?>
+<p:notes xmlns:a="http://schemas.openxmlformats.org/drawingml/2006/main" xmlns:r="http://schemas.openxmlformats.org/officeDocument/2006/relationships" xmlns:p="http://schemas.openxmlformats.org/presentationml/2006/main">
+  <p:cSld>
+    <p:spTree>
+      <p:nvGrpSpPr>
+        <p:cNvPr id="1" name=""/>
+        <p:cNvGrpSpPr/>
+        <p:nvPr/>
+      </p:nvGrpSpPr>
+      <p:grpSpPr>
+        <a:xfrm>
+          <a:off x="0" y="0"/>
+          <a:ext cx="0" cy="0"/>
+          <a:chOff x="0" y="0"/>
+          <a:chExt cx="0" cy="0"/>
+        </a:xfrm>
+      </p:grpSpPr>
+      <p:sp>
+        <p:nvSpPr>
+          <p:cNvPr id="2" name="Образ слайда 1"/>
+          <p:cNvSpPr>
+            <a:spLocks noGrp="1" noRot="1" noChangeAspect="1"/>
+          </p:cNvSpPr>
+          <p:nvPr>
+            <p:ph type="sldImg"/>
+          </p:nvPr>
+        </p:nvSpPr>
+        <p:spPr/>
+      </p:sp>
+      <p:sp>
+        <p:nvSpPr>
+          <p:cNvPr id="3" name="Заметки 2"/>
+          <p:cNvSpPr>
+            <a:spLocks noGrp="1"/>
+          </p:cNvSpPr>
+          <p:nvPr>
+            <p:ph type="body" idx="1"/>
+          </p:nvPr>
+        </p:nvSpPr>
+        <p:spPr/>
+        <p:txBody>
+          <a:bodyPr/>
+          <a:lstStyle/>
+          <a:p>
+            <a:endParaRPr lang="ru-RU" dirty="0"/>
+          </a:p>
+        </p:txBody>
+      </p:sp>
+      <p:sp>
+        <p:nvSpPr>
+          <p:cNvPr id="4" name="Номер слайда 3"/>
+          <p:cNvSpPr>
+            <a:spLocks noGrp="1"/>
+          </p:cNvSpPr>
+          <p:nvPr>
+            <p:ph type="sldNum" sz="quarter" idx="5"/>
+          </p:nvPr>
+        </p:nvSpPr>
+        <p:spPr/>
+        <p:txBody>
+          <a:bodyPr/>
+          <a:lstStyle/>
+          <a:p>
+            <a:fld id="{81B2B3C6-14C3-4F92-8B42-057502DBF599}" type="slidenum">
+              <a:rPr lang="ru-RU" smtClean="0"/>
+              <a:t>16</a:t>
+            </a:fld>
+            <a:endParaRPr lang="ru-RU"/>
+          </a:p>
+        </p:txBody>
+      </p:sp>
+    </p:spTree>
+    <p:extLst>
+      <p:ext uri="{BB962C8B-B14F-4D97-AF65-F5344CB8AC3E}">
+        <p14:creationId xmlns:p14="http://schemas.microsoft.com/office/powerpoint/2010/main" val="1630612440"/>
+      </p:ext>
+    </p:extLst>
+  </p:cSld>
+  <p:clrMapOvr>
+    <a:masterClrMapping/>
+  </p:clrMapOvr>
+</p:notes>
+</file>
+
+<file path=ppt/notesSlides/notesSlide2.xml><?xml version="1.0" encoding="utf-8"?>
+<p:notes xmlns:a="http://schemas.openxmlformats.org/drawingml/2006/main" xmlns:r="http://schemas.openxmlformats.org/officeDocument/2006/relationships" xmlns:p="http://schemas.openxmlformats.org/presentationml/2006/main">
+  <p:cSld>
+    <p:spTree>
+      <p:nvGrpSpPr>
+        <p:cNvPr id="1" name=""/>
+        <p:cNvGrpSpPr/>
+        <p:nvPr/>
+      </p:nvGrpSpPr>
+      <p:grpSpPr>
+        <a:xfrm>
+          <a:off x="0" y="0"/>
+          <a:ext cx="0" cy="0"/>
+          <a:chOff x="0" y="0"/>
+          <a:chExt cx="0" cy="0"/>
+        </a:xfrm>
+      </p:grpSpPr>
+      <p:sp>
+        <p:nvSpPr>
+          <p:cNvPr id="2" name="Образ слайда 1"/>
+          <p:cNvSpPr>
+            <a:spLocks noGrp="1" noRot="1" noChangeAspect="1"/>
+          </p:cNvSpPr>
+          <p:nvPr>
+            <p:ph type="sldImg"/>
+          </p:nvPr>
+        </p:nvSpPr>
+        <p:spPr/>
+      </p:sp>
+      <p:sp>
+        <p:nvSpPr>
+          <p:cNvPr id="3" name="Заметки 2"/>
+          <p:cNvSpPr>
+            <a:spLocks noGrp="1"/>
+          </p:cNvSpPr>
+          <p:nvPr>
+            <p:ph type="body" idx="1"/>
+          </p:nvPr>
+        </p:nvSpPr>
+        <p:spPr/>
+        <p:txBody>
+          <a:bodyPr/>
+          <a:lstStyle/>
+          <a:p>
+            <a:endParaRPr lang="ru-RU" dirty="0"/>
+          </a:p>
+        </p:txBody>
+      </p:sp>
+      <p:sp>
+        <p:nvSpPr>
+          <p:cNvPr id="4" name="Номер слайда 3"/>
+          <p:cNvSpPr>
+            <a:spLocks noGrp="1"/>
+          </p:cNvSpPr>
+          <p:nvPr>
+            <p:ph type="sldNum" sz="quarter" idx="5"/>
+          </p:nvPr>
+        </p:nvSpPr>
+        <p:spPr/>
+        <p:txBody>
+          <a:bodyPr/>
+          <a:lstStyle/>
+          <a:p>
+            <a:fld id="{81B2B3C6-14C3-4F92-8B42-057502DBF599}" type="slidenum">
+              <a:rPr lang="ru-RU" smtClean="0"/>
+              <a:t>26</a:t>
+            </a:fld>
+            <a:endParaRPr lang="ru-RU"/>
+          </a:p>
+        </p:txBody>
+      </p:sp>
+    </p:spTree>
+    <p:extLst>
+      <p:ext uri="{BB962C8B-B14F-4D97-AF65-F5344CB8AC3E}">
+        <p14:creationId xmlns:p14="http://schemas.microsoft.com/office/powerpoint/2010/main" val="3857038948"/>
+      </p:ext>
+    </p:extLst>
+  </p:cSld>
+  <p:clrMapOvr>
+    <a:masterClrMapping/>
+  </p:clrMapOvr>
+</p:notes>
+</file>
+
+<file path=ppt/notesSlides/notesSlide3.xml><?xml version="1.0" encoding="utf-8"?>
+<p:notes xmlns:a="http://schemas.openxmlformats.org/drawingml/2006/main" xmlns:r="http://schemas.openxmlformats.org/officeDocument/2006/relationships" xmlns:p="http://schemas.openxmlformats.org/presentationml/2006/main">
+  <p:cSld>
+    <p:spTree>
+      <p:nvGrpSpPr>
+        <p:cNvPr id="1" name=""/>
+        <p:cNvGrpSpPr/>
+        <p:nvPr/>
+      </p:nvGrpSpPr>
+      <p:grpSpPr>
+        <a:xfrm>
+          <a:off x="0" y="0"/>
+          <a:ext cx="0" cy="0"/>
+          <a:chOff x="0" y="0"/>
+          <a:chExt cx="0" cy="0"/>
+        </a:xfrm>
+      </p:grpSpPr>
+      <p:sp>
+        <p:nvSpPr>
+          <p:cNvPr id="2" name="Образ слайда 1"/>
+          <p:cNvSpPr>
+            <a:spLocks noGrp="1" noRot="1" noChangeAspect="1"/>
+          </p:cNvSpPr>
+          <p:nvPr>
+            <p:ph type="sldImg"/>
+          </p:nvPr>
+        </p:nvSpPr>
+        <p:spPr/>
+      </p:sp>
+      <p:sp>
+        <p:nvSpPr>
+          <p:cNvPr id="3" name="Заметки 2"/>
+          <p:cNvSpPr>
+            <a:spLocks noGrp="1"/>
+          </p:cNvSpPr>
+          <p:nvPr>
+            <p:ph type="body" idx="1"/>
+          </p:nvPr>
+        </p:nvSpPr>
+        <p:spPr/>
+        <p:txBody>
+          <a:bodyPr/>
+          <a:lstStyle/>
+          <a:p>
+            <a:endParaRPr lang="ru-RU" dirty="0"/>
+          </a:p>
+        </p:txBody>
+      </p:sp>
+      <p:sp>
+        <p:nvSpPr>
+          <p:cNvPr id="4" name="Номер слайда 3"/>
+          <p:cNvSpPr>
+            <a:spLocks noGrp="1"/>
+          </p:cNvSpPr>
+          <p:nvPr>
+            <p:ph type="sldNum" sz="quarter" idx="5"/>
+          </p:nvPr>
+        </p:nvSpPr>
+        <p:spPr/>
+        <p:txBody>
+          <a:bodyPr/>
+          <a:lstStyle/>
+          <a:p>
+            <a:fld id="{81B2B3C6-14C3-4F92-8B42-057502DBF599}" type="slidenum">
+              <a:rPr lang="ru-RU" smtClean="0"/>
+              <a:t>40</a:t>
+            </a:fld>
+            <a:endParaRPr lang="ru-RU"/>
+          </a:p>
+        </p:txBody>
+      </p:sp>
+    </p:spTree>
+    <p:extLst>
+      <p:ext uri="{BB962C8B-B14F-4D97-AF65-F5344CB8AC3E}">
+        <p14:creationId xmlns:p14="http://schemas.microsoft.com/office/powerpoint/2010/main" val="3979724828"/>
+      </p:ext>
+    </p:extLst>
+  </p:cSld>
+  <p:clrMapOvr>
+    <a:masterClrMapping/>
+  </p:clrMapOvr>
+</p:notes>
+</file>
+
+<file path=ppt/notesSlides/notesSlide4.xml><?xml version="1.0" encoding="utf-8"?>
+<p:notes xmlns:a="http://schemas.openxmlformats.org/drawingml/2006/main" xmlns:r="http://schemas.openxmlformats.org/officeDocument/2006/relationships" xmlns:p="http://schemas.openxmlformats.org/presentationml/2006/main">
+  <p:cSld>
+    <p:spTree>
+      <p:nvGrpSpPr>
+        <p:cNvPr id="1" name=""/>
+        <p:cNvGrpSpPr/>
+        <p:nvPr/>
+      </p:nvGrpSpPr>
+      <p:grpSpPr>
+        <a:xfrm>
+          <a:off x="0" y="0"/>
+          <a:ext cx="0" cy="0"/>
+          <a:chOff x="0" y="0"/>
+          <a:chExt cx="0" cy="0"/>
+        </a:xfrm>
+      </p:grpSpPr>
+      <p:sp>
+        <p:nvSpPr>
+          <p:cNvPr id="2" name="Образ слайда 1"/>
+          <p:cNvSpPr>
+            <a:spLocks noGrp="1" noRot="1" noChangeAspect="1"/>
+          </p:cNvSpPr>
+          <p:nvPr>
+            <p:ph type="sldImg"/>
+          </p:nvPr>
+        </p:nvSpPr>
+        <p:spPr/>
+      </p:sp>
+      <p:sp>
+        <p:nvSpPr>
+          <p:cNvPr id="3" name="Заметки 2"/>
+          <p:cNvSpPr>
+            <a:spLocks noGrp="1"/>
+          </p:cNvSpPr>
+          <p:nvPr>
+            <p:ph type="body" idx="1"/>
+          </p:nvPr>
+        </p:nvSpPr>
+        <p:spPr/>
+        <p:txBody>
+          <a:bodyPr/>
+          <a:lstStyle/>
+          <a:p>
+            <a:endParaRPr lang="ru-RU" dirty="0"/>
+          </a:p>
+        </p:txBody>
+      </p:sp>
+      <p:sp>
+        <p:nvSpPr>
+          <p:cNvPr id="4" name="Номер слайда 3"/>
+          <p:cNvSpPr>
+            <a:spLocks noGrp="1"/>
+          </p:cNvSpPr>
+          <p:nvPr>
+            <p:ph type="sldNum" sz="quarter" idx="5"/>
+          </p:nvPr>
+        </p:nvSpPr>
+        <p:spPr/>
+        <p:txBody>
+          <a:bodyPr/>
+          <a:lstStyle/>
+          <a:p>
+            <a:fld id="{81B2B3C6-14C3-4F92-8B42-057502DBF599}" type="slidenum">
+              <a:rPr lang="ru-RU" smtClean="0"/>
+              <a:t>44</a:t>
+            </a:fld>
+            <a:endParaRPr lang="ru-RU"/>
+          </a:p>
+        </p:txBody>
+      </p:sp>
+    </p:spTree>
+    <p:extLst>
+      <p:ext uri="{BB962C8B-B14F-4D97-AF65-F5344CB8AC3E}">
+        <p14:creationId xmlns:p14="http://schemas.microsoft.com/office/powerpoint/2010/main" val="506357211"/>
+      </p:ext>
+    </p:extLst>
+  </p:cSld>
+  <p:clrMapOvr>
+    <a:masterClrMapping/>
+  </p:clrMapOvr>
+</p:notes>
 </file>
 
 <file path=ppt/slideLayouts/slideLayout1.xml><?xml version="1.0" encoding="utf-8"?>
@@ -285,7 +993,7 @@
           <a:p>
             <a:fld id="{50FE7B8D-52F0-4A1B-BB9F-9B64E76B1600}" type="datetimeFigureOut">
               <a:rPr lang="ru-RU" smtClean="0"/>
-              <a:t>07.12.2023</a:t>
+              <a:t>09.12.2023</a:t>
             </a:fld>
             <a:endParaRPr lang="ru-RU"/>
           </a:p>
@@ -483,7 +1191,7 @@
           <a:p>
             <a:fld id="{50FE7B8D-52F0-4A1B-BB9F-9B64E76B1600}" type="datetimeFigureOut">
               <a:rPr lang="ru-RU" smtClean="0"/>
-              <a:t>07.12.2023</a:t>
+              <a:t>09.12.2023</a:t>
             </a:fld>
             <a:endParaRPr lang="ru-RU"/>
           </a:p>
@@ -691,7 +1399,7 @@
           <a:p>
             <a:fld id="{50FE7B8D-52F0-4A1B-BB9F-9B64E76B1600}" type="datetimeFigureOut">
               <a:rPr lang="ru-RU" smtClean="0"/>
-              <a:t>07.12.2023</a:t>
+              <a:t>09.12.2023</a:t>
             </a:fld>
             <a:endParaRPr lang="ru-RU"/>
           </a:p>
@@ -889,7 +1597,7 @@
           <a:p>
             <a:fld id="{50FE7B8D-52F0-4A1B-BB9F-9B64E76B1600}" type="datetimeFigureOut">
               <a:rPr lang="ru-RU" smtClean="0"/>
-              <a:t>07.12.2023</a:t>
+              <a:t>09.12.2023</a:t>
             </a:fld>
             <a:endParaRPr lang="ru-RU"/>
           </a:p>
@@ -1164,7 +1872,7 @@
           <a:p>
             <a:fld id="{50FE7B8D-52F0-4A1B-BB9F-9B64E76B1600}" type="datetimeFigureOut">
               <a:rPr lang="ru-RU" smtClean="0"/>
-              <a:t>07.12.2023</a:t>
+              <a:t>09.12.2023</a:t>
             </a:fld>
             <a:endParaRPr lang="ru-RU"/>
           </a:p>
@@ -1429,7 +2137,7 @@
           <a:p>
             <a:fld id="{50FE7B8D-52F0-4A1B-BB9F-9B64E76B1600}" type="datetimeFigureOut">
               <a:rPr lang="ru-RU" smtClean="0"/>
-              <a:t>07.12.2023</a:t>
+              <a:t>09.12.2023</a:t>
             </a:fld>
             <a:endParaRPr lang="ru-RU"/>
           </a:p>
@@ -1841,7 +2549,7 @@
           <a:p>
             <a:fld id="{50FE7B8D-52F0-4A1B-BB9F-9B64E76B1600}" type="datetimeFigureOut">
               <a:rPr lang="ru-RU" smtClean="0"/>
-              <a:t>07.12.2023</a:t>
+              <a:t>09.12.2023</a:t>
             </a:fld>
             <a:endParaRPr lang="ru-RU"/>
           </a:p>
@@ -1982,7 +2690,7 @@
           <a:p>
             <a:fld id="{50FE7B8D-52F0-4A1B-BB9F-9B64E76B1600}" type="datetimeFigureOut">
               <a:rPr lang="ru-RU" smtClean="0"/>
-              <a:t>07.12.2023</a:t>
+              <a:t>09.12.2023</a:t>
             </a:fld>
             <a:endParaRPr lang="ru-RU"/>
           </a:p>
@@ -2095,7 +2803,7 @@
           <a:p>
             <a:fld id="{50FE7B8D-52F0-4A1B-BB9F-9B64E76B1600}" type="datetimeFigureOut">
               <a:rPr lang="ru-RU" smtClean="0"/>
-              <a:t>07.12.2023</a:t>
+              <a:t>09.12.2023</a:t>
             </a:fld>
             <a:endParaRPr lang="ru-RU"/>
           </a:p>
@@ -2406,7 +3114,7 @@
           <a:p>
             <a:fld id="{50FE7B8D-52F0-4A1B-BB9F-9B64E76B1600}" type="datetimeFigureOut">
               <a:rPr lang="ru-RU" smtClean="0"/>
-              <a:t>07.12.2023</a:t>
+              <a:t>09.12.2023</a:t>
             </a:fld>
             <a:endParaRPr lang="ru-RU"/>
           </a:p>
@@ -2694,7 +3402,7 @@
           <a:p>
             <a:fld id="{50FE7B8D-52F0-4A1B-BB9F-9B64E76B1600}" type="datetimeFigureOut">
               <a:rPr lang="ru-RU" smtClean="0"/>
-              <a:t>07.12.2023</a:t>
+              <a:t>09.12.2023</a:t>
             </a:fld>
             <a:endParaRPr lang="ru-RU"/>
           </a:p>
@@ -2935,7 +3643,7 @@
           <a:p>
             <a:fld id="{50FE7B8D-52F0-4A1B-BB9F-9B64E76B1600}" type="datetimeFigureOut">
               <a:rPr lang="ru-RU" smtClean="0"/>
-              <a:t>07.12.2023</a:t>
+              <a:t>09.12.2023</a:t>
             </a:fld>
             <a:endParaRPr lang="ru-RU"/>
           </a:p>
@@ -3958,18 +4666,9 @@
   <p:clrMapOvr>
     <a:masterClrMapping/>
   </p:clrMapOvr>
-  <mc:AlternateContent xmlns:mc="http://schemas.openxmlformats.org/markup-compatibility/2006">
-    <mc:Choice xmlns:p14="http://schemas.microsoft.com/office/powerpoint/2010/main" Requires="p14">
-      <p:transition spd="med" p14:dur="700">
-        <p:fade/>
-      </p:transition>
-    </mc:Choice>
-    <mc:Fallback>
-      <p:transition spd="med">
-        <p:fade/>
-      </p:transition>
-    </mc:Fallback>
-  </mc:AlternateContent>
+  <p:transition spd="slow">
+    <p:push dir="u"/>
+  </p:transition>
 </p:sld>
 </file>
 
@@ -4036,18 +4735,9 @@
   <p:clrMapOvr>
     <a:masterClrMapping/>
   </p:clrMapOvr>
-  <mc:AlternateContent xmlns:mc="http://schemas.openxmlformats.org/markup-compatibility/2006">
-    <mc:Choice xmlns:p14="http://schemas.microsoft.com/office/powerpoint/2010/main" Requires="p14">
-      <p:transition spd="med" p14:dur="700">
-        <p:fade/>
-      </p:transition>
-    </mc:Choice>
-    <mc:Fallback>
-      <p:transition spd="med">
-        <p:fade/>
-      </p:transition>
-    </mc:Fallback>
-  </mc:AlternateContent>
+  <p:transition spd="slow">
+    <p:push dir="u"/>
+  </p:transition>
 </p:sld>
 </file>
 
@@ -4114,18 +4804,9 @@
   <p:clrMapOvr>
     <a:masterClrMapping/>
   </p:clrMapOvr>
-  <mc:AlternateContent xmlns:mc="http://schemas.openxmlformats.org/markup-compatibility/2006">
-    <mc:Choice xmlns:p14="http://schemas.microsoft.com/office/powerpoint/2010/main" Requires="p14">
-      <p:transition spd="med" p14:dur="700">
-        <p:fade/>
-      </p:transition>
-    </mc:Choice>
-    <mc:Fallback>
-      <p:transition spd="med">
-        <p:fade/>
-      </p:transition>
-    </mc:Fallback>
-  </mc:AlternateContent>
+  <p:transition spd="slow">
+    <p:push dir="u"/>
+  </p:transition>
 </p:sld>
 </file>
 
@@ -4192,91 +4873,13 @@
   <p:clrMapOvr>
     <a:masterClrMapping/>
   </p:clrMapOvr>
-  <mc:AlternateContent xmlns:mc="http://schemas.openxmlformats.org/markup-compatibility/2006">
-    <mc:Choice xmlns:p14="http://schemas.microsoft.com/office/powerpoint/2010/main" Requires="p14">
-      <p:transition spd="med" p14:dur="700">
-        <p:fade/>
-      </p:transition>
-    </mc:Choice>
-    <mc:Fallback>
-      <p:transition spd="med">
-        <p:fade/>
-      </p:transition>
-    </mc:Fallback>
-  </mc:AlternateContent>
-</p:sld>
-</file>
-
-<file path=ppt/slides/slide14.xml><?xml version="1.0" encoding="utf-8"?>
-<p:sld xmlns:a="http://schemas.openxmlformats.org/drawingml/2006/main" xmlns:r="http://schemas.openxmlformats.org/officeDocument/2006/relationships" xmlns:p="http://schemas.openxmlformats.org/presentationml/2006/main">
-  <p:cSld>
-    <p:spTree>
-      <p:nvGrpSpPr>
-        <p:cNvPr id="1" name=""/>
-        <p:cNvGrpSpPr/>
-        <p:nvPr/>
-      </p:nvGrpSpPr>
-      <p:grpSpPr>
-        <a:xfrm>
-          <a:off x="0" y="0"/>
-          <a:ext cx="0" cy="0"/>
-          <a:chOff x="0" y="0"/>
-          <a:chExt cx="0" cy="0"/>
-        </a:xfrm>
-      </p:grpSpPr>
-      <p:pic>
-        <p:nvPicPr>
-          <p:cNvPr id="4" name="Рисунок 3">
-            <a:extLst>
-              <a:ext uri="{FF2B5EF4-FFF2-40B4-BE49-F238E27FC236}">
-                <a16:creationId xmlns:a16="http://schemas.microsoft.com/office/drawing/2014/main" id="{04368FFA-15D6-4B14-8834-904650F183AC}"/>
-              </a:ext>
-            </a:extLst>
-          </p:cNvPr>
-          <p:cNvPicPr>
-            <a:picLocks noChangeAspect="1"/>
-          </p:cNvPicPr>
-          <p:nvPr/>
-        </p:nvPicPr>
-        <p:blipFill>
-          <a:blip r:embed="rId2">
-            <a:extLst>
-              <a:ext uri="{28A0092B-C50C-407E-A947-70E740481C1C}">
-                <a14:useLocalDpi xmlns:a14="http://schemas.microsoft.com/office/drawing/2010/main" val="0"/>
-              </a:ext>
-            </a:extLst>
-          </a:blip>
-          <a:stretch>
-            <a:fillRect/>
-          </a:stretch>
-        </p:blipFill>
-        <p:spPr>
-          <a:xfrm>
-            <a:off x="265365" y="0"/>
-            <a:ext cx="11661269" cy="6858000"/>
-          </a:xfrm>
-          <a:prstGeom prst="rect">
-            <a:avLst/>
-          </a:prstGeom>
-        </p:spPr>
-      </p:pic>
-    </p:spTree>
-    <p:extLst>
-      <p:ext uri="{BB962C8B-B14F-4D97-AF65-F5344CB8AC3E}">
-        <p14:creationId xmlns:p14="http://schemas.microsoft.com/office/powerpoint/2010/main" val="3643970442"/>
-      </p:ext>
-    </p:extLst>
-  </p:cSld>
-  <p:clrMapOvr>
-    <a:masterClrMapping/>
-  </p:clrMapOvr>
   <p:transition spd="slow">
     <p:push dir="u"/>
   </p:transition>
 </p:sld>
 </file>
 
-<file path=ppt/slides/slide15.xml><?xml version="1.0" encoding="utf-8"?>
+<file path=ppt/slides/slide14.xml><?xml version="1.0" encoding="utf-8"?>
 <p:sld xmlns:a="http://schemas.openxmlformats.org/drawingml/2006/main" xmlns:r="http://schemas.openxmlformats.org/officeDocument/2006/relationships" xmlns:p="http://schemas.openxmlformats.org/presentationml/2006/main">
   <p:cSld>
     <p:spTree>
@@ -4647,7 +5250,1909 @@
 </p:sld>
 </file>
 
+<file path=ppt/slides/slide15.xml><?xml version="1.0" encoding="utf-8"?>
+<p:sld xmlns:a="http://schemas.openxmlformats.org/drawingml/2006/main" xmlns:r="http://schemas.openxmlformats.org/officeDocument/2006/relationships" xmlns:p="http://schemas.openxmlformats.org/presentationml/2006/main">
+  <p:cSld>
+    <p:spTree>
+      <p:nvGrpSpPr>
+        <p:cNvPr id="1" name=""/>
+        <p:cNvGrpSpPr/>
+        <p:nvPr/>
+      </p:nvGrpSpPr>
+      <p:grpSpPr>
+        <a:xfrm>
+          <a:off x="0" y="0"/>
+          <a:ext cx="0" cy="0"/>
+          <a:chOff x="0" y="0"/>
+          <a:chExt cx="0" cy="0"/>
+        </a:xfrm>
+      </p:grpSpPr>
+      <p:pic>
+        <p:nvPicPr>
+          <p:cNvPr id="4" name="Рисунок 3">
+            <a:extLst>
+              <a:ext uri="{FF2B5EF4-FFF2-40B4-BE49-F238E27FC236}">
+                <a16:creationId xmlns:a16="http://schemas.microsoft.com/office/drawing/2014/main" id="{04368FFA-15D6-4B14-8834-904650F183AC}"/>
+              </a:ext>
+            </a:extLst>
+          </p:cNvPr>
+          <p:cNvPicPr>
+            <a:picLocks noChangeAspect="1"/>
+          </p:cNvPicPr>
+          <p:nvPr/>
+        </p:nvPicPr>
+        <p:blipFill>
+          <a:blip r:embed="rId2">
+            <a:extLst>
+              <a:ext uri="{28A0092B-C50C-407E-A947-70E740481C1C}">
+                <a14:useLocalDpi xmlns:a14="http://schemas.microsoft.com/office/drawing/2010/main" val="0"/>
+              </a:ext>
+            </a:extLst>
+          </a:blip>
+          <a:stretch>
+            <a:fillRect/>
+          </a:stretch>
+        </p:blipFill>
+        <p:spPr>
+          <a:xfrm>
+            <a:off x="265365" y="0"/>
+            <a:ext cx="11661269" cy="6858000"/>
+          </a:xfrm>
+          <a:prstGeom prst="rect">
+            <a:avLst/>
+          </a:prstGeom>
+        </p:spPr>
+      </p:pic>
+    </p:spTree>
+    <p:extLst>
+      <p:ext uri="{BB962C8B-B14F-4D97-AF65-F5344CB8AC3E}">
+        <p14:creationId xmlns:p14="http://schemas.microsoft.com/office/powerpoint/2010/main" val="3643970442"/>
+      </p:ext>
+    </p:extLst>
+  </p:cSld>
+  <p:clrMapOvr>
+    <a:masterClrMapping/>
+  </p:clrMapOvr>
+  <p:transition spd="slow">
+    <p:push dir="u"/>
+  </p:transition>
+</p:sld>
+</file>
+
 <file path=ppt/slides/slide16.xml><?xml version="1.0" encoding="utf-8"?>
+<p:sld xmlns:a="http://schemas.openxmlformats.org/drawingml/2006/main" xmlns:r="http://schemas.openxmlformats.org/officeDocument/2006/relationships" xmlns:p="http://schemas.openxmlformats.org/presentationml/2006/main">
+  <p:cSld>
+    <p:spTree>
+      <p:nvGrpSpPr>
+        <p:cNvPr id="1" name=""/>
+        <p:cNvGrpSpPr/>
+        <p:nvPr/>
+      </p:nvGrpSpPr>
+      <p:grpSpPr>
+        <a:xfrm>
+          <a:off x="0" y="0"/>
+          <a:ext cx="0" cy="0"/>
+          <a:chOff x="0" y="0"/>
+          <a:chExt cx="0" cy="0"/>
+        </a:xfrm>
+      </p:grpSpPr>
+      <p:pic>
+        <p:nvPicPr>
+          <p:cNvPr id="22" name="Рисунок 21">
+            <a:extLst>
+              <a:ext uri="{FF2B5EF4-FFF2-40B4-BE49-F238E27FC236}">
+                <a16:creationId xmlns:a16="http://schemas.microsoft.com/office/drawing/2014/main" id="{AB0125AB-EFBD-4B09-A819-9895447A2B2E}"/>
+              </a:ext>
+            </a:extLst>
+          </p:cNvPr>
+          <p:cNvPicPr>
+            <a:picLocks noChangeAspect="1"/>
+          </p:cNvPicPr>
+          <p:nvPr/>
+        </p:nvPicPr>
+        <p:blipFill>
+          <a:blip r:embed="rId3">
+            <a:extLst>
+              <a:ext uri="{28A0092B-C50C-407E-A947-70E740481C1C}">
+                <a14:useLocalDpi xmlns:a14="http://schemas.microsoft.com/office/drawing/2010/main" val="0"/>
+              </a:ext>
+            </a:extLst>
+          </a:blip>
+          <a:stretch>
+            <a:fillRect/>
+          </a:stretch>
+        </p:blipFill>
+        <p:spPr>
+          <a:xfrm>
+            <a:off x="0" y="0"/>
+            <a:ext cx="12192000" cy="6858000"/>
+          </a:xfrm>
+          <a:prstGeom prst="rect">
+            <a:avLst/>
+          </a:prstGeom>
+        </p:spPr>
+      </p:pic>
+      <p:sp>
+        <p:nvSpPr>
+          <p:cNvPr id="29" name="Прямоугольник 28">
+            <a:extLst>
+              <a:ext uri="{FF2B5EF4-FFF2-40B4-BE49-F238E27FC236}">
+                <a16:creationId xmlns:a16="http://schemas.microsoft.com/office/drawing/2014/main" id="{92C77AE1-835F-4166-992A-060BAD2EDF79}"/>
+              </a:ext>
+            </a:extLst>
+          </p:cNvPr>
+          <p:cNvSpPr/>
+          <p:nvPr/>
+        </p:nvSpPr>
+        <p:spPr>
+          <a:xfrm>
+            <a:off x="0" y="-15004"/>
+            <a:ext cx="12192000" cy="1485733"/>
+          </a:xfrm>
+          <a:prstGeom prst="rect">
+            <a:avLst/>
+          </a:prstGeom>
+          <a:solidFill>
+            <a:srgbClr val="252729"/>
+          </a:solidFill>
+          <a:ln>
+            <a:noFill/>
+          </a:ln>
+        </p:spPr>
+        <p:style>
+          <a:lnRef idx="2">
+            <a:schemeClr val="accent1">
+              <a:shade val="50000"/>
+            </a:schemeClr>
+          </a:lnRef>
+          <a:fillRef idx="1">
+            <a:schemeClr val="accent1"/>
+          </a:fillRef>
+          <a:effectRef idx="0">
+            <a:schemeClr val="accent1"/>
+          </a:effectRef>
+          <a:fontRef idx="minor">
+            <a:schemeClr val="lt1"/>
+          </a:fontRef>
+        </p:style>
+        <p:txBody>
+          <a:bodyPr rtlCol="0" anchor="ctr"/>
+          <a:lstStyle/>
+          <a:p>
+            <a:pPr algn="ctr"/>
+            <a:endParaRPr lang="ru-RU" sz="1200"/>
+          </a:p>
+        </p:txBody>
+      </p:sp>
+      <p:sp>
+        <p:nvSpPr>
+          <p:cNvPr id="23" name="Звезда: 5 точек 22">
+            <a:extLst>
+              <a:ext uri="{FF2B5EF4-FFF2-40B4-BE49-F238E27FC236}">
+                <a16:creationId xmlns:a16="http://schemas.microsoft.com/office/drawing/2014/main" id="{44530A88-8962-4A71-BC9B-2CC1FAEFF2D5}"/>
+              </a:ext>
+            </a:extLst>
+          </p:cNvPr>
+          <p:cNvSpPr/>
+          <p:nvPr/>
+        </p:nvSpPr>
+        <p:spPr>
+          <a:xfrm>
+            <a:off x="1917576" y="1821253"/>
+            <a:ext cx="506028" cy="506028"/>
+          </a:xfrm>
+          <a:prstGeom prst="star5">
+            <a:avLst/>
+          </a:prstGeom>
+          <a:solidFill>
+            <a:srgbClr val="C00000"/>
+          </a:solidFill>
+          <a:ln>
+            <a:noFill/>
+          </a:ln>
+        </p:spPr>
+        <p:style>
+          <a:lnRef idx="2">
+            <a:schemeClr val="accent1">
+              <a:shade val="50000"/>
+            </a:schemeClr>
+          </a:lnRef>
+          <a:fillRef idx="1">
+            <a:schemeClr val="accent1"/>
+          </a:fillRef>
+          <a:effectRef idx="0">
+            <a:schemeClr val="accent1"/>
+          </a:effectRef>
+          <a:fontRef idx="minor">
+            <a:schemeClr val="lt1"/>
+          </a:fontRef>
+        </p:style>
+        <p:txBody>
+          <a:bodyPr rtlCol="0" anchor="ctr"/>
+          <a:lstStyle/>
+          <a:p>
+            <a:pPr algn="ctr"/>
+            <a:endParaRPr lang="ru-RU"/>
+          </a:p>
+        </p:txBody>
+      </p:sp>
+      <p:sp>
+        <p:nvSpPr>
+          <p:cNvPr id="24" name="Звезда: 5 точек 23">
+            <a:extLst>
+              <a:ext uri="{FF2B5EF4-FFF2-40B4-BE49-F238E27FC236}">
+                <a16:creationId xmlns:a16="http://schemas.microsoft.com/office/drawing/2014/main" id="{7B038832-E6C6-4DA0-8930-AA328E0C311A}"/>
+              </a:ext>
+            </a:extLst>
+          </p:cNvPr>
+          <p:cNvSpPr/>
+          <p:nvPr/>
+        </p:nvSpPr>
+        <p:spPr>
+          <a:xfrm>
+            <a:off x="10324729" y="2714015"/>
+            <a:ext cx="506028" cy="506028"/>
+          </a:xfrm>
+          <a:prstGeom prst="star5">
+            <a:avLst/>
+          </a:prstGeom>
+          <a:solidFill>
+            <a:srgbClr val="C00000"/>
+          </a:solidFill>
+          <a:ln>
+            <a:noFill/>
+          </a:ln>
+        </p:spPr>
+        <p:style>
+          <a:lnRef idx="2">
+            <a:schemeClr val="accent1">
+              <a:shade val="50000"/>
+            </a:schemeClr>
+          </a:lnRef>
+          <a:fillRef idx="1">
+            <a:schemeClr val="accent1"/>
+          </a:fillRef>
+          <a:effectRef idx="0">
+            <a:schemeClr val="accent1"/>
+          </a:effectRef>
+          <a:fontRef idx="minor">
+            <a:schemeClr val="lt1"/>
+          </a:fontRef>
+        </p:style>
+        <p:txBody>
+          <a:bodyPr rtlCol="0" anchor="ctr"/>
+          <a:lstStyle/>
+          <a:p>
+            <a:pPr algn="ctr"/>
+            <a:endParaRPr lang="ru-RU"/>
+          </a:p>
+        </p:txBody>
+      </p:sp>
+      <p:sp>
+        <p:nvSpPr>
+          <p:cNvPr id="25" name="Звезда: 5 точек 24">
+            <a:extLst>
+              <a:ext uri="{FF2B5EF4-FFF2-40B4-BE49-F238E27FC236}">
+                <a16:creationId xmlns:a16="http://schemas.microsoft.com/office/drawing/2014/main" id="{2DFF6406-BEC1-4976-ADB2-EF4E89316800}"/>
+              </a:ext>
+            </a:extLst>
+          </p:cNvPr>
+          <p:cNvSpPr/>
+          <p:nvPr/>
+        </p:nvSpPr>
+        <p:spPr>
+          <a:xfrm>
+            <a:off x="2681055" y="4365820"/>
+            <a:ext cx="506028" cy="506028"/>
+          </a:xfrm>
+          <a:prstGeom prst="star5">
+            <a:avLst/>
+          </a:prstGeom>
+          <a:solidFill>
+            <a:srgbClr val="C00000"/>
+          </a:solidFill>
+          <a:ln>
+            <a:noFill/>
+          </a:ln>
+        </p:spPr>
+        <p:style>
+          <a:lnRef idx="2">
+            <a:schemeClr val="accent1">
+              <a:shade val="50000"/>
+            </a:schemeClr>
+          </a:lnRef>
+          <a:fillRef idx="1">
+            <a:schemeClr val="accent1"/>
+          </a:fillRef>
+          <a:effectRef idx="0">
+            <a:schemeClr val="accent1"/>
+          </a:effectRef>
+          <a:fontRef idx="minor">
+            <a:schemeClr val="lt1"/>
+          </a:fontRef>
+        </p:style>
+        <p:txBody>
+          <a:bodyPr rtlCol="0" anchor="ctr"/>
+          <a:lstStyle/>
+          <a:p>
+            <a:pPr algn="ctr"/>
+            <a:endParaRPr lang="ru-RU"/>
+          </a:p>
+        </p:txBody>
+      </p:sp>
+      <p:sp>
+        <p:nvSpPr>
+          <p:cNvPr id="26" name="Звезда: 5 точек 25">
+            <a:extLst>
+              <a:ext uri="{FF2B5EF4-FFF2-40B4-BE49-F238E27FC236}">
+                <a16:creationId xmlns:a16="http://schemas.microsoft.com/office/drawing/2014/main" id="{D9C041BB-6421-4DBB-93A4-CBF7CE2D8DFD}"/>
+              </a:ext>
+            </a:extLst>
+          </p:cNvPr>
+          <p:cNvSpPr/>
+          <p:nvPr/>
+        </p:nvSpPr>
+        <p:spPr>
+          <a:xfrm>
+            <a:off x="9055222" y="1485733"/>
+            <a:ext cx="506028" cy="506028"/>
+          </a:xfrm>
+          <a:prstGeom prst="star5">
+            <a:avLst/>
+          </a:prstGeom>
+          <a:solidFill>
+            <a:srgbClr val="C00000"/>
+          </a:solidFill>
+          <a:ln>
+            <a:noFill/>
+          </a:ln>
+        </p:spPr>
+        <p:style>
+          <a:lnRef idx="2">
+            <a:schemeClr val="accent1">
+              <a:shade val="50000"/>
+            </a:schemeClr>
+          </a:lnRef>
+          <a:fillRef idx="1">
+            <a:schemeClr val="accent1"/>
+          </a:fillRef>
+          <a:effectRef idx="0">
+            <a:schemeClr val="accent1"/>
+          </a:effectRef>
+          <a:fontRef idx="minor">
+            <a:schemeClr val="lt1"/>
+          </a:fontRef>
+        </p:style>
+        <p:txBody>
+          <a:bodyPr rtlCol="0" anchor="ctr"/>
+          <a:lstStyle/>
+          <a:p>
+            <a:pPr algn="ctr"/>
+            <a:endParaRPr lang="ru-RU"/>
+          </a:p>
+        </p:txBody>
+      </p:sp>
+      <p:sp>
+        <p:nvSpPr>
+          <p:cNvPr id="27" name="Звезда: 5 точек 26">
+            <a:extLst>
+              <a:ext uri="{FF2B5EF4-FFF2-40B4-BE49-F238E27FC236}">
+                <a16:creationId xmlns:a16="http://schemas.microsoft.com/office/drawing/2014/main" id="{D7295DCC-DB9E-4B92-9501-16A2CC7825DC}"/>
+              </a:ext>
+            </a:extLst>
+          </p:cNvPr>
+          <p:cNvSpPr/>
+          <p:nvPr/>
+        </p:nvSpPr>
+        <p:spPr>
+          <a:xfrm>
+            <a:off x="8904302" y="4438172"/>
+            <a:ext cx="506028" cy="506028"/>
+          </a:xfrm>
+          <a:prstGeom prst="star5">
+            <a:avLst/>
+          </a:prstGeom>
+          <a:solidFill>
+            <a:srgbClr val="C00000"/>
+          </a:solidFill>
+          <a:ln>
+            <a:noFill/>
+          </a:ln>
+        </p:spPr>
+        <p:style>
+          <a:lnRef idx="2">
+            <a:schemeClr val="accent1">
+              <a:shade val="50000"/>
+            </a:schemeClr>
+          </a:lnRef>
+          <a:fillRef idx="1">
+            <a:schemeClr val="accent1"/>
+          </a:fillRef>
+          <a:effectRef idx="0">
+            <a:schemeClr val="accent1"/>
+          </a:effectRef>
+          <a:fontRef idx="minor">
+            <a:schemeClr val="lt1"/>
+          </a:fontRef>
+        </p:style>
+        <p:txBody>
+          <a:bodyPr rtlCol="0" anchor="ctr"/>
+          <a:lstStyle/>
+          <a:p>
+            <a:pPr algn="ctr"/>
+            <a:endParaRPr lang="ru-RU"/>
+          </a:p>
+        </p:txBody>
+      </p:sp>
+      <p:sp>
+        <p:nvSpPr>
+          <p:cNvPr id="28" name="Звезда: 5 точек 27">
+            <a:extLst>
+              <a:ext uri="{FF2B5EF4-FFF2-40B4-BE49-F238E27FC236}">
+                <a16:creationId xmlns:a16="http://schemas.microsoft.com/office/drawing/2014/main" id="{1B45B56E-2782-40C5-A09A-C9B5A9444A80}"/>
+              </a:ext>
+            </a:extLst>
+          </p:cNvPr>
+          <p:cNvSpPr/>
+          <p:nvPr/>
+        </p:nvSpPr>
+        <p:spPr>
+          <a:xfrm>
+            <a:off x="1207362" y="3557725"/>
+            <a:ext cx="506028" cy="506028"/>
+          </a:xfrm>
+          <a:prstGeom prst="star5">
+            <a:avLst/>
+          </a:prstGeom>
+          <a:solidFill>
+            <a:srgbClr val="C00000"/>
+          </a:solidFill>
+          <a:ln>
+            <a:noFill/>
+          </a:ln>
+        </p:spPr>
+        <p:style>
+          <a:lnRef idx="2">
+            <a:schemeClr val="accent1">
+              <a:shade val="50000"/>
+            </a:schemeClr>
+          </a:lnRef>
+          <a:fillRef idx="1">
+            <a:schemeClr val="accent1"/>
+          </a:fillRef>
+          <a:effectRef idx="0">
+            <a:schemeClr val="accent1"/>
+          </a:effectRef>
+          <a:fontRef idx="minor">
+            <a:schemeClr val="lt1"/>
+          </a:fontRef>
+        </p:style>
+        <p:txBody>
+          <a:bodyPr rtlCol="0" anchor="ctr"/>
+          <a:lstStyle/>
+          <a:p>
+            <a:pPr algn="ctr"/>
+            <a:endParaRPr lang="ru-RU"/>
+          </a:p>
+        </p:txBody>
+      </p:sp>
+      <p:sp>
+        <p:nvSpPr>
+          <p:cNvPr id="30" name="Заголовок 1">
+            <a:extLst>
+              <a:ext uri="{FF2B5EF4-FFF2-40B4-BE49-F238E27FC236}">
+                <a16:creationId xmlns:a16="http://schemas.microsoft.com/office/drawing/2014/main" id="{0D60EB88-7FB2-4069-96D1-8266B7FB5BB6}"/>
+              </a:ext>
+            </a:extLst>
+          </p:cNvPr>
+          <p:cNvSpPr txBox="1">
+            <a:spLocks/>
+          </p:cNvSpPr>
+          <p:nvPr/>
+        </p:nvSpPr>
+        <p:spPr>
+          <a:xfrm>
+            <a:off x="967666" y="268718"/>
+            <a:ext cx="10256668" cy="946134"/>
+          </a:xfrm>
+          <a:prstGeom prst="rect">
+            <a:avLst/>
+          </a:prstGeom>
+          <a:ln w="57150">
+            <a:solidFill>
+              <a:srgbClr val="252729"/>
+            </a:solidFill>
+          </a:ln>
+        </p:spPr>
+        <p:txBody>
+          <a:bodyPr vert="horz" lIns="91440" tIns="45720" rIns="91440" bIns="45720" rtlCol="0" anchor="ctr">
+            <a:normAutofit fontScale="97500"/>
+          </a:bodyPr>
+          <a:lstStyle>
+            <a:lvl1pPr algn="ctr" defTabSz="914400" rtl="0" eaLnBrk="1" latinLnBrk="0" hangingPunct="1">
+              <a:lnSpc>
+                <a:spcPct val="90000"/>
+              </a:lnSpc>
+              <a:spcBef>
+                <a:spcPct val="0"/>
+              </a:spcBef>
+              <a:buNone/>
+              <a:defRPr sz="6000" kern="1200">
+                <a:solidFill>
+                  <a:schemeClr val="tx1"/>
+                </a:solidFill>
+                <a:latin typeface="+mj-lt"/>
+                <a:ea typeface="+mj-ea"/>
+                <a:cs typeface="+mj-cs"/>
+              </a:defRPr>
+            </a:lvl1pPr>
+          </a:lstStyle>
+          <a:p>
+            <a:r>
+              <a:rPr lang="ru-RU" sz="4800" b="1" dirty="0">
+                <a:solidFill>
+                  <a:srgbClr val="E6D3AD"/>
+                </a:solidFill>
+                <a:latin typeface="Jost" pitchFamily="2" charset="-52"/>
+                <a:ea typeface="Jost" pitchFamily="2" charset="-52"/>
+              </a:rPr>
+              <a:t>Проверка на нормальное</a:t>
+            </a:r>
+          </a:p>
+        </p:txBody>
+      </p:sp>
+      <p:sp>
+        <p:nvSpPr>
+          <p:cNvPr id="32" name="Заголовок 1">
+            <a:extLst>
+              <a:ext uri="{FF2B5EF4-FFF2-40B4-BE49-F238E27FC236}">
+                <a16:creationId xmlns:a16="http://schemas.microsoft.com/office/drawing/2014/main" id="{7DC18235-2849-4D24-9F1A-CAFE51080ED2}"/>
+              </a:ext>
+            </a:extLst>
+          </p:cNvPr>
+          <p:cNvSpPr txBox="1">
+            <a:spLocks/>
+          </p:cNvSpPr>
+          <p:nvPr/>
+        </p:nvSpPr>
+        <p:spPr>
+          <a:xfrm>
+            <a:off x="2352582" y="5676608"/>
+            <a:ext cx="7486836" cy="946134"/>
+          </a:xfrm>
+          <a:prstGeom prst="rect">
+            <a:avLst/>
+          </a:prstGeom>
+          <a:ln w="57150">
+            <a:solidFill>
+              <a:srgbClr val="E6D3AD"/>
+            </a:solidFill>
+          </a:ln>
+        </p:spPr>
+        <p:txBody>
+          <a:bodyPr vert="horz" lIns="91440" tIns="45720" rIns="91440" bIns="45720" rtlCol="0" anchor="ctr">
+            <a:normAutofit fontScale="97500"/>
+          </a:bodyPr>
+          <a:lstStyle>
+            <a:lvl1pPr algn="ctr" defTabSz="914400" rtl="0" eaLnBrk="1" latinLnBrk="0" hangingPunct="1">
+              <a:lnSpc>
+                <a:spcPct val="90000"/>
+              </a:lnSpc>
+              <a:spcBef>
+                <a:spcPct val="0"/>
+              </a:spcBef>
+              <a:buNone/>
+              <a:defRPr sz="6000" kern="1200">
+                <a:solidFill>
+                  <a:schemeClr val="tx1"/>
+                </a:solidFill>
+                <a:latin typeface="+mj-lt"/>
+                <a:ea typeface="+mj-ea"/>
+                <a:cs typeface="+mj-cs"/>
+              </a:defRPr>
+            </a:lvl1pPr>
+          </a:lstStyle>
+          <a:p>
+            <a:r>
+              <a:rPr lang="ru-RU" b="1" dirty="0">
+                <a:solidFill>
+                  <a:srgbClr val="E6D3AD"/>
+                </a:solidFill>
+                <a:latin typeface="Jost" pitchFamily="2" charset="-52"/>
+                <a:ea typeface="Jost" pitchFamily="2" charset="-52"/>
+              </a:rPr>
+              <a:t>Распределение</a:t>
+            </a:r>
+          </a:p>
+        </p:txBody>
+      </p:sp>
+    </p:spTree>
+    <p:extLst>
+      <p:ext uri="{BB962C8B-B14F-4D97-AF65-F5344CB8AC3E}">
+        <p14:creationId xmlns:p14="http://schemas.microsoft.com/office/powerpoint/2010/main" val="2695039359"/>
+      </p:ext>
+    </p:extLst>
+  </p:cSld>
+  <p:clrMapOvr>
+    <a:masterClrMapping/>
+  </p:clrMapOvr>
+  <p:transition spd="slow">
+    <p:push dir="u"/>
+  </p:transition>
+</p:sld>
+</file>
+
+<file path=ppt/slides/slide17.xml><?xml version="1.0" encoding="utf-8"?>
+<p:sld xmlns:a="http://schemas.openxmlformats.org/drawingml/2006/main" xmlns:r="http://schemas.openxmlformats.org/officeDocument/2006/relationships" xmlns:p="http://schemas.openxmlformats.org/presentationml/2006/main">
+  <p:cSld>
+    <p:spTree>
+      <p:nvGrpSpPr>
+        <p:cNvPr id="1" name=""/>
+        <p:cNvGrpSpPr/>
+        <p:nvPr/>
+      </p:nvGrpSpPr>
+      <p:grpSpPr>
+        <a:xfrm>
+          <a:off x="0" y="0"/>
+          <a:ext cx="0" cy="0"/>
+          <a:chOff x="0" y="0"/>
+          <a:chExt cx="0" cy="0"/>
+        </a:xfrm>
+      </p:grpSpPr>
+      <p:pic>
+        <p:nvPicPr>
+          <p:cNvPr id="3" name="Рисунок 2">
+            <a:extLst>
+              <a:ext uri="{FF2B5EF4-FFF2-40B4-BE49-F238E27FC236}">
+                <a16:creationId xmlns:a16="http://schemas.microsoft.com/office/drawing/2014/main" id="{848895D7-6A10-4607-B08B-389914B9ACAA}"/>
+              </a:ext>
+            </a:extLst>
+          </p:cNvPr>
+          <p:cNvPicPr>
+            <a:picLocks noChangeAspect="1"/>
+          </p:cNvPicPr>
+          <p:nvPr/>
+        </p:nvPicPr>
+        <p:blipFill>
+          <a:blip r:embed="rId2">
+            <a:extLst>
+              <a:ext uri="{28A0092B-C50C-407E-A947-70E740481C1C}">
+                <a14:useLocalDpi xmlns:a14="http://schemas.microsoft.com/office/drawing/2010/main" val="0"/>
+              </a:ext>
+            </a:extLst>
+          </a:blip>
+          <a:stretch>
+            <a:fillRect/>
+          </a:stretch>
+        </p:blipFill>
+        <p:spPr>
+          <a:xfrm>
+            <a:off x="0" y="0"/>
+            <a:ext cx="12192000" cy="6858000"/>
+          </a:xfrm>
+          <a:prstGeom prst="rect">
+            <a:avLst/>
+          </a:prstGeom>
+        </p:spPr>
+      </p:pic>
+    </p:spTree>
+    <p:extLst>
+      <p:ext uri="{BB962C8B-B14F-4D97-AF65-F5344CB8AC3E}">
+        <p14:creationId xmlns:p14="http://schemas.microsoft.com/office/powerpoint/2010/main" val="1630172227"/>
+      </p:ext>
+    </p:extLst>
+  </p:cSld>
+  <p:clrMapOvr>
+    <a:masterClrMapping/>
+  </p:clrMapOvr>
+  <p:transition spd="slow">
+    <p:push dir="u"/>
+  </p:transition>
+</p:sld>
+</file>
+
+<file path=ppt/slides/slide18.xml><?xml version="1.0" encoding="utf-8"?>
+<p:sld xmlns:a="http://schemas.openxmlformats.org/drawingml/2006/main" xmlns:r="http://schemas.openxmlformats.org/officeDocument/2006/relationships" xmlns:p="http://schemas.openxmlformats.org/presentationml/2006/main">
+  <p:cSld>
+    <p:spTree>
+      <p:nvGrpSpPr>
+        <p:cNvPr id="1" name=""/>
+        <p:cNvGrpSpPr/>
+        <p:nvPr/>
+      </p:nvGrpSpPr>
+      <p:grpSpPr>
+        <a:xfrm>
+          <a:off x="0" y="0"/>
+          <a:ext cx="0" cy="0"/>
+          <a:chOff x="0" y="0"/>
+          <a:chExt cx="0" cy="0"/>
+        </a:xfrm>
+      </p:grpSpPr>
+      <p:pic>
+        <p:nvPicPr>
+          <p:cNvPr id="12" name="Рисунок 11">
+            <a:extLst>
+              <a:ext uri="{FF2B5EF4-FFF2-40B4-BE49-F238E27FC236}">
+                <a16:creationId xmlns:a16="http://schemas.microsoft.com/office/drawing/2014/main" id="{23992464-CF23-4EE4-9329-2B1EE0C18122}"/>
+              </a:ext>
+            </a:extLst>
+          </p:cNvPr>
+          <p:cNvPicPr>
+            <a:picLocks noChangeAspect="1"/>
+          </p:cNvPicPr>
+          <p:nvPr/>
+        </p:nvPicPr>
+        <p:blipFill>
+          <a:blip r:embed="rId2">
+            <a:extLst>
+              <a:ext uri="{28A0092B-C50C-407E-A947-70E740481C1C}">
+                <a14:useLocalDpi xmlns:a14="http://schemas.microsoft.com/office/drawing/2010/main" val="0"/>
+              </a:ext>
+            </a:extLst>
+          </a:blip>
+          <a:stretch>
+            <a:fillRect/>
+          </a:stretch>
+        </p:blipFill>
+        <p:spPr>
+          <a:xfrm>
+            <a:off x="0" y="0"/>
+            <a:ext cx="12192000" cy="6858000"/>
+          </a:xfrm>
+          <a:prstGeom prst="rect">
+            <a:avLst/>
+          </a:prstGeom>
+        </p:spPr>
+      </p:pic>
+    </p:spTree>
+    <p:extLst>
+      <p:ext uri="{BB962C8B-B14F-4D97-AF65-F5344CB8AC3E}">
+        <p14:creationId xmlns:p14="http://schemas.microsoft.com/office/powerpoint/2010/main" val="3004338295"/>
+      </p:ext>
+    </p:extLst>
+  </p:cSld>
+  <p:clrMapOvr>
+    <a:masterClrMapping/>
+  </p:clrMapOvr>
+  <p:transition spd="slow">
+    <p:push dir="u"/>
+  </p:transition>
+</p:sld>
+</file>
+
+<file path=ppt/slides/slide19.xml><?xml version="1.0" encoding="utf-8"?>
+<p:sld xmlns:a="http://schemas.openxmlformats.org/drawingml/2006/main" xmlns:r="http://schemas.openxmlformats.org/officeDocument/2006/relationships" xmlns:p="http://schemas.openxmlformats.org/presentationml/2006/main">
+  <p:cSld>
+    <p:spTree>
+      <p:nvGrpSpPr>
+        <p:cNvPr id="1" name=""/>
+        <p:cNvGrpSpPr/>
+        <p:nvPr/>
+      </p:nvGrpSpPr>
+      <p:grpSpPr>
+        <a:xfrm>
+          <a:off x="0" y="0"/>
+          <a:ext cx="0" cy="0"/>
+          <a:chOff x="0" y="0"/>
+          <a:chExt cx="0" cy="0"/>
+        </a:xfrm>
+      </p:grpSpPr>
+      <p:pic>
+        <p:nvPicPr>
+          <p:cNvPr id="3" name="Рисунок 2">
+            <a:extLst>
+              <a:ext uri="{FF2B5EF4-FFF2-40B4-BE49-F238E27FC236}">
+                <a16:creationId xmlns:a16="http://schemas.microsoft.com/office/drawing/2014/main" id="{E7A47B8B-FD95-42D6-9F43-64CBC4459EAC}"/>
+              </a:ext>
+            </a:extLst>
+          </p:cNvPr>
+          <p:cNvPicPr>
+            <a:picLocks noChangeAspect="1"/>
+          </p:cNvPicPr>
+          <p:nvPr/>
+        </p:nvPicPr>
+        <p:blipFill>
+          <a:blip r:embed="rId2">
+            <a:extLst>
+              <a:ext uri="{28A0092B-C50C-407E-A947-70E740481C1C}">
+                <a14:useLocalDpi xmlns:a14="http://schemas.microsoft.com/office/drawing/2010/main" val="0"/>
+              </a:ext>
+            </a:extLst>
+          </a:blip>
+          <a:stretch>
+            <a:fillRect/>
+          </a:stretch>
+        </p:blipFill>
+        <p:spPr>
+          <a:xfrm>
+            <a:off x="8878" y="8878"/>
+            <a:ext cx="12192000" cy="6858000"/>
+          </a:xfrm>
+          <a:prstGeom prst="rect">
+            <a:avLst/>
+          </a:prstGeom>
+        </p:spPr>
+      </p:pic>
+    </p:spTree>
+    <p:extLst>
+      <p:ext uri="{BB962C8B-B14F-4D97-AF65-F5344CB8AC3E}">
+        <p14:creationId xmlns:p14="http://schemas.microsoft.com/office/powerpoint/2010/main" val="4224369862"/>
+      </p:ext>
+    </p:extLst>
+  </p:cSld>
+  <p:clrMapOvr>
+    <a:masterClrMapping/>
+  </p:clrMapOvr>
+  <p:transition spd="slow">
+    <p:push dir="u"/>
+  </p:transition>
+</p:sld>
+</file>
+
+<file path=ppt/slides/slide2.xml><?xml version="1.0" encoding="utf-8"?>
+<p:sld xmlns:a="http://schemas.openxmlformats.org/drawingml/2006/main" xmlns:r="http://schemas.openxmlformats.org/officeDocument/2006/relationships" xmlns:p="http://schemas.openxmlformats.org/presentationml/2006/main">
+  <p:cSld>
+    <p:spTree>
+      <p:nvGrpSpPr>
+        <p:cNvPr id="1" name=""/>
+        <p:cNvGrpSpPr/>
+        <p:nvPr/>
+      </p:nvGrpSpPr>
+      <p:grpSpPr>
+        <a:xfrm>
+          <a:off x="0" y="0"/>
+          <a:ext cx="0" cy="0"/>
+          <a:chOff x="0" y="0"/>
+          <a:chExt cx="0" cy="0"/>
+        </a:xfrm>
+      </p:grpSpPr>
+      <p:pic>
+        <p:nvPicPr>
+          <p:cNvPr id="5" name="Рисунок 4">
+            <a:extLst>
+              <a:ext uri="{FF2B5EF4-FFF2-40B4-BE49-F238E27FC236}">
+                <a16:creationId xmlns:a16="http://schemas.microsoft.com/office/drawing/2014/main" id="{F7D028EE-0455-412B-9D69-966EEB0166D7}"/>
+              </a:ext>
+            </a:extLst>
+          </p:cNvPr>
+          <p:cNvPicPr>
+            <a:picLocks noChangeAspect="1"/>
+          </p:cNvPicPr>
+          <p:nvPr/>
+        </p:nvPicPr>
+        <p:blipFill>
+          <a:blip r:embed="rId2">
+            <a:extLst>
+              <a:ext uri="{28A0092B-C50C-407E-A947-70E740481C1C}">
+                <a14:useLocalDpi xmlns:a14="http://schemas.microsoft.com/office/drawing/2010/main" val="0"/>
+              </a:ext>
+            </a:extLst>
+          </a:blip>
+          <a:stretch>
+            <a:fillRect/>
+          </a:stretch>
+        </p:blipFill>
+        <p:spPr>
+          <a:xfrm>
+            <a:off x="225338" y="0"/>
+            <a:ext cx="11741323" cy="6858000"/>
+          </a:xfrm>
+          <a:prstGeom prst="rect">
+            <a:avLst/>
+          </a:prstGeom>
+        </p:spPr>
+      </p:pic>
+    </p:spTree>
+    <p:extLst>
+      <p:ext uri="{BB962C8B-B14F-4D97-AF65-F5344CB8AC3E}">
+        <p14:creationId xmlns:p14="http://schemas.microsoft.com/office/powerpoint/2010/main" val="2398846212"/>
+      </p:ext>
+    </p:extLst>
+  </p:cSld>
+  <p:clrMapOvr>
+    <a:masterClrMapping/>
+  </p:clrMapOvr>
+  <p:transition spd="slow">
+    <p:push dir="u"/>
+  </p:transition>
+</p:sld>
+</file>
+
+<file path=ppt/slides/slide20.xml><?xml version="1.0" encoding="utf-8"?>
+<p:sld xmlns:a="http://schemas.openxmlformats.org/drawingml/2006/main" xmlns:r="http://schemas.openxmlformats.org/officeDocument/2006/relationships" xmlns:p="http://schemas.openxmlformats.org/presentationml/2006/main">
+  <p:cSld>
+    <p:spTree>
+      <p:nvGrpSpPr>
+        <p:cNvPr id="1" name=""/>
+        <p:cNvGrpSpPr/>
+        <p:nvPr/>
+      </p:nvGrpSpPr>
+      <p:grpSpPr>
+        <a:xfrm>
+          <a:off x="0" y="0"/>
+          <a:ext cx="0" cy="0"/>
+          <a:chOff x="0" y="0"/>
+          <a:chExt cx="0" cy="0"/>
+        </a:xfrm>
+      </p:grpSpPr>
+      <p:pic>
+        <p:nvPicPr>
+          <p:cNvPr id="3" name="Рисунок 2">
+            <a:extLst>
+              <a:ext uri="{FF2B5EF4-FFF2-40B4-BE49-F238E27FC236}">
+                <a16:creationId xmlns:a16="http://schemas.microsoft.com/office/drawing/2014/main" id="{9FEB844C-92CE-4E08-9E4C-A568A9D828DD}"/>
+              </a:ext>
+            </a:extLst>
+          </p:cNvPr>
+          <p:cNvPicPr>
+            <a:picLocks noChangeAspect="1"/>
+          </p:cNvPicPr>
+          <p:nvPr/>
+        </p:nvPicPr>
+        <p:blipFill>
+          <a:blip r:embed="rId2">
+            <a:extLst>
+              <a:ext uri="{28A0092B-C50C-407E-A947-70E740481C1C}">
+                <a14:useLocalDpi xmlns:a14="http://schemas.microsoft.com/office/drawing/2010/main" val="0"/>
+              </a:ext>
+            </a:extLst>
+          </a:blip>
+          <a:stretch>
+            <a:fillRect/>
+          </a:stretch>
+        </p:blipFill>
+        <p:spPr>
+          <a:xfrm>
+            <a:off x="0" y="0"/>
+            <a:ext cx="12192000" cy="6858000"/>
+          </a:xfrm>
+          <a:prstGeom prst="rect">
+            <a:avLst/>
+          </a:prstGeom>
+        </p:spPr>
+      </p:pic>
+    </p:spTree>
+    <p:extLst>
+      <p:ext uri="{BB962C8B-B14F-4D97-AF65-F5344CB8AC3E}">
+        <p14:creationId xmlns:p14="http://schemas.microsoft.com/office/powerpoint/2010/main" val="1790636993"/>
+      </p:ext>
+    </p:extLst>
+  </p:cSld>
+  <p:clrMapOvr>
+    <a:masterClrMapping/>
+  </p:clrMapOvr>
+  <p:transition spd="slow">
+    <p:push dir="u"/>
+  </p:transition>
+</p:sld>
+</file>
+
+<file path=ppt/slides/slide21.xml><?xml version="1.0" encoding="utf-8"?>
+<p:sld xmlns:a="http://schemas.openxmlformats.org/drawingml/2006/main" xmlns:r="http://schemas.openxmlformats.org/officeDocument/2006/relationships" xmlns:p="http://schemas.openxmlformats.org/presentationml/2006/main">
+  <p:cSld>
+    <p:spTree>
+      <p:nvGrpSpPr>
+        <p:cNvPr id="1" name=""/>
+        <p:cNvGrpSpPr/>
+        <p:nvPr/>
+      </p:nvGrpSpPr>
+      <p:grpSpPr>
+        <a:xfrm>
+          <a:off x="0" y="0"/>
+          <a:ext cx="0" cy="0"/>
+          <a:chOff x="0" y="0"/>
+          <a:chExt cx="0" cy="0"/>
+        </a:xfrm>
+      </p:grpSpPr>
+      <p:pic>
+        <p:nvPicPr>
+          <p:cNvPr id="3" name="Рисунок 2">
+            <a:extLst>
+              <a:ext uri="{FF2B5EF4-FFF2-40B4-BE49-F238E27FC236}">
+                <a16:creationId xmlns:a16="http://schemas.microsoft.com/office/drawing/2014/main" id="{DA8B1523-52E6-45D6-AF3B-8853CEA23F97}"/>
+              </a:ext>
+            </a:extLst>
+          </p:cNvPr>
+          <p:cNvPicPr>
+            <a:picLocks noChangeAspect="1"/>
+          </p:cNvPicPr>
+          <p:nvPr/>
+        </p:nvPicPr>
+        <p:blipFill>
+          <a:blip r:embed="rId2">
+            <a:extLst>
+              <a:ext uri="{28A0092B-C50C-407E-A947-70E740481C1C}">
+                <a14:useLocalDpi xmlns:a14="http://schemas.microsoft.com/office/drawing/2010/main" val="0"/>
+              </a:ext>
+            </a:extLst>
+          </a:blip>
+          <a:stretch>
+            <a:fillRect/>
+          </a:stretch>
+        </p:blipFill>
+        <p:spPr>
+          <a:xfrm>
+            <a:off x="0" y="0"/>
+            <a:ext cx="12192000" cy="6858000"/>
+          </a:xfrm>
+          <a:prstGeom prst="rect">
+            <a:avLst/>
+          </a:prstGeom>
+        </p:spPr>
+      </p:pic>
+    </p:spTree>
+    <p:extLst>
+      <p:ext uri="{BB962C8B-B14F-4D97-AF65-F5344CB8AC3E}">
+        <p14:creationId xmlns:p14="http://schemas.microsoft.com/office/powerpoint/2010/main" val="2802407047"/>
+      </p:ext>
+    </p:extLst>
+  </p:cSld>
+  <p:clrMapOvr>
+    <a:masterClrMapping/>
+  </p:clrMapOvr>
+  <p:transition spd="slow">
+    <p:push dir="u"/>
+  </p:transition>
+</p:sld>
+</file>
+
+<file path=ppt/slides/slide22.xml><?xml version="1.0" encoding="utf-8"?>
+<p:sld xmlns:a="http://schemas.openxmlformats.org/drawingml/2006/main" xmlns:r="http://schemas.openxmlformats.org/officeDocument/2006/relationships" xmlns:p="http://schemas.openxmlformats.org/presentationml/2006/main">
+  <p:cSld>
+    <p:spTree>
+      <p:nvGrpSpPr>
+        <p:cNvPr id="1" name=""/>
+        <p:cNvGrpSpPr/>
+        <p:nvPr/>
+      </p:nvGrpSpPr>
+      <p:grpSpPr>
+        <a:xfrm>
+          <a:off x="0" y="0"/>
+          <a:ext cx="0" cy="0"/>
+          <a:chOff x="0" y="0"/>
+          <a:chExt cx="0" cy="0"/>
+        </a:xfrm>
+      </p:grpSpPr>
+      <p:pic>
+        <p:nvPicPr>
+          <p:cNvPr id="3" name="Рисунок 2">
+            <a:extLst>
+              <a:ext uri="{FF2B5EF4-FFF2-40B4-BE49-F238E27FC236}">
+                <a16:creationId xmlns:a16="http://schemas.microsoft.com/office/drawing/2014/main" id="{8D939A64-571C-4319-96D3-5C6D434E8889}"/>
+              </a:ext>
+            </a:extLst>
+          </p:cNvPr>
+          <p:cNvPicPr>
+            <a:picLocks noChangeAspect="1"/>
+          </p:cNvPicPr>
+          <p:nvPr/>
+        </p:nvPicPr>
+        <p:blipFill>
+          <a:blip r:embed="rId2">
+            <a:extLst>
+              <a:ext uri="{28A0092B-C50C-407E-A947-70E740481C1C}">
+                <a14:useLocalDpi xmlns:a14="http://schemas.microsoft.com/office/drawing/2010/main" val="0"/>
+              </a:ext>
+            </a:extLst>
+          </a:blip>
+          <a:stretch>
+            <a:fillRect/>
+          </a:stretch>
+        </p:blipFill>
+        <p:spPr>
+          <a:xfrm>
+            <a:off x="0" y="0"/>
+            <a:ext cx="12192000" cy="6858000"/>
+          </a:xfrm>
+          <a:prstGeom prst="rect">
+            <a:avLst/>
+          </a:prstGeom>
+        </p:spPr>
+      </p:pic>
+    </p:spTree>
+    <p:extLst>
+      <p:ext uri="{BB962C8B-B14F-4D97-AF65-F5344CB8AC3E}">
+        <p14:creationId xmlns:p14="http://schemas.microsoft.com/office/powerpoint/2010/main" val="4028706356"/>
+      </p:ext>
+    </p:extLst>
+  </p:cSld>
+  <p:clrMapOvr>
+    <a:masterClrMapping/>
+  </p:clrMapOvr>
+  <p:transition spd="slow">
+    <p:push dir="u"/>
+  </p:transition>
+</p:sld>
+</file>
+
+<file path=ppt/slides/slide23.xml><?xml version="1.0" encoding="utf-8"?>
+<p:sld xmlns:a="http://schemas.openxmlformats.org/drawingml/2006/main" xmlns:r="http://schemas.openxmlformats.org/officeDocument/2006/relationships" xmlns:p="http://schemas.openxmlformats.org/presentationml/2006/main">
+  <p:cSld>
+    <p:spTree>
+      <p:nvGrpSpPr>
+        <p:cNvPr id="1" name=""/>
+        <p:cNvGrpSpPr/>
+        <p:nvPr/>
+      </p:nvGrpSpPr>
+      <p:grpSpPr>
+        <a:xfrm>
+          <a:off x="0" y="0"/>
+          <a:ext cx="0" cy="0"/>
+          <a:chOff x="0" y="0"/>
+          <a:chExt cx="0" cy="0"/>
+        </a:xfrm>
+      </p:grpSpPr>
+      <p:pic>
+        <p:nvPicPr>
+          <p:cNvPr id="3" name="Рисунок 2">
+            <a:extLst>
+              <a:ext uri="{FF2B5EF4-FFF2-40B4-BE49-F238E27FC236}">
+                <a16:creationId xmlns:a16="http://schemas.microsoft.com/office/drawing/2014/main" id="{EE688B65-BFA1-46AB-88A3-57E2694EDBCB}"/>
+              </a:ext>
+            </a:extLst>
+          </p:cNvPr>
+          <p:cNvPicPr>
+            <a:picLocks noChangeAspect="1"/>
+          </p:cNvPicPr>
+          <p:nvPr/>
+        </p:nvPicPr>
+        <p:blipFill>
+          <a:blip r:embed="rId2">
+            <a:extLst>
+              <a:ext uri="{28A0092B-C50C-407E-A947-70E740481C1C}">
+                <a14:useLocalDpi xmlns:a14="http://schemas.microsoft.com/office/drawing/2010/main" val="0"/>
+              </a:ext>
+            </a:extLst>
+          </a:blip>
+          <a:stretch>
+            <a:fillRect/>
+          </a:stretch>
+        </p:blipFill>
+        <p:spPr>
+          <a:xfrm>
+            <a:off x="0" y="0"/>
+            <a:ext cx="12192000" cy="6858000"/>
+          </a:xfrm>
+          <a:prstGeom prst="rect">
+            <a:avLst/>
+          </a:prstGeom>
+        </p:spPr>
+      </p:pic>
+    </p:spTree>
+    <p:extLst>
+      <p:ext uri="{BB962C8B-B14F-4D97-AF65-F5344CB8AC3E}">
+        <p14:creationId xmlns:p14="http://schemas.microsoft.com/office/powerpoint/2010/main" val="2108097794"/>
+      </p:ext>
+    </p:extLst>
+  </p:cSld>
+  <p:clrMapOvr>
+    <a:masterClrMapping/>
+  </p:clrMapOvr>
+  <p:transition spd="slow">
+    <p:push dir="u"/>
+  </p:transition>
+</p:sld>
+</file>
+
+<file path=ppt/slides/slide24.xml><?xml version="1.0" encoding="utf-8"?>
+<p:sld xmlns:a="http://schemas.openxmlformats.org/drawingml/2006/main" xmlns:r="http://schemas.openxmlformats.org/officeDocument/2006/relationships" xmlns:p="http://schemas.openxmlformats.org/presentationml/2006/main">
+  <p:cSld>
+    <p:spTree>
+      <p:nvGrpSpPr>
+        <p:cNvPr id="1" name=""/>
+        <p:cNvGrpSpPr/>
+        <p:nvPr/>
+      </p:nvGrpSpPr>
+      <p:grpSpPr>
+        <a:xfrm>
+          <a:off x="0" y="0"/>
+          <a:ext cx="0" cy="0"/>
+          <a:chOff x="0" y="0"/>
+          <a:chExt cx="0" cy="0"/>
+        </a:xfrm>
+      </p:grpSpPr>
+      <p:pic>
+        <p:nvPicPr>
+          <p:cNvPr id="3" name="Рисунок 2">
+            <a:extLst>
+              <a:ext uri="{FF2B5EF4-FFF2-40B4-BE49-F238E27FC236}">
+                <a16:creationId xmlns:a16="http://schemas.microsoft.com/office/drawing/2014/main" id="{EE9CE2D9-4E20-4E54-8A00-B66F8187FD52}"/>
+              </a:ext>
+            </a:extLst>
+          </p:cNvPr>
+          <p:cNvPicPr>
+            <a:picLocks noChangeAspect="1"/>
+          </p:cNvPicPr>
+          <p:nvPr/>
+        </p:nvPicPr>
+        <p:blipFill>
+          <a:blip r:embed="rId2">
+            <a:extLst>
+              <a:ext uri="{28A0092B-C50C-407E-A947-70E740481C1C}">
+                <a14:useLocalDpi xmlns:a14="http://schemas.microsoft.com/office/drawing/2010/main" val="0"/>
+              </a:ext>
+            </a:extLst>
+          </a:blip>
+          <a:stretch>
+            <a:fillRect/>
+          </a:stretch>
+        </p:blipFill>
+        <p:spPr>
+          <a:xfrm>
+            <a:off x="0" y="0"/>
+            <a:ext cx="12192000" cy="6858000"/>
+          </a:xfrm>
+          <a:prstGeom prst="rect">
+            <a:avLst/>
+          </a:prstGeom>
+        </p:spPr>
+      </p:pic>
+    </p:spTree>
+    <p:extLst>
+      <p:ext uri="{BB962C8B-B14F-4D97-AF65-F5344CB8AC3E}">
+        <p14:creationId xmlns:p14="http://schemas.microsoft.com/office/powerpoint/2010/main" val="2556495907"/>
+      </p:ext>
+    </p:extLst>
+  </p:cSld>
+  <p:clrMapOvr>
+    <a:masterClrMapping/>
+  </p:clrMapOvr>
+  <p:transition spd="slow">
+    <p:push dir="u"/>
+  </p:transition>
+</p:sld>
+</file>
+
+<file path=ppt/slides/slide25.xml><?xml version="1.0" encoding="utf-8"?>
+<p:sld xmlns:a="http://schemas.openxmlformats.org/drawingml/2006/main" xmlns:r="http://schemas.openxmlformats.org/officeDocument/2006/relationships" xmlns:p="http://schemas.openxmlformats.org/presentationml/2006/main">
+  <p:cSld>
+    <p:spTree>
+      <p:nvGrpSpPr>
+        <p:cNvPr id="1" name=""/>
+        <p:cNvGrpSpPr/>
+        <p:nvPr/>
+      </p:nvGrpSpPr>
+      <p:grpSpPr>
+        <a:xfrm>
+          <a:off x="0" y="0"/>
+          <a:ext cx="0" cy="0"/>
+          <a:chOff x="0" y="0"/>
+          <a:chExt cx="0" cy="0"/>
+        </a:xfrm>
+      </p:grpSpPr>
+      <p:pic>
+        <p:nvPicPr>
+          <p:cNvPr id="3" name="Рисунок 2">
+            <a:extLst>
+              <a:ext uri="{FF2B5EF4-FFF2-40B4-BE49-F238E27FC236}">
+                <a16:creationId xmlns:a16="http://schemas.microsoft.com/office/drawing/2014/main" id="{83EC4BE8-6139-4FFB-BA6F-1C52616EAB77}"/>
+              </a:ext>
+            </a:extLst>
+          </p:cNvPr>
+          <p:cNvPicPr>
+            <a:picLocks noChangeAspect="1"/>
+          </p:cNvPicPr>
+          <p:nvPr/>
+        </p:nvPicPr>
+        <p:blipFill>
+          <a:blip r:embed="rId2">
+            <a:extLst>
+              <a:ext uri="{28A0092B-C50C-407E-A947-70E740481C1C}">
+                <a14:useLocalDpi xmlns:a14="http://schemas.microsoft.com/office/drawing/2010/main" val="0"/>
+              </a:ext>
+            </a:extLst>
+          </a:blip>
+          <a:stretch>
+            <a:fillRect/>
+          </a:stretch>
+        </p:blipFill>
+        <p:spPr>
+          <a:xfrm>
+            <a:off x="0" y="0"/>
+            <a:ext cx="12192000" cy="6858000"/>
+          </a:xfrm>
+          <a:prstGeom prst="rect">
+            <a:avLst/>
+          </a:prstGeom>
+        </p:spPr>
+      </p:pic>
+    </p:spTree>
+    <p:extLst>
+      <p:ext uri="{BB962C8B-B14F-4D97-AF65-F5344CB8AC3E}">
+        <p14:creationId xmlns:p14="http://schemas.microsoft.com/office/powerpoint/2010/main" val="2373717383"/>
+      </p:ext>
+    </p:extLst>
+  </p:cSld>
+  <p:clrMapOvr>
+    <a:masterClrMapping/>
+  </p:clrMapOvr>
+  <p:transition spd="slow">
+    <p:push dir="u"/>
+  </p:transition>
+</p:sld>
+</file>
+
+<file path=ppt/slides/slide26.xml><?xml version="1.0" encoding="utf-8"?>
+<p:sld xmlns:a="http://schemas.openxmlformats.org/drawingml/2006/main" xmlns:r="http://schemas.openxmlformats.org/officeDocument/2006/relationships" xmlns:p="http://schemas.openxmlformats.org/presentationml/2006/main">
+  <p:cSld>
+    <p:spTree>
+      <p:nvGrpSpPr>
+        <p:cNvPr id="1" name=""/>
+        <p:cNvGrpSpPr/>
+        <p:nvPr/>
+      </p:nvGrpSpPr>
+      <p:grpSpPr>
+        <a:xfrm>
+          <a:off x="0" y="0"/>
+          <a:ext cx="0" cy="0"/>
+          <a:chOff x="0" y="0"/>
+          <a:chExt cx="0" cy="0"/>
+        </a:xfrm>
+      </p:grpSpPr>
+      <p:pic>
+        <p:nvPicPr>
+          <p:cNvPr id="22" name="Рисунок 21">
+            <a:extLst>
+              <a:ext uri="{FF2B5EF4-FFF2-40B4-BE49-F238E27FC236}">
+                <a16:creationId xmlns:a16="http://schemas.microsoft.com/office/drawing/2014/main" id="{AB0125AB-EFBD-4B09-A819-9895447A2B2E}"/>
+              </a:ext>
+            </a:extLst>
+          </p:cNvPr>
+          <p:cNvPicPr>
+            <a:picLocks noChangeAspect="1"/>
+          </p:cNvPicPr>
+          <p:nvPr/>
+        </p:nvPicPr>
+        <p:blipFill>
+          <a:blip r:embed="rId3">
+            <a:extLst>
+              <a:ext uri="{28A0092B-C50C-407E-A947-70E740481C1C}">
+                <a14:useLocalDpi xmlns:a14="http://schemas.microsoft.com/office/drawing/2010/main" val="0"/>
+              </a:ext>
+            </a:extLst>
+          </a:blip>
+          <a:stretch>
+            <a:fillRect/>
+          </a:stretch>
+        </p:blipFill>
+        <p:spPr>
+          <a:xfrm>
+            <a:off x="0" y="0"/>
+            <a:ext cx="12192000" cy="6858000"/>
+          </a:xfrm>
+          <a:prstGeom prst="rect">
+            <a:avLst/>
+          </a:prstGeom>
+        </p:spPr>
+      </p:pic>
+      <p:sp>
+        <p:nvSpPr>
+          <p:cNvPr id="29" name="Прямоугольник 28">
+            <a:extLst>
+              <a:ext uri="{FF2B5EF4-FFF2-40B4-BE49-F238E27FC236}">
+                <a16:creationId xmlns:a16="http://schemas.microsoft.com/office/drawing/2014/main" id="{92C77AE1-835F-4166-992A-060BAD2EDF79}"/>
+              </a:ext>
+            </a:extLst>
+          </p:cNvPr>
+          <p:cNvSpPr/>
+          <p:nvPr/>
+        </p:nvSpPr>
+        <p:spPr>
+          <a:xfrm>
+            <a:off x="0" y="-15004"/>
+            <a:ext cx="12192000" cy="1485733"/>
+          </a:xfrm>
+          <a:prstGeom prst="rect">
+            <a:avLst/>
+          </a:prstGeom>
+          <a:solidFill>
+            <a:srgbClr val="252729"/>
+          </a:solidFill>
+          <a:ln>
+            <a:noFill/>
+          </a:ln>
+        </p:spPr>
+        <p:style>
+          <a:lnRef idx="2">
+            <a:schemeClr val="accent1">
+              <a:shade val="50000"/>
+            </a:schemeClr>
+          </a:lnRef>
+          <a:fillRef idx="1">
+            <a:schemeClr val="accent1"/>
+          </a:fillRef>
+          <a:effectRef idx="0">
+            <a:schemeClr val="accent1"/>
+          </a:effectRef>
+          <a:fontRef idx="minor">
+            <a:schemeClr val="lt1"/>
+          </a:fontRef>
+        </p:style>
+        <p:txBody>
+          <a:bodyPr rtlCol="0" anchor="ctr"/>
+          <a:lstStyle/>
+          <a:p>
+            <a:pPr algn="ctr"/>
+            <a:endParaRPr lang="ru-RU" sz="1200"/>
+          </a:p>
+        </p:txBody>
+      </p:sp>
+      <p:sp>
+        <p:nvSpPr>
+          <p:cNvPr id="23" name="Звезда: 5 точек 22">
+            <a:extLst>
+              <a:ext uri="{FF2B5EF4-FFF2-40B4-BE49-F238E27FC236}">
+                <a16:creationId xmlns:a16="http://schemas.microsoft.com/office/drawing/2014/main" id="{44530A88-8962-4A71-BC9B-2CC1FAEFF2D5}"/>
+              </a:ext>
+            </a:extLst>
+          </p:cNvPr>
+          <p:cNvSpPr/>
+          <p:nvPr/>
+        </p:nvSpPr>
+        <p:spPr>
+          <a:xfrm>
+            <a:off x="1917576" y="1821253"/>
+            <a:ext cx="506028" cy="506028"/>
+          </a:xfrm>
+          <a:prstGeom prst="star5">
+            <a:avLst/>
+          </a:prstGeom>
+          <a:solidFill>
+            <a:srgbClr val="C00000"/>
+          </a:solidFill>
+          <a:ln>
+            <a:noFill/>
+          </a:ln>
+        </p:spPr>
+        <p:style>
+          <a:lnRef idx="2">
+            <a:schemeClr val="accent1">
+              <a:shade val="50000"/>
+            </a:schemeClr>
+          </a:lnRef>
+          <a:fillRef idx="1">
+            <a:schemeClr val="accent1"/>
+          </a:fillRef>
+          <a:effectRef idx="0">
+            <a:schemeClr val="accent1"/>
+          </a:effectRef>
+          <a:fontRef idx="minor">
+            <a:schemeClr val="lt1"/>
+          </a:fontRef>
+        </p:style>
+        <p:txBody>
+          <a:bodyPr rtlCol="0" anchor="ctr"/>
+          <a:lstStyle/>
+          <a:p>
+            <a:pPr algn="ctr"/>
+            <a:endParaRPr lang="ru-RU"/>
+          </a:p>
+        </p:txBody>
+      </p:sp>
+      <p:sp>
+        <p:nvSpPr>
+          <p:cNvPr id="24" name="Звезда: 5 точек 23">
+            <a:extLst>
+              <a:ext uri="{FF2B5EF4-FFF2-40B4-BE49-F238E27FC236}">
+                <a16:creationId xmlns:a16="http://schemas.microsoft.com/office/drawing/2014/main" id="{7B038832-E6C6-4DA0-8930-AA328E0C311A}"/>
+              </a:ext>
+            </a:extLst>
+          </p:cNvPr>
+          <p:cNvSpPr/>
+          <p:nvPr/>
+        </p:nvSpPr>
+        <p:spPr>
+          <a:xfrm>
+            <a:off x="10324729" y="2714015"/>
+            <a:ext cx="506028" cy="506028"/>
+          </a:xfrm>
+          <a:prstGeom prst="star5">
+            <a:avLst/>
+          </a:prstGeom>
+          <a:solidFill>
+            <a:srgbClr val="C00000"/>
+          </a:solidFill>
+          <a:ln>
+            <a:noFill/>
+          </a:ln>
+        </p:spPr>
+        <p:style>
+          <a:lnRef idx="2">
+            <a:schemeClr val="accent1">
+              <a:shade val="50000"/>
+            </a:schemeClr>
+          </a:lnRef>
+          <a:fillRef idx="1">
+            <a:schemeClr val="accent1"/>
+          </a:fillRef>
+          <a:effectRef idx="0">
+            <a:schemeClr val="accent1"/>
+          </a:effectRef>
+          <a:fontRef idx="minor">
+            <a:schemeClr val="lt1"/>
+          </a:fontRef>
+        </p:style>
+        <p:txBody>
+          <a:bodyPr rtlCol="0" anchor="ctr"/>
+          <a:lstStyle/>
+          <a:p>
+            <a:pPr algn="ctr"/>
+            <a:endParaRPr lang="ru-RU"/>
+          </a:p>
+        </p:txBody>
+      </p:sp>
+      <p:sp>
+        <p:nvSpPr>
+          <p:cNvPr id="25" name="Звезда: 5 точек 24">
+            <a:extLst>
+              <a:ext uri="{FF2B5EF4-FFF2-40B4-BE49-F238E27FC236}">
+                <a16:creationId xmlns:a16="http://schemas.microsoft.com/office/drawing/2014/main" id="{2DFF6406-BEC1-4976-ADB2-EF4E89316800}"/>
+              </a:ext>
+            </a:extLst>
+          </p:cNvPr>
+          <p:cNvSpPr/>
+          <p:nvPr/>
+        </p:nvSpPr>
+        <p:spPr>
+          <a:xfrm>
+            <a:off x="2681055" y="4365820"/>
+            <a:ext cx="506028" cy="506028"/>
+          </a:xfrm>
+          <a:prstGeom prst="star5">
+            <a:avLst/>
+          </a:prstGeom>
+          <a:solidFill>
+            <a:srgbClr val="C00000"/>
+          </a:solidFill>
+          <a:ln>
+            <a:noFill/>
+          </a:ln>
+        </p:spPr>
+        <p:style>
+          <a:lnRef idx="2">
+            <a:schemeClr val="accent1">
+              <a:shade val="50000"/>
+            </a:schemeClr>
+          </a:lnRef>
+          <a:fillRef idx="1">
+            <a:schemeClr val="accent1"/>
+          </a:fillRef>
+          <a:effectRef idx="0">
+            <a:schemeClr val="accent1"/>
+          </a:effectRef>
+          <a:fontRef idx="minor">
+            <a:schemeClr val="lt1"/>
+          </a:fontRef>
+        </p:style>
+        <p:txBody>
+          <a:bodyPr rtlCol="0" anchor="ctr"/>
+          <a:lstStyle/>
+          <a:p>
+            <a:pPr algn="ctr"/>
+            <a:endParaRPr lang="ru-RU"/>
+          </a:p>
+        </p:txBody>
+      </p:sp>
+      <p:sp>
+        <p:nvSpPr>
+          <p:cNvPr id="26" name="Звезда: 5 точек 25">
+            <a:extLst>
+              <a:ext uri="{FF2B5EF4-FFF2-40B4-BE49-F238E27FC236}">
+                <a16:creationId xmlns:a16="http://schemas.microsoft.com/office/drawing/2014/main" id="{D9C041BB-6421-4DBB-93A4-CBF7CE2D8DFD}"/>
+              </a:ext>
+            </a:extLst>
+          </p:cNvPr>
+          <p:cNvSpPr/>
+          <p:nvPr/>
+        </p:nvSpPr>
+        <p:spPr>
+          <a:xfrm>
+            <a:off x="9055222" y="1485733"/>
+            <a:ext cx="506028" cy="506028"/>
+          </a:xfrm>
+          <a:prstGeom prst="star5">
+            <a:avLst/>
+          </a:prstGeom>
+          <a:solidFill>
+            <a:srgbClr val="C00000"/>
+          </a:solidFill>
+          <a:ln>
+            <a:noFill/>
+          </a:ln>
+        </p:spPr>
+        <p:style>
+          <a:lnRef idx="2">
+            <a:schemeClr val="accent1">
+              <a:shade val="50000"/>
+            </a:schemeClr>
+          </a:lnRef>
+          <a:fillRef idx="1">
+            <a:schemeClr val="accent1"/>
+          </a:fillRef>
+          <a:effectRef idx="0">
+            <a:schemeClr val="accent1"/>
+          </a:effectRef>
+          <a:fontRef idx="minor">
+            <a:schemeClr val="lt1"/>
+          </a:fontRef>
+        </p:style>
+        <p:txBody>
+          <a:bodyPr rtlCol="0" anchor="ctr"/>
+          <a:lstStyle/>
+          <a:p>
+            <a:pPr algn="ctr"/>
+            <a:endParaRPr lang="ru-RU"/>
+          </a:p>
+        </p:txBody>
+      </p:sp>
+      <p:sp>
+        <p:nvSpPr>
+          <p:cNvPr id="27" name="Звезда: 5 точек 26">
+            <a:extLst>
+              <a:ext uri="{FF2B5EF4-FFF2-40B4-BE49-F238E27FC236}">
+                <a16:creationId xmlns:a16="http://schemas.microsoft.com/office/drawing/2014/main" id="{D7295DCC-DB9E-4B92-9501-16A2CC7825DC}"/>
+              </a:ext>
+            </a:extLst>
+          </p:cNvPr>
+          <p:cNvSpPr/>
+          <p:nvPr/>
+        </p:nvSpPr>
+        <p:spPr>
+          <a:xfrm>
+            <a:off x="8904302" y="4438172"/>
+            <a:ext cx="506028" cy="506028"/>
+          </a:xfrm>
+          <a:prstGeom prst="star5">
+            <a:avLst/>
+          </a:prstGeom>
+          <a:solidFill>
+            <a:srgbClr val="C00000"/>
+          </a:solidFill>
+          <a:ln>
+            <a:noFill/>
+          </a:ln>
+        </p:spPr>
+        <p:style>
+          <a:lnRef idx="2">
+            <a:schemeClr val="accent1">
+              <a:shade val="50000"/>
+            </a:schemeClr>
+          </a:lnRef>
+          <a:fillRef idx="1">
+            <a:schemeClr val="accent1"/>
+          </a:fillRef>
+          <a:effectRef idx="0">
+            <a:schemeClr val="accent1"/>
+          </a:effectRef>
+          <a:fontRef idx="minor">
+            <a:schemeClr val="lt1"/>
+          </a:fontRef>
+        </p:style>
+        <p:txBody>
+          <a:bodyPr rtlCol="0" anchor="ctr"/>
+          <a:lstStyle/>
+          <a:p>
+            <a:pPr algn="ctr"/>
+            <a:endParaRPr lang="ru-RU"/>
+          </a:p>
+        </p:txBody>
+      </p:sp>
+      <p:sp>
+        <p:nvSpPr>
+          <p:cNvPr id="28" name="Звезда: 5 точек 27">
+            <a:extLst>
+              <a:ext uri="{FF2B5EF4-FFF2-40B4-BE49-F238E27FC236}">
+                <a16:creationId xmlns:a16="http://schemas.microsoft.com/office/drawing/2014/main" id="{1B45B56E-2782-40C5-A09A-C9B5A9444A80}"/>
+              </a:ext>
+            </a:extLst>
+          </p:cNvPr>
+          <p:cNvSpPr/>
+          <p:nvPr/>
+        </p:nvSpPr>
+        <p:spPr>
+          <a:xfrm>
+            <a:off x="1207362" y="3557725"/>
+            <a:ext cx="506028" cy="506028"/>
+          </a:xfrm>
+          <a:prstGeom prst="star5">
+            <a:avLst/>
+          </a:prstGeom>
+          <a:solidFill>
+            <a:srgbClr val="C00000"/>
+          </a:solidFill>
+          <a:ln>
+            <a:noFill/>
+          </a:ln>
+        </p:spPr>
+        <p:style>
+          <a:lnRef idx="2">
+            <a:schemeClr val="accent1">
+              <a:shade val="50000"/>
+            </a:schemeClr>
+          </a:lnRef>
+          <a:fillRef idx="1">
+            <a:schemeClr val="accent1"/>
+          </a:fillRef>
+          <a:effectRef idx="0">
+            <a:schemeClr val="accent1"/>
+          </a:effectRef>
+          <a:fontRef idx="minor">
+            <a:schemeClr val="lt1"/>
+          </a:fontRef>
+        </p:style>
+        <p:txBody>
+          <a:bodyPr rtlCol="0" anchor="ctr"/>
+          <a:lstStyle/>
+          <a:p>
+            <a:pPr algn="ctr"/>
+            <a:endParaRPr lang="ru-RU"/>
+          </a:p>
+        </p:txBody>
+      </p:sp>
+      <p:sp>
+        <p:nvSpPr>
+          <p:cNvPr id="30" name="Заголовок 1">
+            <a:extLst>
+              <a:ext uri="{FF2B5EF4-FFF2-40B4-BE49-F238E27FC236}">
+                <a16:creationId xmlns:a16="http://schemas.microsoft.com/office/drawing/2014/main" id="{0D60EB88-7FB2-4069-96D1-8266B7FB5BB6}"/>
+              </a:ext>
+            </a:extLst>
+          </p:cNvPr>
+          <p:cNvSpPr txBox="1">
+            <a:spLocks/>
+          </p:cNvSpPr>
+          <p:nvPr/>
+        </p:nvSpPr>
+        <p:spPr>
+          <a:xfrm>
+            <a:off x="967666" y="268718"/>
+            <a:ext cx="10256668" cy="946134"/>
+          </a:xfrm>
+          <a:prstGeom prst="rect">
+            <a:avLst/>
+          </a:prstGeom>
+          <a:ln w="57150">
+            <a:solidFill>
+              <a:srgbClr val="252729"/>
+            </a:solidFill>
+          </a:ln>
+        </p:spPr>
+        <p:txBody>
+          <a:bodyPr vert="horz" lIns="91440" tIns="45720" rIns="91440" bIns="45720" rtlCol="0" anchor="ctr">
+            <a:normAutofit fontScale="97500"/>
+          </a:bodyPr>
+          <a:lstStyle>
+            <a:lvl1pPr algn="ctr" defTabSz="914400" rtl="0" eaLnBrk="1" latinLnBrk="0" hangingPunct="1">
+              <a:lnSpc>
+                <a:spcPct val="90000"/>
+              </a:lnSpc>
+              <a:spcBef>
+                <a:spcPct val="0"/>
+              </a:spcBef>
+              <a:buNone/>
+              <a:defRPr sz="6000" kern="1200">
+                <a:solidFill>
+                  <a:schemeClr val="tx1"/>
+                </a:solidFill>
+                <a:latin typeface="+mj-lt"/>
+                <a:ea typeface="+mj-ea"/>
+                <a:cs typeface="+mj-cs"/>
+              </a:defRPr>
+            </a:lvl1pPr>
+          </a:lstStyle>
+          <a:p>
+            <a:r>
+              <a:rPr lang="ru-RU" sz="4800" b="1" dirty="0">
+                <a:solidFill>
+                  <a:srgbClr val="E6D3AD"/>
+                </a:solidFill>
+                <a:latin typeface="Jost" pitchFamily="2" charset="-52"/>
+                <a:ea typeface="Jost" pitchFamily="2" charset="-52"/>
+              </a:rPr>
+              <a:t>Моделирование</a:t>
+            </a:r>
+          </a:p>
+        </p:txBody>
+      </p:sp>
+      <p:sp>
+        <p:nvSpPr>
+          <p:cNvPr id="32" name="Заголовок 1">
+            <a:extLst>
+              <a:ext uri="{FF2B5EF4-FFF2-40B4-BE49-F238E27FC236}">
+                <a16:creationId xmlns:a16="http://schemas.microsoft.com/office/drawing/2014/main" id="{7DC18235-2849-4D24-9F1A-CAFE51080ED2}"/>
+              </a:ext>
+            </a:extLst>
+          </p:cNvPr>
+          <p:cNvSpPr txBox="1">
+            <a:spLocks/>
+          </p:cNvSpPr>
+          <p:nvPr/>
+        </p:nvSpPr>
+        <p:spPr>
+          <a:xfrm>
+            <a:off x="2352582" y="5676608"/>
+            <a:ext cx="7486836" cy="946134"/>
+          </a:xfrm>
+          <a:prstGeom prst="rect">
+            <a:avLst/>
+          </a:prstGeom>
+          <a:ln w="57150">
+            <a:solidFill>
+              <a:srgbClr val="E6D3AD"/>
+            </a:solidFill>
+          </a:ln>
+        </p:spPr>
+        <p:txBody>
+          <a:bodyPr vert="horz" lIns="91440" tIns="45720" rIns="91440" bIns="45720" rtlCol="0" anchor="ctr">
+            <a:normAutofit fontScale="97500"/>
+          </a:bodyPr>
+          <a:lstStyle>
+            <a:lvl1pPr algn="ctr" defTabSz="914400" rtl="0" eaLnBrk="1" latinLnBrk="0" hangingPunct="1">
+              <a:lnSpc>
+                <a:spcPct val="90000"/>
+              </a:lnSpc>
+              <a:spcBef>
+                <a:spcPct val="0"/>
+              </a:spcBef>
+              <a:buNone/>
+              <a:defRPr sz="6000" kern="1200">
+                <a:solidFill>
+                  <a:schemeClr val="tx1"/>
+                </a:solidFill>
+                <a:latin typeface="+mj-lt"/>
+                <a:ea typeface="+mj-ea"/>
+                <a:cs typeface="+mj-cs"/>
+              </a:defRPr>
+            </a:lvl1pPr>
+          </a:lstStyle>
+          <a:p>
+            <a:r>
+              <a:rPr lang="ru-RU" sz="5400" b="1" dirty="0">
+                <a:solidFill>
+                  <a:srgbClr val="E6D3AD"/>
+                </a:solidFill>
+                <a:latin typeface="Jost" pitchFamily="2" charset="-52"/>
+                <a:ea typeface="Jost" pitchFamily="2" charset="-52"/>
+              </a:rPr>
+              <a:t>На </a:t>
+            </a:r>
+            <a:r>
+              <a:rPr lang="en-US" sz="5400" b="1" dirty="0">
+                <a:solidFill>
+                  <a:srgbClr val="E6D3AD"/>
+                </a:solidFill>
+                <a:latin typeface="Jost" pitchFamily="2" charset="-52"/>
+                <a:ea typeface="Jost" pitchFamily="2" charset="-52"/>
+              </a:rPr>
+              <a:t>Python</a:t>
+            </a:r>
+            <a:endParaRPr lang="ru-RU" sz="5400" b="1" dirty="0">
+              <a:solidFill>
+                <a:srgbClr val="E6D3AD"/>
+              </a:solidFill>
+              <a:latin typeface="Jost" pitchFamily="2" charset="-52"/>
+              <a:ea typeface="Jost" pitchFamily="2" charset="-52"/>
+            </a:endParaRPr>
+          </a:p>
+        </p:txBody>
+      </p:sp>
+    </p:spTree>
+    <p:extLst>
+      <p:ext uri="{BB962C8B-B14F-4D97-AF65-F5344CB8AC3E}">
+        <p14:creationId xmlns:p14="http://schemas.microsoft.com/office/powerpoint/2010/main" val="2627454381"/>
+      </p:ext>
+    </p:extLst>
+  </p:cSld>
+  <p:clrMapOvr>
+    <a:masterClrMapping/>
+  </p:clrMapOvr>
+  <p:transition spd="slow">
+    <p:push dir="u"/>
+  </p:transition>
+</p:sld>
+</file>
+
+<file path=ppt/slides/slide27.xml><?xml version="1.0" encoding="utf-8"?>
 <p:sld xmlns:a="http://schemas.openxmlformats.org/drawingml/2006/main" xmlns:r="http://schemas.openxmlformats.org/officeDocument/2006/relationships" xmlns:p="http://schemas.openxmlformats.org/presentationml/2006/main">
   <p:cSld>
     <p:spTree>
@@ -5095,7 +7600,7 @@
 </p:sld>
 </file>
 
-<file path=ppt/slides/slide17.xml><?xml version="1.0" encoding="utf-8"?>
+<file path=ppt/slides/slide28.xml><?xml version="1.0" encoding="utf-8"?>
 <p:sld xmlns:a="http://schemas.openxmlformats.org/drawingml/2006/main" xmlns:r="http://schemas.openxmlformats.org/officeDocument/2006/relationships" xmlns:p="http://schemas.openxmlformats.org/presentationml/2006/main">
   <p:cSld>
     <p:spTree>
@@ -5513,1174 +8018,13 @@
   <p:clrMapOvr>
     <a:masterClrMapping/>
   </p:clrMapOvr>
-  <mc:AlternateContent xmlns:mc="http://schemas.openxmlformats.org/markup-compatibility/2006">
-    <mc:Choice xmlns:p159="http://schemas.microsoft.com/office/powerpoint/2015/09/main" Requires="p159">
+  <mc:AlternateContent xmlns:mc="http://schemas.openxmlformats.org/markup-compatibility/2006" xmlns:p159="http://schemas.microsoft.com/office/powerpoint/2015/09/main">
+    <mc:Choice Requires="p159">
       <p:transition spd="slow">
         <p159:morph option="byObject"/>
       </p:transition>
     </mc:Choice>
-    <mc:Fallback>
-      <p:transition spd="slow">
-        <p:fade/>
-      </p:transition>
-    </mc:Fallback>
-  </mc:AlternateContent>
-</p:sld>
-</file>
-
-<file path=ppt/slides/slide18.xml><?xml version="1.0" encoding="utf-8"?>
-<p:sld xmlns:a="http://schemas.openxmlformats.org/drawingml/2006/main" xmlns:r="http://schemas.openxmlformats.org/officeDocument/2006/relationships" xmlns:p="http://schemas.openxmlformats.org/presentationml/2006/main">
-  <p:cSld>
-    <p:spTree>
-      <p:nvGrpSpPr>
-        <p:cNvPr id="1" name=""/>
-        <p:cNvGrpSpPr/>
-        <p:nvPr/>
-      </p:nvGrpSpPr>
-      <p:grpSpPr>
-        <a:xfrm>
-          <a:off x="0" y="0"/>
-          <a:ext cx="0" cy="0"/>
-          <a:chOff x="0" y="0"/>
-          <a:chExt cx="0" cy="0"/>
-        </a:xfrm>
-      </p:grpSpPr>
-      <p:pic>
-        <p:nvPicPr>
-          <p:cNvPr id="4" name="Рисунок 3">
-            <a:extLst>
-              <a:ext uri="{FF2B5EF4-FFF2-40B4-BE49-F238E27FC236}">
-                <a16:creationId xmlns:a16="http://schemas.microsoft.com/office/drawing/2014/main" id="{88F194C0-34A2-4C8E-8D3B-D61F7ED4EF65}"/>
-              </a:ext>
-            </a:extLst>
-          </p:cNvPr>
-          <p:cNvPicPr>
-            <a:picLocks noChangeAspect="1"/>
-          </p:cNvPicPr>
-          <p:nvPr/>
-        </p:nvPicPr>
-        <p:blipFill>
-          <a:blip r:embed="rId2">
-            <a:extLst>
-              <a:ext uri="{28A0092B-C50C-407E-A947-70E740481C1C}">
-                <a14:useLocalDpi xmlns:a14="http://schemas.microsoft.com/office/drawing/2010/main" val="0"/>
-              </a:ext>
-            </a:extLst>
-          </a:blip>
-          <a:stretch>
-            <a:fillRect/>
-          </a:stretch>
-        </p:blipFill>
-        <p:spPr>
-          <a:xfrm>
-            <a:off x="286974" y="0"/>
-            <a:ext cx="11618052" cy="6858000"/>
-          </a:xfrm>
-          <a:prstGeom prst="rect">
-            <a:avLst/>
-          </a:prstGeom>
-        </p:spPr>
-      </p:pic>
-    </p:spTree>
-    <p:extLst>
-      <p:ext uri="{BB962C8B-B14F-4D97-AF65-F5344CB8AC3E}">
-        <p14:creationId xmlns:p14="http://schemas.microsoft.com/office/powerpoint/2010/main" val="1232789778"/>
-      </p:ext>
-    </p:extLst>
-  </p:cSld>
-  <p:clrMapOvr>
-    <a:masterClrMapping/>
-  </p:clrMapOvr>
-  <p:transition spd="slow">
-    <p:push dir="u"/>
-  </p:transition>
-</p:sld>
-</file>
-
-<file path=ppt/slides/slide19.xml><?xml version="1.0" encoding="utf-8"?>
-<p:sld xmlns:a="http://schemas.openxmlformats.org/drawingml/2006/main" xmlns:r="http://schemas.openxmlformats.org/officeDocument/2006/relationships" xmlns:p="http://schemas.openxmlformats.org/presentationml/2006/main">
-  <p:cSld>
-    <p:spTree>
-      <p:nvGrpSpPr>
-        <p:cNvPr id="1" name=""/>
-        <p:cNvGrpSpPr/>
-        <p:nvPr/>
-      </p:nvGrpSpPr>
-      <p:grpSpPr>
-        <a:xfrm>
-          <a:off x="0" y="0"/>
-          <a:ext cx="0" cy="0"/>
-          <a:chOff x="0" y="0"/>
-          <a:chExt cx="0" cy="0"/>
-        </a:xfrm>
-      </p:grpSpPr>
-      <p:pic>
-        <p:nvPicPr>
-          <p:cNvPr id="6" name="Рисунок 5">
-            <a:extLst>
-              <a:ext uri="{FF2B5EF4-FFF2-40B4-BE49-F238E27FC236}">
-                <a16:creationId xmlns:a16="http://schemas.microsoft.com/office/drawing/2014/main" id="{7556D543-584A-41CD-9208-BA4FC1A1E8EF}"/>
-              </a:ext>
-            </a:extLst>
-          </p:cNvPr>
-          <p:cNvPicPr>
-            <a:picLocks noChangeAspect="1"/>
-          </p:cNvPicPr>
-          <p:nvPr/>
-        </p:nvPicPr>
-        <p:blipFill>
-          <a:blip r:embed="rId2">
-            <a:extLst>
-              <a:ext uri="{28A0092B-C50C-407E-A947-70E740481C1C}">
-                <a14:useLocalDpi xmlns:a14="http://schemas.microsoft.com/office/drawing/2010/main" val="0"/>
-              </a:ext>
-            </a:extLst>
-          </a:blip>
-          <a:stretch>
-            <a:fillRect/>
-          </a:stretch>
-        </p:blipFill>
-        <p:spPr>
-          <a:xfrm>
-            <a:off x="0" y="0"/>
-            <a:ext cx="12192000" cy="6858000"/>
-          </a:xfrm>
-          <a:prstGeom prst="rect">
-            <a:avLst/>
-          </a:prstGeom>
-        </p:spPr>
-      </p:pic>
-    </p:spTree>
-    <p:extLst>
-      <p:ext uri="{BB962C8B-B14F-4D97-AF65-F5344CB8AC3E}">
-        <p14:creationId xmlns:p14="http://schemas.microsoft.com/office/powerpoint/2010/main" val="939521447"/>
-      </p:ext>
-    </p:extLst>
-  </p:cSld>
-  <p:clrMapOvr>
-    <a:masterClrMapping/>
-  </p:clrMapOvr>
-  <p:transition spd="slow">
-    <p:push dir="u"/>
-  </p:transition>
-</p:sld>
-</file>
-
-<file path=ppt/slides/slide2.xml><?xml version="1.0" encoding="utf-8"?>
-<p:sld xmlns:a="http://schemas.openxmlformats.org/drawingml/2006/main" xmlns:r="http://schemas.openxmlformats.org/officeDocument/2006/relationships" xmlns:p="http://schemas.openxmlformats.org/presentationml/2006/main">
-  <p:cSld>
-    <p:spTree>
-      <p:nvGrpSpPr>
-        <p:cNvPr id="1" name=""/>
-        <p:cNvGrpSpPr/>
-        <p:nvPr/>
-      </p:nvGrpSpPr>
-      <p:grpSpPr>
-        <a:xfrm>
-          <a:off x="0" y="0"/>
-          <a:ext cx="0" cy="0"/>
-          <a:chOff x="0" y="0"/>
-          <a:chExt cx="0" cy="0"/>
-        </a:xfrm>
-      </p:grpSpPr>
-      <p:pic>
-        <p:nvPicPr>
-          <p:cNvPr id="5" name="Рисунок 4">
-            <a:extLst>
-              <a:ext uri="{FF2B5EF4-FFF2-40B4-BE49-F238E27FC236}">
-                <a16:creationId xmlns:a16="http://schemas.microsoft.com/office/drawing/2014/main" id="{F7D028EE-0455-412B-9D69-966EEB0166D7}"/>
-              </a:ext>
-            </a:extLst>
-          </p:cNvPr>
-          <p:cNvPicPr>
-            <a:picLocks noChangeAspect="1"/>
-          </p:cNvPicPr>
-          <p:nvPr/>
-        </p:nvPicPr>
-        <p:blipFill>
-          <a:blip r:embed="rId2">
-            <a:extLst>
-              <a:ext uri="{28A0092B-C50C-407E-A947-70E740481C1C}">
-                <a14:useLocalDpi xmlns:a14="http://schemas.microsoft.com/office/drawing/2010/main" val="0"/>
-              </a:ext>
-            </a:extLst>
-          </a:blip>
-          <a:stretch>
-            <a:fillRect/>
-          </a:stretch>
-        </p:blipFill>
-        <p:spPr>
-          <a:xfrm>
-            <a:off x="225338" y="0"/>
-            <a:ext cx="11741323" cy="6858000"/>
-          </a:xfrm>
-          <a:prstGeom prst="rect">
-            <a:avLst/>
-          </a:prstGeom>
-        </p:spPr>
-      </p:pic>
-    </p:spTree>
-    <p:extLst>
-      <p:ext uri="{BB962C8B-B14F-4D97-AF65-F5344CB8AC3E}">
-        <p14:creationId xmlns:p14="http://schemas.microsoft.com/office/powerpoint/2010/main" val="2398846212"/>
-      </p:ext>
-    </p:extLst>
-  </p:cSld>
-  <p:clrMapOvr>
-    <a:masterClrMapping/>
-  </p:clrMapOvr>
-  <p:transition spd="slow">
-    <p:push dir="u"/>
-  </p:transition>
-</p:sld>
-</file>
-
-<file path=ppt/slides/slide20.xml><?xml version="1.0" encoding="utf-8"?>
-<p:sld xmlns:a="http://schemas.openxmlformats.org/drawingml/2006/main" xmlns:r="http://schemas.openxmlformats.org/officeDocument/2006/relationships" xmlns:p="http://schemas.openxmlformats.org/presentationml/2006/main">
-  <p:cSld>
-    <p:spTree>
-      <p:nvGrpSpPr>
-        <p:cNvPr id="1" name=""/>
-        <p:cNvGrpSpPr/>
-        <p:nvPr/>
-      </p:nvGrpSpPr>
-      <p:grpSpPr>
-        <a:xfrm>
-          <a:off x="0" y="0"/>
-          <a:ext cx="0" cy="0"/>
-          <a:chOff x="0" y="0"/>
-          <a:chExt cx="0" cy="0"/>
-        </a:xfrm>
-      </p:grpSpPr>
-      <p:pic>
-        <p:nvPicPr>
-          <p:cNvPr id="4" name="Рисунок 3">
-            <a:extLst>
-              <a:ext uri="{FF2B5EF4-FFF2-40B4-BE49-F238E27FC236}">
-                <a16:creationId xmlns:a16="http://schemas.microsoft.com/office/drawing/2014/main" id="{71AEA426-CE1F-4B5A-8EEB-4B4945E8C536}"/>
-              </a:ext>
-            </a:extLst>
-          </p:cNvPr>
-          <p:cNvPicPr>
-            <a:picLocks noChangeAspect="1"/>
-          </p:cNvPicPr>
-          <p:nvPr/>
-        </p:nvPicPr>
-        <p:blipFill>
-          <a:blip r:embed="rId2">
-            <a:extLst>
-              <a:ext uri="{28A0092B-C50C-407E-A947-70E740481C1C}">
-                <a14:useLocalDpi xmlns:a14="http://schemas.microsoft.com/office/drawing/2010/main" val="0"/>
-              </a:ext>
-            </a:extLst>
-          </a:blip>
-          <a:stretch>
-            <a:fillRect/>
-          </a:stretch>
-        </p:blipFill>
-        <p:spPr>
-          <a:xfrm>
-            <a:off x="0" y="0"/>
-            <a:ext cx="12192000" cy="6858000"/>
-          </a:xfrm>
-          <a:prstGeom prst="rect">
-            <a:avLst/>
-          </a:prstGeom>
-        </p:spPr>
-      </p:pic>
-    </p:spTree>
-    <p:extLst>
-      <p:ext uri="{BB962C8B-B14F-4D97-AF65-F5344CB8AC3E}">
-        <p14:creationId xmlns:p14="http://schemas.microsoft.com/office/powerpoint/2010/main" val="2172151173"/>
-      </p:ext>
-    </p:extLst>
-  </p:cSld>
-  <p:clrMapOvr>
-    <a:masterClrMapping/>
-  </p:clrMapOvr>
-  <mc:AlternateContent xmlns:mc="http://schemas.openxmlformats.org/markup-compatibility/2006">
-    <mc:Choice xmlns:p14="http://schemas.microsoft.com/office/powerpoint/2010/main" Requires="p14">
-      <p:transition spd="med" p14:dur="700">
-        <p:fade/>
-      </p:transition>
-    </mc:Choice>
-    <mc:Fallback>
-      <p:transition spd="med">
-        <p:fade/>
-      </p:transition>
-    </mc:Fallback>
-  </mc:AlternateContent>
-</p:sld>
-</file>
-
-<file path=ppt/slides/slide21.xml><?xml version="1.0" encoding="utf-8"?>
-<p:sld xmlns:a="http://schemas.openxmlformats.org/drawingml/2006/main" xmlns:r="http://schemas.openxmlformats.org/officeDocument/2006/relationships" xmlns:p="http://schemas.openxmlformats.org/presentationml/2006/main">
-  <p:cSld>
-    <p:spTree>
-      <p:nvGrpSpPr>
-        <p:cNvPr id="1" name=""/>
-        <p:cNvGrpSpPr/>
-        <p:nvPr/>
-      </p:nvGrpSpPr>
-      <p:grpSpPr>
-        <a:xfrm>
-          <a:off x="0" y="0"/>
-          <a:ext cx="0" cy="0"/>
-          <a:chOff x="0" y="0"/>
-          <a:chExt cx="0" cy="0"/>
-        </a:xfrm>
-      </p:grpSpPr>
-      <p:pic>
-        <p:nvPicPr>
-          <p:cNvPr id="4" name="Рисунок 3">
-            <a:extLst>
-              <a:ext uri="{FF2B5EF4-FFF2-40B4-BE49-F238E27FC236}">
-                <a16:creationId xmlns:a16="http://schemas.microsoft.com/office/drawing/2014/main" id="{B4657D95-6151-4041-9E0E-316FEC0E9661}"/>
-              </a:ext>
-            </a:extLst>
-          </p:cNvPr>
-          <p:cNvPicPr>
-            <a:picLocks noChangeAspect="1"/>
-          </p:cNvPicPr>
-          <p:nvPr/>
-        </p:nvPicPr>
-        <p:blipFill>
-          <a:blip r:embed="rId2">
-            <a:extLst>
-              <a:ext uri="{28A0092B-C50C-407E-A947-70E740481C1C}">
-                <a14:useLocalDpi xmlns:a14="http://schemas.microsoft.com/office/drawing/2010/main" val="0"/>
-              </a:ext>
-            </a:extLst>
-          </a:blip>
-          <a:stretch>
-            <a:fillRect/>
-          </a:stretch>
-        </p:blipFill>
-        <p:spPr>
-          <a:xfrm>
-            <a:off x="0" y="0"/>
-            <a:ext cx="12192000" cy="6858000"/>
-          </a:xfrm>
-          <a:prstGeom prst="rect">
-            <a:avLst/>
-          </a:prstGeom>
-        </p:spPr>
-      </p:pic>
-    </p:spTree>
-    <p:extLst>
-      <p:ext uri="{BB962C8B-B14F-4D97-AF65-F5344CB8AC3E}">
-        <p14:creationId xmlns:p14="http://schemas.microsoft.com/office/powerpoint/2010/main" val="3168913640"/>
-      </p:ext>
-    </p:extLst>
-  </p:cSld>
-  <p:clrMapOvr>
-    <a:masterClrMapping/>
-  </p:clrMapOvr>
-  <mc:AlternateContent xmlns:mc="http://schemas.openxmlformats.org/markup-compatibility/2006">
-    <mc:Choice xmlns:p14="http://schemas.microsoft.com/office/powerpoint/2010/main" Requires="p14">
-      <p:transition spd="med" p14:dur="700">
-        <p:fade/>
-      </p:transition>
-    </mc:Choice>
-    <mc:Fallback>
-      <p:transition spd="med">
-        <p:fade/>
-      </p:transition>
-    </mc:Fallback>
-  </mc:AlternateContent>
-</p:sld>
-</file>
-
-<file path=ppt/slides/slide22.xml><?xml version="1.0" encoding="utf-8"?>
-<p:sld xmlns:a="http://schemas.openxmlformats.org/drawingml/2006/main" xmlns:r="http://schemas.openxmlformats.org/officeDocument/2006/relationships" xmlns:p="http://schemas.openxmlformats.org/presentationml/2006/main">
-  <p:cSld>
-    <p:spTree>
-      <p:nvGrpSpPr>
-        <p:cNvPr id="1" name=""/>
-        <p:cNvGrpSpPr/>
-        <p:nvPr/>
-      </p:nvGrpSpPr>
-      <p:grpSpPr>
-        <a:xfrm>
-          <a:off x="0" y="0"/>
-          <a:ext cx="0" cy="0"/>
-          <a:chOff x="0" y="0"/>
-          <a:chExt cx="0" cy="0"/>
-        </a:xfrm>
-      </p:grpSpPr>
-      <p:pic>
-        <p:nvPicPr>
-          <p:cNvPr id="4" name="Рисунок 3">
-            <a:extLst>
-              <a:ext uri="{FF2B5EF4-FFF2-40B4-BE49-F238E27FC236}">
-                <a16:creationId xmlns:a16="http://schemas.microsoft.com/office/drawing/2014/main" id="{73757042-7E91-4314-99A5-CE43DF445A7A}"/>
-              </a:ext>
-            </a:extLst>
-          </p:cNvPr>
-          <p:cNvPicPr>
-            <a:picLocks noChangeAspect="1"/>
-          </p:cNvPicPr>
-          <p:nvPr/>
-        </p:nvPicPr>
-        <p:blipFill>
-          <a:blip r:embed="rId2">
-            <a:extLst>
-              <a:ext uri="{28A0092B-C50C-407E-A947-70E740481C1C}">
-                <a14:useLocalDpi xmlns:a14="http://schemas.microsoft.com/office/drawing/2010/main" val="0"/>
-              </a:ext>
-            </a:extLst>
-          </a:blip>
-          <a:stretch>
-            <a:fillRect/>
-          </a:stretch>
-        </p:blipFill>
-        <p:spPr>
-          <a:xfrm>
-            <a:off x="0" y="0"/>
-            <a:ext cx="12192000" cy="6858000"/>
-          </a:xfrm>
-          <a:prstGeom prst="rect">
-            <a:avLst/>
-          </a:prstGeom>
-        </p:spPr>
-      </p:pic>
-    </p:spTree>
-    <p:extLst>
-      <p:ext uri="{BB962C8B-B14F-4D97-AF65-F5344CB8AC3E}">
-        <p14:creationId xmlns:p14="http://schemas.microsoft.com/office/powerpoint/2010/main" val="1542791593"/>
-      </p:ext>
-    </p:extLst>
-  </p:cSld>
-  <p:clrMapOvr>
-    <a:masterClrMapping/>
-  </p:clrMapOvr>
-  <mc:AlternateContent xmlns:mc="http://schemas.openxmlformats.org/markup-compatibility/2006">
-    <mc:Choice xmlns:p14="http://schemas.microsoft.com/office/powerpoint/2010/main" Requires="p14">
-      <p:transition spd="med" p14:dur="700">
-        <p:fade/>
-      </p:transition>
-    </mc:Choice>
-    <mc:Fallback>
-      <p:transition spd="med">
-        <p:fade/>
-      </p:transition>
-    </mc:Fallback>
-  </mc:AlternateContent>
-</p:sld>
-</file>
-
-<file path=ppt/slides/slide23.xml><?xml version="1.0" encoding="utf-8"?>
-<p:sld xmlns:a="http://schemas.openxmlformats.org/drawingml/2006/main" xmlns:r="http://schemas.openxmlformats.org/officeDocument/2006/relationships" xmlns:p="http://schemas.openxmlformats.org/presentationml/2006/main">
-  <p:cSld>
-    <p:spTree>
-      <p:nvGrpSpPr>
-        <p:cNvPr id="1" name=""/>
-        <p:cNvGrpSpPr/>
-        <p:nvPr/>
-      </p:nvGrpSpPr>
-      <p:grpSpPr>
-        <a:xfrm>
-          <a:off x="0" y="0"/>
-          <a:ext cx="0" cy="0"/>
-          <a:chOff x="0" y="0"/>
-          <a:chExt cx="0" cy="0"/>
-        </a:xfrm>
-      </p:grpSpPr>
-      <p:pic>
-        <p:nvPicPr>
-          <p:cNvPr id="4" name="Рисунок 3">
-            <a:extLst>
-              <a:ext uri="{FF2B5EF4-FFF2-40B4-BE49-F238E27FC236}">
-                <a16:creationId xmlns:a16="http://schemas.microsoft.com/office/drawing/2014/main" id="{1458D056-5EBD-4E05-8088-63EF741CF5A9}"/>
-              </a:ext>
-            </a:extLst>
-          </p:cNvPr>
-          <p:cNvPicPr>
-            <a:picLocks noChangeAspect="1"/>
-          </p:cNvPicPr>
-          <p:nvPr/>
-        </p:nvPicPr>
-        <p:blipFill>
-          <a:blip r:embed="rId2">
-            <a:extLst>
-              <a:ext uri="{28A0092B-C50C-407E-A947-70E740481C1C}">
-                <a14:useLocalDpi xmlns:a14="http://schemas.microsoft.com/office/drawing/2010/main" val="0"/>
-              </a:ext>
-            </a:extLst>
-          </a:blip>
-          <a:stretch>
-            <a:fillRect/>
-          </a:stretch>
-        </p:blipFill>
-        <p:spPr>
-          <a:xfrm>
-            <a:off x="0" y="0"/>
-            <a:ext cx="12192000" cy="6858000"/>
-          </a:xfrm>
-          <a:prstGeom prst="rect">
-            <a:avLst/>
-          </a:prstGeom>
-        </p:spPr>
-      </p:pic>
-    </p:spTree>
-    <p:extLst>
-      <p:ext uri="{BB962C8B-B14F-4D97-AF65-F5344CB8AC3E}">
-        <p14:creationId xmlns:p14="http://schemas.microsoft.com/office/powerpoint/2010/main" val="3729278402"/>
-      </p:ext>
-    </p:extLst>
-  </p:cSld>
-  <p:clrMapOvr>
-    <a:masterClrMapping/>
-  </p:clrMapOvr>
-  <mc:AlternateContent xmlns:mc="http://schemas.openxmlformats.org/markup-compatibility/2006">
-    <mc:Choice xmlns:p14="http://schemas.microsoft.com/office/powerpoint/2010/main" Requires="p14">
-      <p:transition spd="med" p14:dur="700">
-        <p:fade/>
-      </p:transition>
-    </mc:Choice>
-    <mc:Fallback>
-      <p:transition spd="med">
-        <p:fade/>
-      </p:transition>
-    </mc:Fallback>
-  </mc:AlternateContent>
-</p:sld>
-</file>
-
-<file path=ppt/slides/slide24.xml><?xml version="1.0" encoding="utf-8"?>
-<p:sld xmlns:a="http://schemas.openxmlformats.org/drawingml/2006/main" xmlns:r="http://schemas.openxmlformats.org/officeDocument/2006/relationships" xmlns:p="http://schemas.openxmlformats.org/presentationml/2006/main">
-  <p:cSld>
-    <p:spTree>
-      <p:nvGrpSpPr>
-        <p:cNvPr id="1" name=""/>
-        <p:cNvGrpSpPr/>
-        <p:nvPr/>
-      </p:nvGrpSpPr>
-      <p:grpSpPr>
-        <a:xfrm>
-          <a:off x="0" y="0"/>
-          <a:ext cx="0" cy="0"/>
-          <a:chOff x="0" y="0"/>
-          <a:chExt cx="0" cy="0"/>
-        </a:xfrm>
-      </p:grpSpPr>
-      <p:pic>
-        <p:nvPicPr>
-          <p:cNvPr id="4" name="Рисунок 3">
-            <a:extLst>
-              <a:ext uri="{FF2B5EF4-FFF2-40B4-BE49-F238E27FC236}">
-                <a16:creationId xmlns:a16="http://schemas.microsoft.com/office/drawing/2014/main" id="{AE8E6C59-B124-4662-A1B5-DFC00077DF3D}"/>
-              </a:ext>
-            </a:extLst>
-          </p:cNvPr>
-          <p:cNvPicPr>
-            <a:picLocks noChangeAspect="1"/>
-          </p:cNvPicPr>
-          <p:nvPr/>
-        </p:nvPicPr>
-        <p:blipFill>
-          <a:blip r:embed="rId2">
-            <a:extLst>
-              <a:ext uri="{28A0092B-C50C-407E-A947-70E740481C1C}">
-                <a14:useLocalDpi xmlns:a14="http://schemas.microsoft.com/office/drawing/2010/main" val="0"/>
-              </a:ext>
-            </a:extLst>
-          </a:blip>
-          <a:stretch>
-            <a:fillRect/>
-          </a:stretch>
-        </p:blipFill>
-        <p:spPr>
-          <a:xfrm>
-            <a:off x="0" y="0"/>
-            <a:ext cx="12192000" cy="6858000"/>
-          </a:xfrm>
-          <a:prstGeom prst="rect">
-            <a:avLst/>
-          </a:prstGeom>
-        </p:spPr>
-      </p:pic>
-    </p:spTree>
-    <p:extLst>
-      <p:ext uri="{BB962C8B-B14F-4D97-AF65-F5344CB8AC3E}">
-        <p14:creationId xmlns:p14="http://schemas.microsoft.com/office/powerpoint/2010/main" val="2285027705"/>
-      </p:ext>
-    </p:extLst>
-  </p:cSld>
-  <p:clrMapOvr>
-    <a:masterClrMapping/>
-  </p:clrMapOvr>
-  <mc:AlternateContent xmlns:mc="http://schemas.openxmlformats.org/markup-compatibility/2006">
-    <mc:Choice xmlns:p14="http://schemas.microsoft.com/office/powerpoint/2010/main" Requires="p14">
-      <p:transition spd="med" p14:dur="700">
-        <p:fade/>
-      </p:transition>
-    </mc:Choice>
-    <mc:Fallback>
-      <p:transition spd="med">
-        <p:fade/>
-      </p:transition>
-    </mc:Fallback>
-  </mc:AlternateContent>
-</p:sld>
-</file>
-
-<file path=ppt/slides/slide25.xml><?xml version="1.0" encoding="utf-8"?>
-<p:sld xmlns:a="http://schemas.openxmlformats.org/drawingml/2006/main" xmlns:r="http://schemas.openxmlformats.org/officeDocument/2006/relationships" xmlns:p="http://schemas.openxmlformats.org/presentationml/2006/main">
-  <p:cSld>
-    <p:spTree>
-      <p:nvGrpSpPr>
-        <p:cNvPr id="1" name=""/>
-        <p:cNvGrpSpPr/>
-        <p:nvPr/>
-      </p:nvGrpSpPr>
-      <p:grpSpPr>
-        <a:xfrm>
-          <a:off x="0" y="0"/>
-          <a:ext cx="0" cy="0"/>
-          <a:chOff x="0" y="0"/>
-          <a:chExt cx="0" cy="0"/>
-        </a:xfrm>
-      </p:grpSpPr>
-      <p:pic>
-        <p:nvPicPr>
-          <p:cNvPr id="4" name="Рисунок 3">
-            <a:extLst>
-              <a:ext uri="{FF2B5EF4-FFF2-40B4-BE49-F238E27FC236}">
-                <a16:creationId xmlns:a16="http://schemas.microsoft.com/office/drawing/2014/main" id="{1F9B46A2-13DD-4D55-BB00-2650B78C13A2}"/>
-              </a:ext>
-            </a:extLst>
-          </p:cNvPr>
-          <p:cNvPicPr>
-            <a:picLocks noChangeAspect="1"/>
-          </p:cNvPicPr>
-          <p:nvPr/>
-        </p:nvPicPr>
-        <p:blipFill>
-          <a:blip r:embed="rId2">
-            <a:extLst>
-              <a:ext uri="{28A0092B-C50C-407E-A947-70E740481C1C}">
-                <a14:useLocalDpi xmlns:a14="http://schemas.microsoft.com/office/drawing/2010/main" val="0"/>
-              </a:ext>
-            </a:extLst>
-          </a:blip>
-          <a:stretch>
-            <a:fillRect/>
-          </a:stretch>
-        </p:blipFill>
-        <p:spPr>
-          <a:xfrm>
-            <a:off x="0" y="0"/>
-            <a:ext cx="12192000" cy="6858000"/>
-          </a:xfrm>
-          <a:prstGeom prst="rect">
-            <a:avLst/>
-          </a:prstGeom>
-        </p:spPr>
-      </p:pic>
-    </p:spTree>
-    <p:extLst>
-      <p:ext uri="{BB962C8B-B14F-4D97-AF65-F5344CB8AC3E}">
-        <p14:creationId xmlns:p14="http://schemas.microsoft.com/office/powerpoint/2010/main" val="1291518139"/>
-      </p:ext>
-    </p:extLst>
-  </p:cSld>
-  <p:clrMapOvr>
-    <a:masterClrMapping/>
-  </p:clrMapOvr>
-  <mc:AlternateContent xmlns:mc="http://schemas.openxmlformats.org/markup-compatibility/2006">
-    <mc:Choice xmlns:p14="http://schemas.microsoft.com/office/powerpoint/2010/main" Requires="p14">
-      <p:transition spd="med" p14:dur="700">
-        <p:fade/>
-      </p:transition>
-    </mc:Choice>
-    <mc:Fallback>
-      <p:transition spd="med">
-        <p:fade/>
-      </p:transition>
-    </mc:Fallback>
-  </mc:AlternateContent>
-</p:sld>
-</file>
-
-<file path=ppt/slides/slide26.xml><?xml version="1.0" encoding="utf-8"?>
-<p:sld xmlns:a="http://schemas.openxmlformats.org/drawingml/2006/main" xmlns:r="http://schemas.openxmlformats.org/officeDocument/2006/relationships" xmlns:p="http://schemas.openxmlformats.org/presentationml/2006/main">
-  <p:cSld>
-    <p:spTree>
-      <p:nvGrpSpPr>
-        <p:cNvPr id="1" name=""/>
-        <p:cNvGrpSpPr/>
-        <p:nvPr/>
-      </p:nvGrpSpPr>
-      <p:grpSpPr>
-        <a:xfrm>
-          <a:off x="0" y="0"/>
-          <a:ext cx="0" cy="0"/>
-          <a:chOff x="0" y="0"/>
-          <a:chExt cx="0" cy="0"/>
-        </a:xfrm>
-      </p:grpSpPr>
-      <p:pic>
-        <p:nvPicPr>
-          <p:cNvPr id="4" name="Рисунок 3">
-            <a:extLst>
-              <a:ext uri="{FF2B5EF4-FFF2-40B4-BE49-F238E27FC236}">
-                <a16:creationId xmlns:a16="http://schemas.microsoft.com/office/drawing/2014/main" id="{79643B98-22B4-433A-B05C-CAABC7D04C03}"/>
-              </a:ext>
-            </a:extLst>
-          </p:cNvPr>
-          <p:cNvPicPr>
-            <a:picLocks noChangeAspect="1"/>
-          </p:cNvPicPr>
-          <p:nvPr/>
-        </p:nvPicPr>
-        <p:blipFill>
-          <a:blip r:embed="rId2">
-            <a:extLst>
-              <a:ext uri="{28A0092B-C50C-407E-A947-70E740481C1C}">
-                <a14:useLocalDpi xmlns:a14="http://schemas.microsoft.com/office/drawing/2010/main" val="0"/>
-              </a:ext>
-            </a:extLst>
-          </a:blip>
-          <a:stretch>
-            <a:fillRect/>
-          </a:stretch>
-        </p:blipFill>
-        <p:spPr>
-          <a:xfrm>
-            <a:off x="0" y="0"/>
-            <a:ext cx="12192000" cy="6858000"/>
-          </a:xfrm>
-          <a:prstGeom prst="rect">
-            <a:avLst/>
-          </a:prstGeom>
-        </p:spPr>
-      </p:pic>
-    </p:spTree>
-    <p:extLst>
-      <p:ext uri="{BB962C8B-B14F-4D97-AF65-F5344CB8AC3E}">
-        <p14:creationId xmlns:p14="http://schemas.microsoft.com/office/powerpoint/2010/main" val="1139521896"/>
-      </p:ext>
-    </p:extLst>
-  </p:cSld>
-  <p:clrMapOvr>
-    <a:masterClrMapping/>
-  </p:clrMapOvr>
-  <mc:AlternateContent xmlns:mc="http://schemas.openxmlformats.org/markup-compatibility/2006">
-    <mc:Choice xmlns:p14="http://schemas.microsoft.com/office/powerpoint/2010/main" Requires="p14">
-      <p:transition spd="med" p14:dur="700">
-        <p:fade/>
-      </p:transition>
-    </mc:Choice>
-    <mc:Fallback>
-      <p:transition spd="med">
-        <p:fade/>
-      </p:transition>
-    </mc:Fallback>
-  </mc:AlternateContent>
-</p:sld>
-</file>
-
-<file path=ppt/slides/slide27.xml><?xml version="1.0" encoding="utf-8"?>
-<p:sld xmlns:a="http://schemas.openxmlformats.org/drawingml/2006/main" xmlns:r="http://schemas.openxmlformats.org/officeDocument/2006/relationships" xmlns:p="http://schemas.openxmlformats.org/presentationml/2006/main">
-  <p:cSld>
-    <p:spTree>
-      <p:nvGrpSpPr>
-        <p:cNvPr id="1" name=""/>
-        <p:cNvGrpSpPr/>
-        <p:nvPr/>
-      </p:nvGrpSpPr>
-      <p:grpSpPr>
-        <a:xfrm>
-          <a:off x="0" y="0"/>
-          <a:ext cx="0" cy="0"/>
-          <a:chOff x="0" y="0"/>
-          <a:chExt cx="0" cy="0"/>
-        </a:xfrm>
-      </p:grpSpPr>
-      <p:pic>
-        <p:nvPicPr>
-          <p:cNvPr id="4" name="Рисунок 3">
-            <a:extLst>
-              <a:ext uri="{FF2B5EF4-FFF2-40B4-BE49-F238E27FC236}">
-                <a16:creationId xmlns:a16="http://schemas.microsoft.com/office/drawing/2014/main" id="{3EB2CEE5-C6FF-496C-AB15-BB48212FF6F5}"/>
-              </a:ext>
-            </a:extLst>
-          </p:cNvPr>
-          <p:cNvPicPr>
-            <a:picLocks noChangeAspect="1"/>
-          </p:cNvPicPr>
-          <p:nvPr/>
-        </p:nvPicPr>
-        <p:blipFill>
-          <a:blip r:embed="rId2">
-            <a:extLst>
-              <a:ext uri="{28A0092B-C50C-407E-A947-70E740481C1C}">
-                <a14:useLocalDpi xmlns:a14="http://schemas.microsoft.com/office/drawing/2010/main" val="0"/>
-              </a:ext>
-            </a:extLst>
-          </a:blip>
-          <a:stretch>
-            <a:fillRect/>
-          </a:stretch>
-        </p:blipFill>
-        <p:spPr>
-          <a:xfrm>
-            <a:off x="0" y="0"/>
-            <a:ext cx="12192000" cy="6858000"/>
-          </a:xfrm>
-          <a:prstGeom prst="rect">
-            <a:avLst/>
-          </a:prstGeom>
-        </p:spPr>
-      </p:pic>
-    </p:spTree>
-    <p:extLst>
-      <p:ext uri="{BB962C8B-B14F-4D97-AF65-F5344CB8AC3E}">
-        <p14:creationId xmlns:p14="http://schemas.microsoft.com/office/powerpoint/2010/main" val="3895263827"/>
-      </p:ext>
-    </p:extLst>
-  </p:cSld>
-  <p:clrMapOvr>
-    <a:masterClrMapping/>
-  </p:clrMapOvr>
-  <mc:AlternateContent xmlns:mc="http://schemas.openxmlformats.org/markup-compatibility/2006">
-    <mc:Choice xmlns:p14="http://schemas.microsoft.com/office/powerpoint/2010/main" Requires="p14">
-      <p:transition spd="med" p14:dur="700">
-        <p:fade/>
-      </p:transition>
-    </mc:Choice>
-    <mc:Fallback>
-      <p:transition spd="med">
-        <p:fade/>
-      </p:transition>
-    </mc:Fallback>
-  </mc:AlternateContent>
-</p:sld>
-</file>
-
-<file path=ppt/slides/slide28.xml><?xml version="1.0" encoding="utf-8"?>
-<p:sld xmlns:a="http://schemas.openxmlformats.org/drawingml/2006/main" xmlns:r="http://schemas.openxmlformats.org/officeDocument/2006/relationships" xmlns:p="http://schemas.openxmlformats.org/presentationml/2006/main">
-  <p:cSld>
-    <p:spTree>
-      <p:nvGrpSpPr>
-        <p:cNvPr id="1" name=""/>
-        <p:cNvGrpSpPr/>
-        <p:nvPr/>
-      </p:nvGrpSpPr>
-      <p:grpSpPr>
-        <a:xfrm>
-          <a:off x="0" y="0"/>
-          <a:ext cx="0" cy="0"/>
-          <a:chOff x="0" y="0"/>
-          <a:chExt cx="0" cy="0"/>
-        </a:xfrm>
-      </p:grpSpPr>
-      <p:sp>
-        <p:nvSpPr>
-          <p:cNvPr id="4" name="Прямоугольник 3">
-            <a:extLst>
-              <a:ext uri="{FF2B5EF4-FFF2-40B4-BE49-F238E27FC236}">
-                <a16:creationId xmlns:a16="http://schemas.microsoft.com/office/drawing/2014/main" id="{AB962FED-5AB7-48E6-BA47-46485F873C2F}"/>
-              </a:ext>
-            </a:extLst>
-          </p:cNvPr>
-          <p:cNvSpPr/>
-          <p:nvPr/>
-        </p:nvSpPr>
-        <p:spPr>
-          <a:xfrm>
-            <a:off x="0" y="0"/>
-            <a:ext cx="12192000" cy="6858000"/>
-          </a:xfrm>
-          <a:prstGeom prst="rect">
-            <a:avLst/>
-          </a:prstGeom>
-          <a:solidFill>
-            <a:srgbClr val="E6D3AD"/>
-          </a:solidFill>
-          <a:ln>
-            <a:noFill/>
-          </a:ln>
-        </p:spPr>
-        <p:style>
-          <a:lnRef idx="2">
-            <a:schemeClr val="accent1">
-              <a:shade val="50000"/>
-            </a:schemeClr>
-          </a:lnRef>
-          <a:fillRef idx="1">
-            <a:schemeClr val="accent1"/>
-          </a:fillRef>
-          <a:effectRef idx="0">
-            <a:schemeClr val="accent1"/>
-          </a:effectRef>
-          <a:fontRef idx="minor">
-            <a:schemeClr val="lt1"/>
-          </a:fontRef>
-        </p:style>
-        <p:txBody>
-          <a:bodyPr rtlCol="0" anchor="ctr"/>
-          <a:lstStyle/>
-          <a:p>
-            <a:pPr algn="ctr"/>
-            <a:endParaRPr lang="ru-RU"/>
-          </a:p>
-        </p:txBody>
-      </p:sp>
-      <p:sp>
-        <p:nvSpPr>
-          <p:cNvPr id="5" name="Заголовок 1">
-            <a:extLst>
-              <a:ext uri="{FF2B5EF4-FFF2-40B4-BE49-F238E27FC236}">
-                <a16:creationId xmlns:a16="http://schemas.microsoft.com/office/drawing/2014/main" id="{873724F8-9D92-421B-B6B9-4079DE92ABA9}"/>
-              </a:ext>
-            </a:extLst>
-          </p:cNvPr>
-          <p:cNvSpPr txBox="1">
-            <a:spLocks/>
-          </p:cNvSpPr>
-          <p:nvPr/>
-        </p:nvSpPr>
-        <p:spPr>
-          <a:xfrm>
-            <a:off x="838200" y="632534"/>
-            <a:ext cx="10515600" cy="992079"/>
-          </a:xfrm>
-          <a:prstGeom prst="rect">
-            <a:avLst/>
-          </a:prstGeom>
-          <a:ln w="57150">
-            <a:solidFill>
-              <a:srgbClr val="252729"/>
-            </a:solidFill>
-          </a:ln>
-        </p:spPr>
-        <p:txBody>
-          <a:bodyPr vert="horz" lIns="91440" tIns="45720" rIns="91440" bIns="45720" rtlCol="0" anchor="ctr">
-            <a:noAutofit/>
-          </a:bodyPr>
-          <a:lstStyle>
-            <a:lvl1pPr algn="l" defTabSz="914400" rtl="0" eaLnBrk="1" latinLnBrk="0" hangingPunct="1">
-              <a:lnSpc>
-                <a:spcPct val="90000"/>
-              </a:lnSpc>
-              <a:spcBef>
-                <a:spcPct val="0"/>
-              </a:spcBef>
-              <a:buNone/>
-              <a:defRPr sz="4400" kern="1200">
-                <a:solidFill>
-                  <a:schemeClr val="tx1"/>
-                </a:solidFill>
-                <a:latin typeface="+mj-lt"/>
-                <a:ea typeface="+mj-ea"/>
-                <a:cs typeface="+mj-cs"/>
-              </a:defRPr>
-            </a:lvl1pPr>
-          </a:lstStyle>
-          <a:p>
-            <a:pPr algn="ctr"/>
-            <a:r>
-              <a:rPr lang="ru-RU" sz="2800" dirty="0">
-                <a:ln>
-                  <a:solidFill>
-                    <a:srgbClr val="252729"/>
-                  </a:solidFill>
-                </a:ln>
-                <a:latin typeface="Jost" pitchFamily="2" charset="-52"/>
-                <a:ea typeface="Jost" pitchFamily="2" charset="-52"/>
-              </a:rPr>
-              <a:t>Пропустим скучные шаги, а именно:</a:t>
-            </a:r>
-          </a:p>
-        </p:txBody>
-      </p:sp>
-      <p:sp>
-        <p:nvSpPr>
-          <p:cNvPr id="8" name="Заголовок 1">
-            <a:extLst>
-              <a:ext uri="{FF2B5EF4-FFF2-40B4-BE49-F238E27FC236}">
-                <a16:creationId xmlns:a16="http://schemas.microsoft.com/office/drawing/2014/main" id="{11D6BD5A-C551-4254-864D-3EE7828C7AF9}"/>
-              </a:ext>
-            </a:extLst>
-          </p:cNvPr>
-          <p:cNvSpPr txBox="1">
-            <a:spLocks/>
-          </p:cNvSpPr>
-          <p:nvPr/>
-        </p:nvSpPr>
-        <p:spPr>
-          <a:xfrm>
-            <a:off x="932155" y="2257147"/>
-            <a:ext cx="10786370" cy="3968319"/>
-          </a:xfrm>
-          <a:prstGeom prst="rect">
-            <a:avLst/>
-          </a:prstGeom>
-          <a:ln w="57150">
-            <a:noFill/>
-          </a:ln>
-        </p:spPr>
-        <p:txBody>
-          <a:bodyPr vert="horz" lIns="91440" tIns="45720" rIns="91440" bIns="45720" rtlCol="0" anchor="t">
-            <a:noAutofit/>
-          </a:bodyPr>
-          <a:lstStyle>
-            <a:lvl1pPr algn="l" defTabSz="914400" rtl="0" eaLnBrk="1" latinLnBrk="0" hangingPunct="1">
-              <a:lnSpc>
-                <a:spcPct val="90000"/>
-              </a:lnSpc>
-              <a:spcBef>
-                <a:spcPct val="0"/>
-              </a:spcBef>
-              <a:buNone/>
-              <a:defRPr sz="4400" kern="1200">
-                <a:solidFill>
-                  <a:schemeClr val="tx1"/>
-                </a:solidFill>
-                <a:latin typeface="+mj-lt"/>
-                <a:ea typeface="+mj-ea"/>
-                <a:cs typeface="+mj-cs"/>
-              </a:defRPr>
-            </a:lvl1pPr>
-          </a:lstStyle>
-          <a:p>
-            <a:pPr marL="457200" indent="-457200">
-              <a:lnSpc>
-                <a:spcPct val="150000"/>
-              </a:lnSpc>
-              <a:buAutoNum type="arabicPeriod"/>
-            </a:pPr>
-            <a:r>
-              <a:rPr lang="ru-RU" sz="2400" dirty="0">
-                <a:ln>
-                  <a:solidFill>
-                    <a:srgbClr val="252729"/>
-                  </a:solidFill>
-                </a:ln>
-                <a:latin typeface="Jost" pitchFamily="2" charset="-52"/>
-                <a:ea typeface="Jost" pitchFamily="2" charset="-52"/>
-              </a:rPr>
-              <a:t>Сглаживание исходного ряда методом скользящей средней</a:t>
-            </a:r>
-          </a:p>
-          <a:p>
-            <a:pPr marL="457200" indent="-457200">
-              <a:lnSpc>
-                <a:spcPct val="150000"/>
-              </a:lnSpc>
-              <a:buAutoNum type="arabicPeriod"/>
-            </a:pPr>
-            <a:r>
-              <a:rPr lang="ru-RU" sz="2400" dirty="0">
-                <a:ln>
-                  <a:solidFill>
-                    <a:srgbClr val="252729"/>
-                  </a:solidFill>
-                </a:ln>
-                <a:latin typeface="Jost" pitchFamily="2" charset="-52"/>
-                <a:ea typeface="Jost" pitchFamily="2" charset="-52"/>
-              </a:rPr>
-              <a:t>Определение сезонной компоненты</a:t>
-            </a:r>
-          </a:p>
-          <a:p>
-            <a:pPr marL="457200" indent="-457200">
-              <a:lnSpc>
-                <a:spcPct val="150000"/>
-              </a:lnSpc>
-              <a:buAutoNum type="arabicPeriod"/>
-            </a:pPr>
-            <a:r>
-              <a:rPr lang="ru-RU" sz="2400" dirty="0">
-                <a:ln>
-                  <a:solidFill>
-                    <a:srgbClr val="252729"/>
-                  </a:solidFill>
-                </a:ln>
-                <a:latin typeface="Jost" pitchFamily="2" charset="-52"/>
-                <a:ea typeface="Jost" pitchFamily="2" charset="-52"/>
-              </a:rPr>
-              <a:t>Устранение сезонной компоненты</a:t>
-            </a:r>
-          </a:p>
-          <a:p>
-            <a:pPr marL="457200" indent="-457200">
-              <a:lnSpc>
-                <a:spcPct val="150000"/>
-              </a:lnSpc>
-              <a:buAutoNum type="arabicPeriod"/>
-            </a:pPr>
-            <a:r>
-              <a:rPr lang="ru-RU" sz="2400" dirty="0">
-                <a:ln>
-                  <a:solidFill>
-                    <a:srgbClr val="252729"/>
-                  </a:solidFill>
-                </a:ln>
-                <a:latin typeface="Jost" pitchFamily="2" charset="-52"/>
-                <a:ea typeface="Jost" pitchFamily="2" charset="-52"/>
-              </a:rPr>
-              <a:t>Определение тренда</a:t>
-            </a:r>
-          </a:p>
-          <a:p>
-            <a:pPr marL="457200" indent="-457200">
-              <a:lnSpc>
-                <a:spcPct val="150000"/>
-              </a:lnSpc>
-              <a:buAutoNum type="arabicPeriod"/>
-            </a:pPr>
-            <a:r>
-              <a:rPr lang="ru-RU" sz="2400" dirty="0">
-                <a:ln>
-                  <a:solidFill>
-                    <a:srgbClr val="252729"/>
-                  </a:solidFill>
-                </a:ln>
-                <a:latin typeface="Jost" pitchFamily="2" charset="-52"/>
-                <a:ea typeface="Jost" pitchFamily="2" charset="-52"/>
-              </a:rPr>
-              <a:t>Перерасчет модельных значений с учетом сезонной компоненты</a:t>
-            </a:r>
-          </a:p>
-          <a:p>
-            <a:pPr marL="457200" indent="-457200">
-              <a:lnSpc>
-                <a:spcPct val="150000"/>
-              </a:lnSpc>
-              <a:buAutoNum type="arabicPeriod"/>
-            </a:pPr>
-            <a:endParaRPr lang="ru-RU" sz="2400" dirty="0">
-              <a:ln>
-                <a:solidFill>
-                  <a:srgbClr val="252729"/>
-                </a:solidFill>
-              </a:ln>
-              <a:latin typeface="Jost" pitchFamily="2" charset="-52"/>
-              <a:ea typeface="Jost" pitchFamily="2" charset="-52"/>
-            </a:endParaRPr>
-          </a:p>
-        </p:txBody>
-      </p:sp>
-    </p:spTree>
-    <p:extLst>
-      <p:ext uri="{BB962C8B-B14F-4D97-AF65-F5344CB8AC3E}">
-        <p14:creationId xmlns:p14="http://schemas.microsoft.com/office/powerpoint/2010/main" val="3009242947"/>
-      </p:ext>
-    </p:extLst>
-  </p:cSld>
-  <p:clrMapOvr>
-    <a:masterClrMapping/>
-  </p:clrMapOvr>
-  <mc:AlternateContent xmlns:mc="http://schemas.openxmlformats.org/markup-compatibility/2006">
-    <mc:Choice xmlns:p159="http://schemas.microsoft.com/office/powerpoint/2015/09/main" Requires="p159">
-      <p:transition spd="slow">
-        <p159:morph option="byObject"/>
-      </p:transition>
-    </mc:Choice>
-    <mc:Fallback>
+    <mc:Fallback xmlns="">
       <p:transition spd="slow">
         <p:fade/>
       </p:transition>
@@ -6708,10 +8052,10 @@
       </p:grpSpPr>
       <p:pic>
         <p:nvPicPr>
-          <p:cNvPr id="3" name="Рисунок 2">
-            <a:extLst>
-              <a:ext uri="{FF2B5EF4-FFF2-40B4-BE49-F238E27FC236}">
-                <a16:creationId xmlns:a16="http://schemas.microsoft.com/office/drawing/2014/main" id="{0076D63E-A749-4349-A91D-AF1BA5BFDA20}"/>
+          <p:cNvPr id="4" name="Рисунок 3">
+            <a:extLst>
+              <a:ext uri="{FF2B5EF4-FFF2-40B4-BE49-F238E27FC236}">
+                <a16:creationId xmlns:a16="http://schemas.microsoft.com/office/drawing/2014/main" id="{88F194C0-34A2-4C8E-8D3B-D61F7ED4EF65}"/>
               </a:ext>
             </a:extLst>
           </p:cNvPr>
@@ -6734,8 +8078,8 @@
         </p:blipFill>
         <p:spPr>
           <a:xfrm>
-            <a:off x="225338" y="0"/>
-            <a:ext cx="11741323" cy="6858000"/>
+            <a:off x="286974" y="0"/>
+            <a:ext cx="11618052" cy="6858000"/>
           </a:xfrm>
           <a:prstGeom prst="rect">
             <a:avLst/>
@@ -6745,7 +8089,7 @@
     </p:spTree>
     <p:extLst>
       <p:ext uri="{BB962C8B-B14F-4D97-AF65-F5344CB8AC3E}">
-        <p14:creationId xmlns:p14="http://schemas.microsoft.com/office/powerpoint/2010/main" val="2657672016"/>
+        <p14:creationId xmlns:p14="http://schemas.microsoft.com/office/powerpoint/2010/main" val="1232789778"/>
       </p:ext>
     </p:extLst>
   </p:cSld>
@@ -6844,6 +8188,627 @@
           <a:chExt cx="0" cy="0"/>
         </a:xfrm>
       </p:grpSpPr>
+      <p:pic>
+        <p:nvPicPr>
+          <p:cNvPr id="6" name="Рисунок 5">
+            <a:extLst>
+              <a:ext uri="{FF2B5EF4-FFF2-40B4-BE49-F238E27FC236}">
+                <a16:creationId xmlns:a16="http://schemas.microsoft.com/office/drawing/2014/main" id="{7556D543-584A-41CD-9208-BA4FC1A1E8EF}"/>
+              </a:ext>
+            </a:extLst>
+          </p:cNvPr>
+          <p:cNvPicPr>
+            <a:picLocks noChangeAspect="1"/>
+          </p:cNvPicPr>
+          <p:nvPr/>
+        </p:nvPicPr>
+        <p:blipFill>
+          <a:blip r:embed="rId2">
+            <a:extLst>
+              <a:ext uri="{28A0092B-C50C-407E-A947-70E740481C1C}">
+                <a14:useLocalDpi xmlns:a14="http://schemas.microsoft.com/office/drawing/2010/main" val="0"/>
+              </a:ext>
+            </a:extLst>
+          </a:blip>
+          <a:stretch>
+            <a:fillRect/>
+          </a:stretch>
+        </p:blipFill>
+        <p:spPr>
+          <a:xfrm>
+            <a:off x="0" y="0"/>
+            <a:ext cx="12192000" cy="6858000"/>
+          </a:xfrm>
+          <a:prstGeom prst="rect">
+            <a:avLst/>
+          </a:prstGeom>
+        </p:spPr>
+      </p:pic>
+    </p:spTree>
+    <p:extLst>
+      <p:ext uri="{BB962C8B-B14F-4D97-AF65-F5344CB8AC3E}">
+        <p14:creationId xmlns:p14="http://schemas.microsoft.com/office/powerpoint/2010/main" val="939521447"/>
+      </p:ext>
+    </p:extLst>
+  </p:cSld>
+  <p:clrMapOvr>
+    <a:masterClrMapping/>
+  </p:clrMapOvr>
+  <p:transition spd="slow">
+    <p:push dir="u"/>
+  </p:transition>
+</p:sld>
+</file>
+
+<file path=ppt/slides/slide31.xml><?xml version="1.0" encoding="utf-8"?>
+<p:sld xmlns:a="http://schemas.openxmlformats.org/drawingml/2006/main" xmlns:r="http://schemas.openxmlformats.org/officeDocument/2006/relationships" xmlns:p="http://schemas.openxmlformats.org/presentationml/2006/main">
+  <p:cSld>
+    <p:spTree>
+      <p:nvGrpSpPr>
+        <p:cNvPr id="1" name=""/>
+        <p:cNvGrpSpPr/>
+        <p:nvPr/>
+      </p:nvGrpSpPr>
+      <p:grpSpPr>
+        <a:xfrm>
+          <a:off x="0" y="0"/>
+          <a:ext cx="0" cy="0"/>
+          <a:chOff x="0" y="0"/>
+          <a:chExt cx="0" cy="0"/>
+        </a:xfrm>
+      </p:grpSpPr>
+      <p:pic>
+        <p:nvPicPr>
+          <p:cNvPr id="4" name="Рисунок 3">
+            <a:extLst>
+              <a:ext uri="{FF2B5EF4-FFF2-40B4-BE49-F238E27FC236}">
+                <a16:creationId xmlns:a16="http://schemas.microsoft.com/office/drawing/2014/main" id="{71AEA426-CE1F-4B5A-8EEB-4B4945E8C536}"/>
+              </a:ext>
+            </a:extLst>
+          </p:cNvPr>
+          <p:cNvPicPr>
+            <a:picLocks noChangeAspect="1"/>
+          </p:cNvPicPr>
+          <p:nvPr/>
+        </p:nvPicPr>
+        <p:blipFill>
+          <a:blip r:embed="rId2">
+            <a:extLst>
+              <a:ext uri="{28A0092B-C50C-407E-A947-70E740481C1C}">
+                <a14:useLocalDpi xmlns:a14="http://schemas.microsoft.com/office/drawing/2010/main" val="0"/>
+              </a:ext>
+            </a:extLst>
+          </a:blip>
+          <a:stretch>
+            <a:fillRect/>
+          </a:stretch>
+        </p:blipFill>
+        <p:spPr>
+          <a:xfrm>
+            <a:off x="0" y="0"/>
+            <a:ext cx="12192000" cy="6858000"/>
+          </a:xfrm>
+          <a:prstGeom prst="rect">
+            <a:avLst/>
+          </a:prstGeom>
+        </p:spPr>
+      </p:pic>
+    </p:spTree>
+    <p:extLst>
+      <p:ext uri="{BB962C8B-B14F-4D97-AF65-F5344CB8AC3E}">
+        <p14:creationId xmlns:p14="http://schemas.microsoft.com/office/powerpoint/2010/main" val="2172151173"/>
+      </p:ext>
+    </p:extLst>
+  </p:cSld>
+  <p:clrMapOvr>
+    <a:masterClrMapping/>
+  </p:clrMapOvr>
+  <p:transition spd="slow">
+    <p:push dir="u"/>
+  </p:transition>
+</p:sld>
+</file>
+
+<file path=ppt/slides/slide32.xml><?xml version="1.0" encoding="utf-8"?>
+<p:sld xmlns:a="http://schemas.openxmlformats.org/drawingml/2006/main" xmlns:r="http://schemas.openxmlformats.org/officeDocument/2006/relationships" xmlns:p="http://schemas.openxmlformats.org/presentationml/2006/main">
+  <p:cSld>
+    <p:spTree>
+      <p:nvGrpSpPr>
+        <p:cNvPr id="1" name=""/>
+        <p:cNvGrpSpPr/>
+        <p:nvPr/>
+      </p:nvGrpSpPr>
+      <p:grpSpPr>
+        <a:xfrm>
+          <a:off x="0" y="0"/>
+          <a:ext cx="0" cy="0"/>
+          <a:chOff x="0" y="0"/>
+          <a:chExt cx="0" cy="0"/>
+        </a:xfrm>
+      </p:grpSpPr>
+      <p:pic>
+        <p:nvPicPr>
+          <p:cNvPr id="4" name="Рисунок 3">
+            <a:extLst>
+              <a:ext uri="{FF2B5EF4-FFF2-40B4-BE49-F238E27FC236}">
+                <a16:creationId xmlns:a16="http://schemas.microsoft.com/office/drawing/2014/main" id="{B4657D95-6151-4041-9E0E-316FEC0E9661}"/>
+              </a:ext>
+            </a:extLst>
+          </p:cNvPr>
+          <p:cNvPicPr>
+            <a:picLocks noChangeAspect="1"/>
+          </p:cNvPicPr>
+          <p:nvPr/>
+        </p:nvPicPr>
+        <p:blipFill>
+          <a:blip r:embed="rId2">
+            <a:extLst>
+              <a:ext uri="{28A0092B-C50C-407E-A947-70E740481C1C}">
+                <a14:useLocalDpi xmlns:a14="http://schemas.microsoft.com/office/drawing/2010/main" val="0"/>
+              </a:ext>
+            </a:extLst>
+          </a:blip>
+          <a:stretch>
+            <a:fillRect/>
+          </a:stretch>
+        </p:blipFill>
+        <p:spPr>
+          <a:xfrm>
+            <a:off x="0" y="0"/>
+            <a:ext cx="12192000" cy="6858000"/>
+          </a:xfrm>
+          <a:prstGeom prst="rect">
+            <a:avLst/>
+          </a:prstGeom>
+        </p:spPr>
+      </p:pic>
+    </p:spTree>
+    <p:extLst>
+      <p:ext uri="{BB962C8B-B14F-4D97-AF65-F5344CB8AC3E}">
+        <p14:creationId xmlns:p14="http://schemas.microsoft.com/office/powerpoint/2010/main" val="3168913640"/>
+      </p:ext>
+    </p:extLst>
+  </p:cSld>
+  <p:clrMapOvr>
+    <a:masterClrMapping/>
+  </p:clrMapOvr>
+  <p:transition spd="slow">
+    <p:push dir="u"/>
+  </p:transition>
+</p:sld>
+</file>
+
+<file path=ppt/slides/slide33.xml><?xml version="1.0" encoding="utf-8"?>
+<p:sld xmlns:a="http://schemas.openxmlformats.org/drawingml/2006/main" xmlns:r="http://schemas.openxmlformats.org/officeDocument/2006/relationships" xmlns:p="http://schemas.openxmlformats.org/presentationml/2006/main">
+  <p:cSld>
+    <p:spTree>
+      <p:nvGrpSpPr>
+        <p:cNvPr id="1" name=""/>
+        <p:cNvGrpSpPr/>
+        <p:nvPr/>
+      </p:nvGrpSpPr>
+      <p:grpSpPr>
+        <a:xfrm>
+          <a:off x="0" y="0"/>
+          <a:ext cx="0" cy="0"/>
+          <a:chOff x="0" y="0"/>
+          <a:chExt cx="0" cy="0"/>
+        </a:xfrm>
+      </p:grpSpPr>
+      <p:pic>
+        <p:nvPicPr>
+          <p:cNvPr id="4" name="Рисунок 3">
+            <a:extLst>
+              <a:ext uri="{FF2B5EF4-FFF2-40B4-BE49-F238E27FC236}">
+                <a16:creationId xmlns:a16="http://schemas.microsoft.com/office/drawing/2014/main" id="{73757042-7E91-4314-99A5-CE43DF445A7A}"/>
+              </a:ext>
+            </a:extLst>
+          </p:cNvPr>
+          <p:cNvPicPr>
+            <a:picLocks noChangeAspect="1"/>
+          </p:cNvPicPr>
+          <p:nvPr/>
+        </p:nvPicPr>
+        <p:blipFill>
+          <a:blip r:embed="rId2">
+            <a:extLst>
+              <a:ext uri="{28A0092B-C50C-407E-A947-70E740481C1C}">
+                <a14:useLocalDpi xmlns:a14="http://schemas.microsoft.com/office/drawing/2010/main" val="0"/>
+              </a:ext>
+            </a:extLst>
+          </a:blip>
+          <a:stretch>
+            <a:fillRect/>
+          </a:stretch>
+        </p:blipFill>
+        <p:spPr>
+          <a:xfrm>
+            <a:off x="0" y="0"/>
+            <a:ext cx="12192000" cy="6858000"/>
+          </a:xfrm>
+          <a:prstGeom prst="rect">
+            <a:avLst/>
+          </a:prstGeom>
+        </p:spPr>
+      </p:pic>
+    </p:spTree>
+    <p:extLst>
+      <p:ext uri="{BB962C8B-B14F-4D97-AF65-F5344CB8AC3E}">
+        <p14:creationId xmlns:p14="http://schemas.microsoft.com/office/powerpoint/2010/main" val="1542791593"/>
+      </p:ext>
+    </p:extLst>
+  </p:cSld>
+  <p:clrMapOvr>
+    <a:masterClrMapping/>
+  </p:clrMapOvr>
+  <p:transition spd="slow">
+    <p:push dir="u"/>
+  </p:transition>
+</p:sld>
+</file>
+
+<file path=ppt/slides/slide34.xml><?xml version="1.0" encoding="utf-8"?>
+<p:sld xmlns:a="http://schemas.openxmlformats.org/drawingml/2006/main" xmlns:r="http://schemas.openxmlformats.org/officeDocument/2006/relationships" xmlns:p="http://schemas.openxmlformats.org/presentationml/2006/main">
+  <p:cSld>
+    <p:spTree>
+      <p:nvGrpSpPr>
+        <p:cNvPr id="1" name=""/>
+        <p:cNvGrpSpPr/>
+        <p:nvPr/>
+      </p:nvGrpSpPr>
+      <p:grpSpPr>
+        <a:xfrm>
+          <a:off x="0" y="0"/>
+          <a:ext cx="0" cy="0"/>
+          <a:chOff x="0" y="0"/>
+          <a:chExt cx="0" cy="0"/>
+        </a:xfrm>
+      </p:grpSpPr>
+      <p:pic>
+        <p:nvPicPr>
+          <p:cNvPr id="4" name="Рисунок 3">
+            <a:extLst>
+              <a:ext uri="{FF2B5EF4-FFF2-40B4-BE49-F238E27FC236}">
+                <a16:creationId xmlns:a16="http://schemas.microsoft.com/office/drawing/2014/main" id="{1458D056-5EBD-4E05-8088-63EF741CF5A9}"/>
+              </a:ext>
+            </a:extLst>
+          </p:cNvPr>
+          <p:cNvPicPr>
+            <a:picLocks noChangeAspect="1"/>
+          </p:cNvPicPr>
+          <p:nvPr/>
+        </p:nvPicPr>
+        <p:blipFill>
+          <a:blip r:embed="rId2">
+            <a:extLst>
+              <a:ext uri="{28A0092B-C50C-407E-A947-70E740481C1C}">
+                <a14:useLocalDpi xmlns:a14="http://schemas.microsoft.com/office/drawing/2010/main" val="0"/>
+              </a:ext>
+            </a:extLst>
+          </a:blip>
+          <a:stretch>
+            <a:fillRect/>
+          </a:stretch>
+        </p:blipFill>
+        <p:spPr>
+          <a:xfrm>
+            <a:off x="0" y="0"/>
+            <a:ext cx="12192000" cy="6858000"/>
+          </a:xfrm>
+          <a:prstGeom prst="rect">
+            <a:avLst/>
+          </a:prstGeom>
+        </p:spPr>
+      </p:pic>
+    </p:spTree>
+    <p:extLst>
+      <p:ext uri="{BB962C8B-B14F-4D97-AF65-F5344CB8AC3E}">
+        <p14:creationId xmlns:p14="http://schemas.microsoft.com/office/powerpoint/2010/main" val="3729278402"/>
+      </p:ext>
+    </p:extLst>
+  </p:cSld>
+  <p:clrMapOvr>
+    <a:masterClrMapping/>
+  </p:clrMapOvr>
+  <p:transition spd="slow">
+    <p:push dir="u"/>
+  </p:transition>
+</p:sld>
+</file>
+
+<file path=ppt/slides/slide35.xml><?xml version="1.0" encoding="utf-8"?>
+<p:sld xmlns:a="http://schemas.openxmlformats.org/drawingml/2006/main" xmlns:r="http://schemas.openxmlformats.org/officeDocument/2006/relationships" xmlns:p="http://schemas.openxmlformats.org/presentationml/2006/main">
+  <p:cSld>
+    <p:spTree>
+      <p:nvGrpSpPr>
+        <p:cNvPr id="1" name=""/>
+        <p:cNvGrpSpPr/>
+        <p:nvPr/>
+      </p:nvGrpSpPr>
+      <p:grpSpPr>
+        <a:xfrm>
+          <a:off x="0" y="0"/>
+          <a:ext cx="0" cy="0"/>
+          <a:chOff x="0" y="0"/>
+          <a:chExt cx="0" cy="0"/>
+        </a:xfrm>
+      </p:grpSpPr>
+      <p:pic>
+        <p:nvPicPr>
+          <p:cNvPr id="4" name="Рисунок 3">
+            <a:extLst>
+              <a:ext uri="{FF2B5EF4-FFF2-40B4-BE49-F238E27FC236}">
+                <a16:creationId xmlns:a16="http://schemas.microsoft.com/office/drawing/2014/main" id="{AE8E6C59-B124-4662-A1B5-DFC00077DF3D}"/>
+              </a:ext>
+            </a:extLst>
+          </p:cNvPr>
+          <p:cNvPicPr>
+            <a:picLocks noChangeAspect="1"/>
+          </p:cNvPicPr>
+          <p:nvPr/>
+        </p:nvPicPr>
+        <p:blipFill>
+          <a:blip r:embed="rId2">
+            <a:extLst>
+              <a:ext uri="{28A0092B-C50C-407E-A947-70E740481C1C}">
+                <a14:useLocalDpi xmlns:a14="http://schemas.microsoft.com/office/drawing/2010/main" val="0"/>
+              </a:ext>
+            </a:extLst>
+          </a:blip>
+          <a:stretch>
+            <a:fillRect/>
+          </a:stretch>
+        </p:blipFill>
+        <p:spPr>
+          <a:xfrm>
+            <a:off x="0" y="0"/>
+            <a:ext cx="12192000" cy="6858000"/>
+          </a:xfrm>
+          <a:prstGeom prst="rect">
+            <a:avLst/>
+          </a:prstGeom>
+        </p:spPr>
+      </p:pic>
+    </p:spTree>
+    <p:extLst>
+      <p:ext uri="{BB962C8B-B14F-4D97-AF65-F5344CB8AC3E}">
+        <p14:creationId xmlns:p14="http://schemas.microsoft.com/office/powerpoint/2010/main" val="2285027705"/>
+      </p:ext>
+    </p:extLst>
+  </p:cSld>
+  <p:clrMapOvr>
+    <a:masterClrMapping/>
+  </p:clrMapOvr>
+  <p:transition spd="slow">
+    <p:push dir="u"/>
+  </p:transition>
+</p:sld>
+</file>
+
+<file path=ppt/slides/slide36.xml><?xml version="1.0" encoding="utf-8"?>
+<p:sld xmlns:a="http://schemas.openxmlformats.org/drawingml/2006/main" xmlns:r="http://schemas.openxmlformats.org/officeDocument/2006/relationships" xmlns:p="http://schemas.openxmlformats.org/presentationml/2006/main">
+  <p:cSld>
+    <p:spTree>
+      <p:nvGrpSpPr>
+        <p:cNvPr id="1" name=""/>
+        <p:cNvGrpSpPr/>
+        <p:nvPr/>
+      </p:nvGrpSpPr>
+      <p:grpSpPr>
+        <a:xfrm>
+          <a:off x="0" y="0"/>
+          <a:ext cx="0" cy="0"/>
+          <a:chOff x="0" y="0"/>
+          <a:chExt cx="0" cy="0"/>
+        </a:xfrm>
+      </p:grpSpPr>
+      <p:pic>
+        <p:nvPicPr>
+          <p:cNvPr id="4" name="Рисунок 3">
+            <a:extLst>
+              <a:ext uri="{FF2B5EF4-FFF2-40B4-BE49-F238E27FC236}">
+                <a16:creationId xmlns:a16="http://schemas.microsoft.com/office/drawing/2014/main" id="{1F9B46A2-13DD-4D55-BB00-2650B78C13A2}"/>
+              </a:ext>
+            </a:extLst>
+          </p:cNvPr>
+          <p:cNvPicPr>
+            <a:picLocks noChangeAspect="1"/>
+          </p:cNvPicPr>
+          <p:nvPr/>
+        </p:nvPicPr>
+        <p:blipFill>
+          <a:blip r:embed="rId2">
+            <a:extLst>
+              <a:ext uri="{28A0092B-C50C-407E-A947-70E740481C1C}">
+                <a14:useLocalDpi xmlns:a14="http://schemas.microsoft.com/office/drawing/2010/main" val="0"/>
+              </a:ext>
+            </a:extLst>
+          </a:blip>
+          <a:stretch>
+            <a:fillRect/>
+          </a:stretch>
+        </p:blipFill>
+        <p:spPr>
+          <a:xfrm>
+            <a:off x="0" y="0"/>
+            <a:ext cx="12192000" cy="6858000"/>
+          </a:xfrm>
+          <a:prstGeom prst="rect">
+            <a:avLst/>
+          </a:prstGeom>
+        </p:spPr>
+      </p:pic>
+    </p:spTree>
+    <p:extLst>
+      <p:ext uri="{BB962C8B-B14F-4D97-AF65-F5344CB8AC3E}">
+        <p14:creationId xmlns:p14="http://schemas.microsoft.com/office/powerpoint/2010/main" val="1291518139"/>
+      </p:ext>
+    </p:extLst>
+  </p:cSld>
+  <p:clrMapOvr>
+    <a:masterClrMapping/>
+  </p:clrMapOvr>
+  <p:transition spd="slow">
+    <p:push dir="u"/>
+  </p:transition>
+</p:sld>
+</file>
+
+<file path=ppt/slides/slide37.xml><?xml version="1.0" encoding="utf-8"?>
+<p:sld xmlns:a="http://schemas.openxmlformats.org/drawingml/2006/main" xmlns:r="http://schemas.openxmlformats.org/officeDocument/2006/relationships" xmlns:p="http://schemas.openxmlformats.org/presentationml/2006/main">
+  <p:cSld>
+    <p:spTree>
+      <p:nvGrpSpPr>
+        <p:cNvPr id="1" name=""/>
+        <p:cNvGrpSpPr/>
+        <p:nvPr/>
+      </p:nvGrpSpPr>
+      <p:grpSpPr>
+        <a:xfrm>
+          <a:off x="0" y="0"/>
+          <a:ext cx="0" cy="0"/>
+          <a:chOff x="0" y="0"/>
+          <a:chExt cx="0" cy="0"/>
+        </a:xfrm>
+      </p:grpSpPr>
+      <p:pic>
+        <p:nvPicPr>
+          <p:cNvPr id="4" name="Рисунок 3">
+            <a:extLst>
+              <a:ext uri="{FF2B5EF4-FFF2-40B4-BE49-F238E27FC236}">
+                <a16:creationId xmlns:a16="http://schemas.microsoft.com/office/drawing/2014/main" id="{79643B98-22B4-433A-B05C-CAABC7D04C03}"/>
+              </a:ext>
+            </a:extLst>
+          </p:cNvPr>
+          <p:cNvPicPr>
+            <a:picLocks noChangeAspect="1"/>
+          </p:cNvPicPr>
+          <p:nvPr/>
+        </p:nvPicPr>
+        <p:blipFill>
+          <a:blip r:embed="rId2">
+            <a:extLst>
+              <a:ext uri="{28A0092B-C50C-407E-A947-70E740481C1C}">
+                <a14:useLocalDpi xmlns:a14="http://schemas.microsoft.com/office/drawing/2010/main" val="0"/>
+              </a:ext>
+            </a:extLst>
+          </a:blip>
+          <a:stretch>
+            <a:fillRect/>
+          </a:stretch>
+        </p:blipFill>
+        <p:spPr>
+          <a:xfrm>
+            <a:off x="0" y="0"/>
+            <a:ext cx="12192000" cy="6858000"/>
+          </a:xfrm>
+          <a:prstGeom prst="rect">
+            <a:avLst/>
+          </a:prstGeom>
+        </p:spPr>
+      </p:pic>
+    </p:spTree>
+    <p:extLst>
+      <p:ext uri="{BB962C8B-B14F-4D97-AF65-F5344CB8AC3E}">
+        <p14:creationId xmlns:p14="http://schemas.microsoft.com/office/powerpoint/2010/main" val="1139521896"/>
+      </p:ext>
+    </p:extLst>
+  </p:cSld>
+  <p:clrMapOvr>
+    <a:masterClrMapping/>
+  </p:clrMapOvr>
+  <p:transition spd="slow">
+    <p:push dir="u"/>
+  </p:transition>
+</p:sld>
+</file>
+
+<file path=ppt/slides/slide38.xml><?xml version="1.0" encoding="utf-8"?>
+<p:sld xmlns:a="http://schemas.openxmlformats.org/drawingml/2006/main" xmlns:r="http://schemas.openxmlformats.org/officeDocument/2006/relationships" xmlns:p="http://schemas.openxmlformats.org/presentationml/2006/main">
+  <p:cSld>
+    <p:spTree>
+      <p:nvGrpSpPr>
+        <p:cNvPr id="1" name=""/>
+        <p:cNvGrpSpPr/>
+        <p:nvPr/>
+      </p:nvGrpSpPr>
+      <p:grpSpPr>
+        <a:xfrm>
+          <a:off x="0" y="0"/>
+          <a:ext cx="0" cy="0"/>
+          <a:chOff x="0" y="0"/>
+          <a:chExt cx="0" cy="0"/>
+        </a:xfrm>
+      </p:grpSpPr>
+      <p:pic>
+        <p:nvPicPr>
+          <p:cNvPr id="4" name="Рисунок 3">
+            <a:extLst>
+              <a:ext uri="{FF2B5EF4-FFF2-40B4-BE49-F238E27FC236}">
+                <a16:creationId xmlns:a16="http://schemas.microsoft.com/office/drawing/2014/main" id="{3EB2CEE5-C6FF-496C-AB15-BB48212FF6F5}"/>
+              </a:ext>
+            </a:extLst>
+          </p:cNvPr>
+          <p:cNvPicPr>
+            <a:picLocks noChangeAspect="1"/>
+          </p:cNvPicPr>
+          <p:nvPr/>
+        </p:nvPicPr>
+        <p:blipFill>
+          <a:blip r:embed="rId2">
+            <a:extLst>
+              <a:ext uri="{28A0092B-C50C-407E-A947-70E740481C1C}">
+                <a14:useLocalDpi xmlns:a14="http://schemas.microsoft.com/office/drawing/2010/main" val="0"/>
+              </a:ext>
+            </a:extLst>
+          </a:blip>
+          <a:stretch>
+            <a:fillRect/>
+          </a:stretch>
+        </p:blipFill>
+        <p:spPr>
+          <a:xfrm>
+            <a:off x="0" y="0"/>
+            <a:ext cx="12192000" cy="6858000"/>
+          </a:xfrm>
+          <a:prstGeom prst="rect">
+            <a:avLst/>
+          </a:prstGeom>
+        </p:spPr>
+      </p:pic>
+    </p:spTree>
+    <p:extLst>
+      <p:ext uri="{BB962C8B-B14F-4D97-AF65-F5344CB8AC3E}">
+        <p14:creationId xmlns:p14="http://schemas.microsoft.com/office/powerpoint/2010/main" val="3895263827"/>
+      </p:ext>
+    </p:extLst>
+  </p:cSld>
+  <p:clrMapOvr>
+    <a:masterClrMapping/>
+  </p:clrMapOvr>
+  <p:transition spd="slow">
+    <p:push dir="u"/>
+  </p:transition>
+</p:sld>
+</file>
+
+<file path=ppt/slides/slide39.xml><?xml version="1.0" encoding="utf-8"?>
+<p:sld xmlns:a="http://schemas.openxmlformats.org/drawingml/2006/main" xmlns:r="http://schemas.openxmlformats.org/officeDocument/2006/relationships" xmlns:p="http://schemas.openxmlformats.org/presentationml/2006/main">
+  <p:cSld>
+    <p:spTree>
+      <p:nvGrpSpPr>
+        <p:cNvPr id="1" name=""/>
+        <p:cNvGrpSpPr/>
+        <p:nvPr/>
+      </p:nvGrpSpPr>
+      <p:grpSpPr>
+        <a:xfrm>
+          <a:off x="0" y="0"/>
+          <a:ext cx="0" cy="0"/>
+          <a:chOff x="0" y="0"/>
+          <a:chExt cx="0" cy="0"/>
+        </a:xfrm>
+      </p:grpSpPr>
       <p:sp>
         <p:nvSpPr>
           <p:cNvPr id="4" name="Прямоугольник 3">
@@ -6959,8 +8924,1120 @@
                 <a:latin typeface="Jost" pitchFamily="2" charset="-52"/>
                 <a:ea typeface="Jost" pitchFamily="2" charset="-52"/>
               </a:rPr>
-              <a:t>Оценка качества модели</a:t>
+              <a:t>Также было проделано:</a:t>
             </a:r>
+          </a:p>
+        </p:txBody>
+      </p:sp>
+      <p:sp>
+        <p:nvSpPr>
+          <p:cNvPr id="8" name="Заголовок 1">
+            <a:extLst>
+              <a:ext uri="{FF2B5EF4-FFF2-40B4-BE49-F238E27FC236}">
+                <a16:creationId xmlns:a16="http://schemas.microsoft.com/office/drawing/2014/main" id="{11D6BD5A-C551-4254-864D-3EE7828C7AF9}"/>
+              </a:ext>
+            </a:extLst>
+          </p:cNvPr>
+          <p:cNvSpPr txBox="1">
+            <a:spLocks/>
+          </p:cNvSpPr>
+          <p:nvPr/>
+        </p:nvSpPr>
+        <p:spPr>
+          <a:xfrm>
+            <a:off x="932155" y="2257147"/>
+            <a:ext cx="10786370" cy="3968319"/>
+          </a:xfrm>
+          <a:prstGeom prst="rect">
+            <a:avLst/>
+          </a:prstGeom>
+          <a:ln w="57150">
+            <a:noFill/>
+          </a:ln>
+        </p:spPr>
+        <p:txBody>
+          <a:bodyPr vert="horz" lIns="91440" tIns="45720" rIns="91440" bIns="45720" rtlCol="0" anchor="t">
+            <a:noAutofit/>
+          </a:bodyPr>
+          <a:lstStyle>
+            <a:lvl1pPr algn="l" defTabSz="914400" rtl="0" eaLnBrk="1" latinLnBrk="0" hangingPunct="1">
+              <a:lnSpc>
+                <a:spcPct val="90000"/>
+              </a:lnSpc>
+              <a:spcBef>
+                <a:spcPct val="0"/>
+              </a:spcBef>
+              <a:buNone/>
+              <a:defRPr sz="4400" kern="1200">
+                <a:solidFill>
+                  <a:schemeClr val="tx1"/>
+                </a:solidFill>
+                <a:latin typeface="+mj-lt"/>
+                <a:ea typeface="+mj-ea"/>
+                <a:cs typeface="+mj-cs"/>
+              </a:defRPr>
+            </a:lvl1pPr>
+          </a:lstStyle>
+          <a:p>
+            <a:pPr marL="457200" indent="-457200">
+              <a:lnSpc>
+                <a:spcPct val="150000"/>
+              </a:lnSpc>
+              <a:buAutoNum type="arabicPeriod"/>
+            </a:pPr>
+            <a:r>
+              <a:rPr lang="ru-RU" sz="2400" dirty="0">
+                <a:ln>
+                  <a:solidFill>
+                    <a:srgbClr val="252729"/>
+                  </a:solidFill>
+                </a:ln>
+                <a:latin typeface="Jost" pitchFamily="2" charset="-52"/>
+                <a:ea typeface="Jost" pitchFamily="2" charset="-52"/>
+              </a:rPr>
+              <a:t>Сглаживание исходного ряда методом скользящей средней</a:t>
+            </a:r>
+          </a:p>
+          <a:p>
+            <a:pPr marL="457200" indent="-457200">
+              <a:lnSpc>
+                <a:spcPct val="150000"/>
+              </a:lnSpc>
+              <a:buAutoNum type="arabicPeriod"/>
+            </a:pPr>
+            <a:r>
+              <a:rPr lang="ru-RU" sz="2400" dirty="0">
+                <a:ln>
+                  <a:solidFill>
+                    <a:srgbClr val="252729"/>
+                  </a:solidFill>
+                </a:ln>
+                <a:latin typeface="Jost" pitchFamily="2" charset="-52"/>
+                <a:ea typeface="Jost" pitchFamily="2" charset="-52"/>
+              </a:rPr>
+              <a:t>Определение сезонной компоненты</a:t>
+            </a:r>
+          </a:p>
+          <a:p>
+            <a:pPr marL="457200" indent="-457200">
+              <a:lnSpc>
+                <a:spcPct val="150000"/>
+              </a:lnSpc>
+              <a:buAutoNum type="arabicPeriod"/>
+            </a:pPr>
+            <a:r>
+              <a:rPr lang="ru-RU" sz="2400" dirty="0">
+                <a:ln>
+                  <a:solidFill>
+                    <a:srgbClr val="252729"/>
+                  </a:solidFill>
+                </a:ln>
+                <a:latin typeface="Jost" pitchFamily="2" charset="-52"/>
+                <a:ea typeface="Jost" pitchFamily="2" charset="-52"/>
+              </a:rPr>
+              <a:t>Устранение сезонной компоненты</a:t>
+            </a:r>
+          </a:p>
+          <a:p>
+            <a:pPr marL="457200" indent="-457200">
+              <a:lnSpc>
+                <a:spcPct val="150000"/>
+              </a:lnSpc>
+              <a:buAutoNum type="arabicPeriod"/>
+            </a:pPr>
+            <a:r>
+              <a:rPr lang="ru-RU" sz="2400" dirty="0">
+                <a:ln>
+                  <a:solidFill>
+                    <a:srgbClr val="252729"/>
+                  </a:solidFill>
+                </a:ln>
+                <a:latin typeface="Jost" pitchFamily="2" charset="-52"/>
+                <a:ea typeface="Jost" pitchFamily="2" charset="-52"/>
+              </a:rPr>
+              <a:t>Определение тренда</a:t>
+            </a:r>
+          </a:p>
+          <a:p>
+            <a:pPr marL="457200" indent="-457200">
+              <a:lnSpc>
+                <a:spcPct val="150000"/>
+              </a:lnSpc>
+              <a:buAutoNum type="arabicPeriod"/>
+            </a:pPr>
+            <a:r>
+              <a:rPr lang="ru-RU" sz="2400" dirty="0">
+                <a:ln>
+                  <a:solidFill>
+                    <a:srgbClr val="252729"/>
+                  </a:solidFill>
+                </a:ln>
+                <a:latin typeface="Jost" pitchFamily="2" charset="-52"/>
+                <a:ea typeface="Jost" pitchFamily="2" charset="-52"/>
+              </a:rPr>
+              <a:t>Перерасчет модельных значений с учетом сезонной компоненты</a:t>
+            </a:r>
+          </a:p>
+          <a:p>
+            <a:pPr marL="457200" indent="-457200">
+              <a:lnSpc>
+                <a:spcPct val="150000"/>
+              </a:lnSpc>
+              <a:buAutoNum type="arabicPeriod"/>
+            </a:pPr>
+            <a:endParaRPr lang="ru-RU" sz="2400" dirty="0">
+              <a:ln>
+                <a:solidFill>
+                  <a:srgbClr val="252729"/>
+                </a:solidFill>
+              </a:ln>
+              <a:latin typeface="Jost" pitchFamily="2" charset="-52"/>
+              <a:ea typeface="Jost" pitchFamily="2" charset="-52"/>
+            </a:endParaRPr>
+          </a:p>
+        </p:txBody>
+      </p:sp>
+    </p:spTree>
+    <p:extLst>
+      <p:ext uri="{BB962C8B-B14F-4D97-AF65-F5344CB8AC3E}">
+        <p14:creationId xmlns:p14="http://schemas.microsoft.com/office/powerpoint/2010/main" val="3009242947"/>
+      </p:ext>
+    </p:extLst>
+  </p:cSld>
+  <p:clrMapOvr>
+    <a:masterClrMapping/>
+  </p:clrMapOvr>
+  <mc:AlternateContent xmlns:mc="http://schemas.openxmlformats.org/markup-compatibility/2006" xmlns:p159="http://schemas.microsoft.com/office/powerpoint/2015/09/main">
+    <mc:Choice Requires="p159">
+      <p:transition spd="slow">
+        <p159:morph option="byObject"/>
+      </p:transition>
+    </mc:Choice>
+    <mc:Fallback xmlns="">
+      <p:transition spd="slow">
+        <p:fade/>
+      </p:transition>
+    </mc:Fallback>
+  </mc:AlternateContent>
+</p:sld>
+</file>
+
+<file path=ppt/slides/slide4.xml><?xml version="1.0" encoding="utf-8"?>
+<p:sld xmlns:a="http://schemas.openxmlformats.org/drawingml/2006/main" xmlns:r="http://schemas.openxmlformats.org/officeDocument/2006/relationships" xmlns:p="http://schemas.openxmlformats.org/presentationml/2006/main">
+  <p:cSld>
+    <p:spTree>
+      <p:nvGrpSpPr>
+        <p:cNvPr id="1" name=""/>
+        <p:cNvGrpSpPr/>
+        <p:nvPr/>
+      </p:nvGrpSpPr>
+      <p:grpSpPr>
+        <a:xfrm>
+          <a:off x="0" y="0"/>
+          <a:ext cx="0" cy="0"/>
+          <a:chOff x="0" y="0"/>
+          <a:chExt cx="0" cy="0"/>
+        </a:xfrm>
+      </p:grpSpPr>
+      <p:pic>
+        <p:nvPicPr>
+          <p:cNvPr id="2050" name="Picture 2" descr="Самая новогодняя сказка. Как Самуил Маршак написал «12 месяцев» / Новости  города / Сайт Москвы">
+            <a:extLst>
+              <a:ext uri="{FF2B5EF4-FFF2-40B4-BE49-F238E27FC236}">
+                <a16:creationId xmlns:a16="http://schemas.microsoft.com/office/drawing/2014/main" id="{873778D2-1D18-4737-B4A6-E3AF06A2676D}"/>
+              </a:ext>
+            </a:extLst>
+          </p:cNvPr>
+          <p:cNvPicPr>
+            <a:picLocks noChangeAspect="1" noChangeArrowheads="1"/>
+          </p:cNvPicPr>
+          <p:nvPr/>
+        </p:nvPicPr>
+        <p:blipFill>
+          <a:blip r:embed="rId2">
+            <a:extLst>
+              <a:ext uri="{28A0092B-C50C-407E-A947-70E740481C1C}">
+                <a14:useLocalDpi xmlns:a14="http://schemas.microsoft.com/office/drawing/2010/main" val="0"/>
+              </a:ext>
+            </a:extLst>
+          </a:blip>
+          <a:srcRect/>
+          <a:stretch>
+            <a:fillRect/>
+          </a:stretch>
+        </p:blipFill>
+        <p:spPr bwMode="auto">
+          <a:xfrm>
+            <a:off x="-594804" y="0"/>
+            <a:ext cx="13772226" cy="6886114"/>
+          </a:xfrm>
+          <a:prstGeom prst="rect">
+            <a:avLst/>
+          </a:prstGeom>
+          <a:noFill/>
+          <a:extLst>
+            <a:ext uri="{909E8E84-426E-40DD-AFC4-6F175D3DCCD1}">
+              <a14:hiddenFill xmlns:a14="http://schemas.microsoft.com/office/drawing/2010/main">
+                <a:solidFill>
+                  <a:srgbClr val="FFFFFF"/>
+                </a:solidFill>
+              </a14:hiddenFill>
+            </a:ext>
+          </a:extLst>
+        </p:spPr>
+      </p:pic>
+    </p:spTree>
+    <p:extLst>
+      <p:ext uri="{BB962C8B-B14F-4D97-AF65-F5344CB8AC3E}">
+        <p14:creationId xmlns:p14="http://schemas.microsoft.com/office/powerpoint/2010/main" val="3627709695"/>
+      </p:ext>
+    </p:extLst>
+  </p:cSld>
+  <p:clrMapOvr>
+    <a:masterClrMapping/>
+  </p:clrMapOvr>
+  <p:transition spd="slow">
+    <p:push dir="u"/>
+  </p:transition>
+</p:sld>
+</file>
+
+<file path=ppt/slides/slide40.xml><?xml version="1.0" encoding="utf-8"?>
+<p:sld xmlns:a="http://schemas.openxmlformats.org/drawingml/2006/main" xmlns:r="http://schemas.openxmlformats.org/officeDocument/2006/relationships" xmlns:p="http://schemas.openxmlformats.org/presentationml/2006/main">
+  <p:cSld>
+    <p:spTree>
+      <p:nvGrpSpPr>
+        <p:cNvPr id="1" name=""/>
+        <p:cNvGrpSpPr/>
+        <p:nvPr/>
+      </p:nvGrpSpPr>
+      <p:grpSpPr>
+        <a:xfrm>
+          <a:off x="0" y="0"/>
+          <a:ext cx="0" cy="0"/>
+          <a:chOff x="0" y="0"/>
+          <a:chExt cx="0" cy="0"/>
+        </a:xfrm>
+      </p:grpSpPr>
+      <p:pic>
+        <p:nvPicPr>
+          <p:cNvPr id="22" name="Рисунок 21">
+            <a:extLst>
+              <a:ext uri="{FF2B5EF4-FFF2-40B4-BE49-F238E27FC236}">
+                <a16:creationId xmlns:a16="http://schemas.microsoft.com/office/drawing/2014/main" id="{AB0125AB-EFBD-4B09-A819-9895447A2B2E}"/>
+              </a:ext>
+            </a:extLst>
+          </p:cNvPr>
+          <p:cNvPicPr>
+            <a:picLocks noChangeAspect="1"/>
+          </p:cNvPicPr>
+          <p:nvPr/>
+        </p:nvPicPr>
+        <p:blipFill>
+          <a:blip r:embed="rId3">
+            <a:extLst>
+              <a:ext uri="{28A0092B-C50C-407E-A947-70E740481C1C}">
+                <a14:useLocalDpi xmlns:a14="http://schemas.microsoft.com/office/drawing/2010/main" val="0"/>
+              </a:ext>
+            </a:extLst>
+          </a:blip>
+          <a:stretch>
+            <a:fillRect/>
+          </a:stretch>
+        </p:blipFill>
+        <p:spPr>
+          <a:xfrm>
+            <a:off x="0" y="0"/>
+            <a:ext cx="12192000" cy="6858000"/>
+          </a:xfrm>
+          <a:prstGeom prst="rect">
+            <a:avLst/>
+          </a:prstGeom>
+        </p:spPr>
+      </p:pic>
+      <p:sp>
+        <p:nvSpPr>
+          <p:cNvPr id="29" name="Прямоугольник 28">
+            <a:extLst>
+              <a:ext uri="{FF2B5EF4-FFF2-40B4-BE49-F238E27FC236}">
+                <a16:creationId xmlns:a16="http://schemas.microsoft.com/office/drawing/2014/main" id="{92C77AE1-835F-4166-992A-060BAD2EDF79}"/>
+              </a:ext>
+            </a:extLst>
+          </p:cNvPr>
+          <p:cNvSpPr/>
+          <p:nvPr/>
+        </p:nvSpPr>
+        <p:spPr>
+          <a:xfrm>
+            <a:off x="0" y="-15004"/>
+            <a:ext cx="12192000" cy="1485733"/>
+          </a:xfrm>
+          <a:prstGeom prst="rect">
+            <a:avLst/>
+          </a:prstGeom>
+          <a:solidFill>
+            <a:srgbClr val="252729"/>
+          </a:solidFill>
+          <a:ln>
+            <a:noFill/>
+          </a:ln>
+        </p:spPr>
+        <p:style>
+          <a:lnRef idx="2">
+            <a:schemeClr val="accent1">
+              <a:shade val="50000"/>
+            </a:schemeClr>
+          </a:lnRef>
+          <a:fillRef idx="1">
+            <a:schemeClr val="accent1"/>
+          </a:fillRef>
+          <a:effectRef idx="0">
+            <a:schemeClr val="accent1"/>
+          </a:effectRef>
+          <a:fontRef idx="minor">
+            <a:schemeClr val="lt1"/>
+          </a:fontRef>
+        </p:style>
+        <p:txBody>
+          <a:bodyPr rtlCol="0" anchor="ctr"/>
+          <a:lstStyle/>
+          <a:p>
+            <a:pPr algn="ctr"/>
+            <a:endParaRPr lang="ru-RU" sz="1200"/>
+          </a:p>
+        </p:txBody>
+      </p:sp>
+      <p:sp>
+        <p:nvSpPr>
+          <p:cNvPr id="23" name="Звезда: 5 точек 22">
+            <a:extLst>
+              <a:ext uri="{FF2B5EF4-FFF2-40B4-BE49-F238E27FC236}">
+                <a16:creationId xmlns:a16="http://schemas.microsoft.com/office/drawing/2014/main" id="{44530A88-8962-4A71-BC9B-2CC1FAEFF2D5}"/>
+              </a:ext>
+            </a:extLst>
+          </p:cNvPr>
+          <p:cNvSpPr/>
+          <p:nvPr/>
+        </p:nvSpPr>
+        <p:spPr>
+          <a:xfrm>
+            <a:off x="1917576" y="1821253"/>
+            <a:ext cx="506028" cy="506028"/>
+          </a:xfrm>
+          <a:prstGeom prst="star5">
+            <a:avLst/>
+          </a:prstGeom>
+          <a:solidFill>
+            <a:srgbClr val="C00000"/>
+          </a:solidFill>
+          <a:ln>
+            <a:noFill/>
+          </a:ln>
+        </p:spPr>
+        <p:style>
+          <a:lnRef idx="2">
+            <a:schemeClr val="accent1">
+              <a:shade val="50000"/>
+            </a:schemeClr>
+          </a:lnRef>
+          <a:fillRef idx="1">
+            <a:schemeClr val="accent1"/>
+          </a:fillRef>
+          <a:effectRef idx="0">
+            <a:schemeClr val="accent1"/>
+          </a:effectRef>
+          <a:fontRef idx="minor">
+            <a:schemeClr val="lt1"/>
+          </a:fontRef>
+        </p:style>
+        <p:txBody>
+          <a:bodyPr rtlCol="0" anchor="ctr"/>
+          <a:lstStyle/>
+          <a:p>
+            <a:pPr algn="ctr"/>
+            <a:endParaRPr lang="ru-RU"/>
+          </a:p>
+        </p:txBody>
+      </p:sp>
+      <p:sp>
+        <p:nvSpPr>
+          <p:cNvPr id="24" name="Звезда: 5 точек 23">
+            <a:extLst>
+              <a:ext uri="{FF2B5EF4-FFF2-40B4-BE49-F238E27FC236}">
+                <a16:creationId xmlns:a16="http://schemas.microsoft.com/office/drawing/2014/main" id="{7B038832-E6C6-4DA0-8930-AA328E0C311A}"/>
+              </a:ext>
+            </a:extLst>
+          </p:cNvPr>
+          <p:cNvSpPr/>
+          <p:nvPr/>
+        </p:nvSpPr>
+        <p:spPr>
+          <a:xfrm>
+            <a:off x="10324729" y="2714015"/>
+            <a:ext cx="506028" cy="506028"/>
+          </a:xfrm>
+          <a:prstGeom prst="star5">
+            <a:avLst/>
+          </a:prstGeom>
+          <a:solidFill>
+            <a:srgbClr val="C00000"/>
+          </a:solidFill>
+          <a:ln>
+            <a:noFill/>
+          </a:ln>
+        </p:spPr>
+        <p:style>
+          <a:lnRef idx="2">
+            <a:schemeClr val="accent1">
+              <a:shade val="50000"/>
+            </a:schemeClr>
+          </a:lnRef>
+          <a:fillRef idx="1">
+            <a:schemeClr val="accent1"/>
+          </a:fillRef>
+          <a:effectRef idx="0">
+            <a:schemeClr val="accent1"/>
+          </a:effectRef>
+          <a:fontRef idx="minor">
+            <a:schemeClr val="lt1"/>
+          </a:fontRef>
+        </p:style>
+        <p:txBody>
+          <a:bodyPr rtlCol="0" anchor="ctr"/>
+          <a:lstStyle/>
+          <a:p>
+            <a:pPr algn="ctr"/>
+            <a:endParaRPr lang="ru-RU"/>
+          </a:p>
+        </p:txBody>
+      </p:sp>
+      <p:sp>
+        <p:nvSpPr>
+          <p:cNvPr id="25" name="Звезда: 5 точек 24">
+            <a:extLst>
+              <a:ext uri="{FF2B5EF4-FFF2-40B4-BE49-F238E27FC236}">
+                <a16:creationId xmlns:a16="http://schemas.microsoft.com/office/drawing/2014/main" id="{2DFF6406-BEC1-4976-ADB2-EF4E89316800}"/>
+              </a:ext>
+            </a:extLst>
+          </p:cNvPr>
+          <p:cNvSpPr/>
+          <p:nvPr/>
+        </p:nvSpPr>
+        <p:spPr>
+          <a:xfrm>
+            <a:off x="2681055" y="4365820"/>
+            <a:ext cx="506028" cy="506028"/>
+          </a:xfrm>
+          <a:prstGeom prst="star5">
+            <a:avLst/>
+          </a:prstGeom>
+          <a:solidFill>
+            <a:srgbClr val="C00000"/>
+          </a:solidFill>
+          <a:ln>
+            <a:noFill/>
+          </a:ln>
+        </p:spPr>
+        <p:style>
+          <a:lnRef idx="2">
+            <a:schemeClr val="accent1">
+              <a:shade val="50000"/>
+            </a:schemeClr>
+          </a:lnRef>
+          <a:fillRef idx="1">
+            <a:schemeClr val="accent1"/>
+          </a:fillRef>
+          <a:effectRef idx="0">
+            <a:schemeClr val="accent1"/>
+          </a:effectRef>
+          <a:fontRef idx="minor">
+            <a:schemeClr val="lt1"/>
+          </a:fontRef>
+        </p:style>
+        <p:txBody>
+          <a:bodyPr rtlCol="0" anchor="ctr"/>
+          <a:lstStyle/>
+          <a:p>
+            <a:pPr algn="ctr"/>
+            <a:endParaRPr lang="ru-RU"/>
+          </a:p>
+        </p:txBody>
+      </p:sp>
+      <p:sp>
+        <p:nvSpPr>
+          <p:cNvPr id="26" name="Звезда: 5 точек 25">
+            <a:extLst>
+              <a:ext uri="{FF2B5EF4-FFF2-40B4-BE49-F238E27FC236}">
+                <a16:creationId xmlns:a16="http://schemas.microsoft.com/office/drawing/2014/main" id="{D9C041BB-6421-4DBB-93A4-CBF7CE2D8DFD}"/>
+              </a:ext>
+            </a:extLst>
+          </p:cNvPr>
+          <p:cNvSpPr/>
+          <p:nvPr/>
+        </p:nvSpPr>
+        <p:spPr>
+          <a:xfrm>
+            <a:off x="9055222" y="1485733"/>
+            <a:ext cx="506028" cy="506028"/>
+          </a:xfrm>
+          <a:prstGeom prst="star5">
+            <a:avLst/>
+          </a:prstGeom>
+          <a:solidFill>
+            <a:srgbClr val="C00000"/>
+          </a:solidFill>
+          <a:ln>
+            <a:noFill/>
+          </a:ln>
+        </p:spPr>
+        <p:style>
+          <a:lnRef idx="2">
+            <a:schemeClr val="accent1">
+              <a:shade val="50000"/>
+            </a:schemeClr>
+          </a:lnRef>
+          <a:fillRef idx="1">
+            <a:schemeClr val="accent1"/>
+          </a:fillRef>
+          <a:effectRef idx="0">
+            <a:schemeClr val="accent1"/>
+          </a:effectRef>
+          <a:fontRef idx="minor">
+            <a:schemeClr val="lt1"/>
+          </a:fontRef>
+        </p:style>
+        <p:txBody>
+          <a:bodyPr rtlCol="0" anchor="ctr"/>
+          <a:lstStyle/>
+          <a:p>
+            <a:pPr algn="ctr"/>
+            <a:endParaRPr lang="ru-RU"/>
+          </a:p>
+        </p:txBody>
+      </p:sp>
+      <p:sp>
+        <p:nvSpPr>
+          <p:cNvPr id="27" name="Звезда: 5 точек 26">
+            <a:extLst>
+              <a:ext uri="{FF2B5EF4-FFF2-40B4-BE49-F238E27FC236}">
+                <a16:creationId xmlns:a16="http://schemas.microsoft.com/office/drawing/2014/main" id="{D7295DCC-DB9E-4B92-9501-16A2CC7825DC}"/>
+              </a:ext>
+            </a:extLst>
+          </p:cNvPr>
+          <p:cNvSpPr/>
+          <p:nvPr/>
+        </p:nvSpPr>
+        <p:spPr>
+          <a:xfrm>
+            <a:off x="8904302" y="4438172"/>
+            <a:ext cx="506028" cy="506028"/>
+          </a:xfrm>
+          <a:prstGeom prst="star5">
+            <a:avLst/>
+          </a:prstGeom>
+          <a:solidFill>
+            <a:srgbClr val="C00000"/>
+          </a:solidFill>
+          <a:ln>
+            <a:noFill/>
+          </a:ln>
+        </p:spPr>
+        <p:style>
+          <a:lnRef idx="2">
+            <a:schemeClr val="accent1">
+              <a:shade val="50000"/>
+            </a:schemeClr>
+          </a:lnRef>
+          <a:fillRef idx="1">
+            <a:schemeClr val="accent1"/>
+          </a:fillRef>
+          <a:effectRef idx="0">
+            <a:schemeClr val="accent1"/>
+          </a:effectRef>
+          <a:fontRef idx="minor">
+            <a:schemeClr val="lt1"/>
+          </a:fontRef>
+        </p:style>
+        <p:txBody>
+          <a:bodyPr rtlCol="0" anchor="ctr"/>
+          <a:lstStyle/>
+          <a:p>
+            <a:pPr algn="ctr"/>
+            <a:endParaRPr lang="ru-RU"/>
+          </a:p>
+        </p:txBody>
+      </p:sp>
+      <p:sp>
+        <p:nvSpPr>
+          <p:cNvPr id="28" name="Звезда: 5 точек 27">
+            <a:extLst>
+              <a:ext uri="{FF2B5EF4-FFF2-40B4-BE49-F238E27FC236}">
+                <a16:creationId xmlns:a16="http://schemas.microsoft.com/office/drawing/2014/main" id="{1B45B56E-2782-40C5-A09A-C9B5A9444A80}"/>
+              </a:ext>
+            </a:extLst>
+          </p:cNvPr>
+          <p:cNvSpPr/>
+          <p:nvPr/>
+        </p:nvSpPr>
+        <p:spPr>
+          <a:xfrm>
+            <a:off x="1207362" y="3557725"/>
+            <a:ext cx="506028" cy="506028"/>
+          </a:xfrm>
+          <a:prstGeom prst="star5">
+            <a:avLst/>
+          </a:prstGeom>
+          <a:solidFill>
+            <a:srgbClr val="C00000"/>
+          </a:solidFill>
+          <a:ln>
+            <a:noFill/>
+          </a:ln>
+        </p:spPr>
+        <p:style>
+          <a:lnRef idx="2">
+            <a:schemeClr val="accent1">
+              <a:shade val="50000"/>
+            </a:schemeClr>
+          </a:lnRef>
+          <a:fillRef idx="1">
+            <a:schemeClr val="accent1"/>
+          </a:fillRef>
+          <a:effectRef idx="0">
+            <a:schemeClr val="accent1"/>
+          </a:effectRef>
+          <a:fontRef idx="minor">
+            <a:schemeClr val="lt1"/>
+          </a:fontRef>
+        </p:style>
+        <p:txBody>
+          <a:bodyPr rtlCol="0" anchor="ctr"/>
+          <a:lstStyle/>
+          <a:p>
+            <a:pPr algn="ctr"/>
+            <a:endParaRPr lang="ru-RU"/>
+          </a:p>
+        </p:txBody>
+      </p:sp>
+      <p:sp>
+        <p:nvSpPr>
+          <p:cNvPr id="30" name="Заголовок 1">
+            <a:extLst>
+              <a:ext uri="{FF2B5EF4-FFF2-40B4-BE49-F238E27FC236}">
+                <a16:creationId xmlns:a16="http://schemas.microsoft.com/office/drawing/2014/main" id="{0D60EB88-7FB2-4069-96D1-8266B7FB5BB6}"/>
+              </a:ext>
+            </a:extLst>
+          </p:cNvPr>
+          <p:cNvSpPr txBox="1">
+            <a:spLocks/>
+          </p:cNvSpPr>
+          <p:nvPr/>
+        </p:nvSpPr>
+        <p:spPr>
+          <a:xfrm>
+            <a:off x="967666" y="268718"/>
+            <a:ext cx="10256668" cy="946134"/>
+          </a:xfrm>
+          <a:prstGeom prst="rect">
+            <a:avLst/>
+          </a:prstGeom>
+          <a:ln w="57150">
+            <a:solidFill>
+              <a:srgbClr val="252729"/>
+            </a:solidFill>
+          </a:ln>
+        </p:spPr>
+        <p:txBody>
+          <a:bodyPr vert="horz" lIns="91440" tIns="45720" rIns="91440" bIns="45720" rtlCol="0" anchor="ctr">
+            <a:normAutofit fontScale="97500"/>
+          </a:bodyPr>
+          <a:lstStyle>
+            <a:lvl1pPr algn="ctr" defTabSz="914400" rtl="0" eaLnBrk="1" latinLnBrk="0" hangingPunct="1">
+              <a:lnSpc>
+                <a:spcPct val="90000"/>
+              </a:lnSpc>
+              <a:spcBef>
+                <a:spcPct val="0"/>
+              </a:spcBef>
+              <a:buNone/>
+              <a:defRPr sz="6000" kern="1200">
+                <a:solidFill>
+                  <a:schemeClr val="tx1"/>
+                </a:solidFill>
+                <a:latin typeface="+mj-lt"/>
+                <a:ea typeface="+mj-ea"/>
+                <a:cs typeface="+mj-cs"/>
+              </a:defRPr>
+            </a:lvl1pPr>
+          </a:lstStyle>
+          <a:p>
+            <a:r>
+              <a:rPr lang="ru-RU" sz="4800" b="1" dirty="0">
+                <a:solidFill>
+                  <a:srgbClr val="E6D3AD"/>
+                </a:solidFill>
+                <a:latin typeface="Jost" pitchFamily="2" charset="-52"/>
+                <a:ea typeface="Jost" pitchFamily="2" charset="-52"/>
+              </a:rPr>
+              <a:t>Моделирование</a:t>
+            </a:r>
+          </a:p>
+        </p:txBody>
+      </p:sp>
+      <p:sp>
+        <p:nvSpPr>
+          <p:cNvPr id="32" name="Заголовок 1">
+            <a:extLst>
+              <a:ext uri="{FF2B5EF4-FFF2-40B4-BE49-F238E27FC236}">
+                <a16:creationId xmlns:a16="http://schemas.microsoft.com/office/drawing/2014/main" id="{7DC18235-2849-4D24-9F1A-CAFE51080ED2}"/>
+              </a:ext>
+            </a:extLst>
+          </p:cNvPr>
+          <p:cNvSpPr txBox="1">
+            <a:spLocks/>
+          </p:cNvSpPr>
+          <p:nvPr/>
+        </p:nvSpPr>
+        <p:spPr>
+          <a:xfrm>
+            <a:off x="2352582" y="5676608"/>
+            <a:ext cx="7486836" cy="946134"/>
+          </a:xfrm>
+          <a:prstGeom prst="rect">
+            <a:avLst/>
+          </a:prstGeom>
+          <a:ln w="57150">
+            <a:solidFill>
+              <a:srgbClr val="E6D3AD"/>
+            </a:solidFill>
+          </a:ln>
+        </p:spPr>
+        <p:txBody>
+          <a:bodyPr vert="horz" lIns="91440" tIns="45720" rIns="91440" bIns="45720" rtlCol="0" anchor="ctr">
+            <a:normAutofit fontScale="97500"/>
+          </a:bodyPr>
+          <a:lstStyle>
+            <a:lvl1pPr algn="ctr" defTabSz="914400" rtl="0" eaLnBrk="1" latinLnBrk="0" hangingPunct="1">
+              <a:lnSpc>
+                <a:spcPct val="90000"/>
+              </a:lnSpc>
+              <a:spcBef>
+                <a:spcPct val="0"/>
+              </a:spcBef>
+              <a:buNone/>
+              <a:defRPr sz="6000" kern="1200">
+                <a:solidFill>
+                  <a:schemeClr val="tx1"/>
+                </a:solidFill>
+                <a:latin typeface="+mj-lt"/>
+                <a:ea typeface="+mj-ea"/>
+                <a:cs typeface="+mj-cs"/>
+              </a:defRPr>
+            </a:lvl1pPr>
+          </a:lstStyle>
+          <a:p>
+            <a:r>
+              <a:rPr lang="ru-RU" sz="5400" b="1" dirty="0">
+                <a:solidFill>
+                  <a:srgbClr val="E6D3AD"/>
+                </a:solidFill>
+                <a:latin typeface="Jost" pitchFamily="2" charset="-52"/>
+                <a:ea typeface="Jost" pitchFamily="2" charset="-52"/>
+              </a:rPr>
+              <a:t>На </a:t>
+            </a:r>
+            <a:r>
+              <a:rPr lang="en-US" sz="5400" b="1" dirty="0">
+                <a:solidFill>
+                  <a:srgbClr val="E6D3AD"/>
+                </a:solidFill>
+                <a:latin typeface="Jost" pitchFamily="2" charset="-52"/>
+                <a:ea typeface="Jost" pitchFamily="2" charset="-52"/>
+              </a:rPr>
+              <a:t>Python</a:t>
+            </a:r>
+            <a:endParaRPr lang="ru-RU" sz="5400" b="1" dirty="0">
+              <a:solidFill>
+                <a:srgbClr val="E6D3AD"/>
+              </a:solidFill>
+              <a:latin typeface="Jost" pitchFamily="2" charset="-52"/>
+              <a:ea typeface="Jost" pitchFamily="2" charset="-52"/>
+            </a:endParaRPr>
+          </a:p>
+        </p:txBody>
+      </p:sp>
+    </p:spTree>
+    <p:extLst>
+      <p:ext uri="{BB962C8B-B14F-4D97-AF65-F5344CB8AC3E}">
+        <p14:creationId xmlns:p14="http://schemas.microsoft.com/office/powerpoint/2010/main" val="2024473706"/>
+      </p:ext>
+    </p:extLst>
+  </p:cSld>
+  <p:clrMapOvr>
+    <a:masterClrMapping/>
+  </p:clrMapOvr>
+  <p:transition spd="slow">
+    <p:push dir="u"/>
+  </p:transition>
+</p:sld>
+</file>
+
+<file path=ppt/slides/slide41.xml><?xml version="1.0" encoding="utf-8"?>
+<p:sld xmlns:a="http://schemas.openxmlformats.org/drawingml/2006/main" xmlns:r="http://schemas.openxmlformats.org/officeDocument/2006/relationships" xmlns:p="http://schemas.openxmlformats.org/presentationml/2006/main">
+  <p:cSld>
+    <p:spTree>
+      <p:nvGrpSpPr>
+        <p:cNvPr id="1" name=""/>
+        <p:cNvGrpSpPr/>
+        <p:nvPr/>
+      </p:nvGrpSpPr>
+      <p:grpSpPr>
+        <a:xfrm>
+          <a:off x="0" y="0"/>
+          <a:ext cx="0" cy="0"/>
+          <a:chOff x="0" y="0"/>
+          <a:chExt cx="0" cy="0"/>
+        </a:xfrm>
+      </p:grpSpPr>
+      <p:pic>
+        <p:nvPicPr>
+          <p:cNvPr id="6" name="Рисунок 5">
+            <a:extLst>
+              <a:ext uri="{FF2B5EF4-FFF2-40B4-BE49-F238E27FC236}">
+                <a16:creationId xmlns:a16="http://schemas.microsoft.com/office/drawing/2014/main" id="{E5FB4857-EFEE-4413-BA61-D2E2137BD902}"/>
+              </a:ext>
+            </a:extLst>
+          </p:cNvPr>
+          <p:cNvPicPr>
+            <a:picLocks noChangeAspect="1"/>
+          </p:cNvPicPr>
+          <p:nvPr/>
+        </p:nvPicPr>
+        <p:blipFill>
+          <a:blip r:embed="rId2">
+            <a:extLst>
+              <a:ext uri="{28A0092B-C50C-407E-A947-70E740481C1C}">
+                <a14:useLocalDpi xmlns:a14="http://schemas.microsoft.com/office/drawing/2010/main" val="0"/>
+              </a:ext>
+            </a:extLst>
+          </a:blip>
+          <a:stretch>
+            <a:fillRect/>
+          </a:stretch>
+        </p:blipFill>
+        <p:spPr>
+          <a:xfrm>
+            <a:off x="0" y="0"/>
+            <a:ext cx="12192000" cy="6858000"/>
+          </a:xfrm>
+          <a:prstGeom prst="rect">
+            <a:avLst/>
+          </a:prstGeom>
+        </p:spPr>
+      </p:pic>
+    </p:spTree>
+    <p:extLst>
+      <p:ext uri="{BB962C8B-B14F-4D97-AF65-F5344CB8AC3E}">
+        <p14:creationId xmlns:p14="http://schemas.microsoft.com/office/powerpoint/2010/main" val="189300406"/>
+      </p:ext>
+    </p:extLst>
+  </p:cSld>
+  <p:clrMapOvr>
+    <a:masterClrMapping/>
+  </p:clrMapOvr>
+  <p:transition spd="slow">
+    <p:push dir="u"/>
+  </p:transition>
+</p:sld>
+</file>
+
+<file path=ppt/slides/slide42.xml><?xml version="1.0" encoding="utf-8"?>
+<p:sld xmlns:a="http://schemas.openxmlformats.org/drawingml/2006/main" xmlns:r="http://schemas.openxmlformats.org/officeDocument/2006/relationships" xmlns:p="http://schemas.openxmlformats.org/presentationml/2006/main">
+  <p:cSld>
+    <p:spTree>
+      <p:nvGrpSpPr>
+        <p:cNvPr id="1" name=""/>
+        <p:cNvGrpSpPr/>
+        <p:nvPr/>
+      </p:nvGrpSpPr>
+      <p:grpSpPr>
+        <a:xfrm>
+          <a:off x="0" y="0"/>
+          <a:ext cx="0" cy="0"/>
+          <a:chOff x="0" y="0"/>
+          <a:chExt cx="0" cy="0"/>
+        </a:xfrm>
+      </p:grpSpPr>
+      <p:pic>
+        <p:nvPicPr>
+          <p:cNvPr id="3" name="Рисунок 2">
+            <a:extLst>
+              <a:ext uri="{FF2B5EF4-FFF2-40B4-BE49-F238E27FC236}">
+                <a16:creationId xmlns:a16="http://schemas.microsoft.com/office/drawing/2014/main" id="{0076D63E-A749-4349-A91D-AF1BA5BFDA20}"/>
+              </a:ext>
+            </a:extLst>
+          </p:cNvPr>
+          <p:cNvPicPr>
+            <a:picLocks noChangeAspect="1"/>
+          </p:cNvPicPr>
+          <p:nvPr/>
+        </p:nvPicPr>
+        <p:blipFill>
+          <a:blip r:embed="rId2">
+            <a:extLst>
+              <a:ext uri="{28A0092B-C50C-407E-A947-70E740481C1C}">
+                <a14:useLocalDpi xmlns:a14="http://schemas.microsoft.com/office/drawing/2010/main" val="0"/>
+              </a:ext>
+            </a:extLst>
+          </a:blip>
+          <a:stretch>
+            <a:fillRect/>
+          </a:stretch>
+        </p:blipFill>
+        <p:spPr>
+          <a:xfrm>
+            <a:off x="225338" y="0"/>
+            <a:ext cx="11741323" cy="6858000"/>
+          </a:xfrm>
+          <a:prstGeom prst="rect">
+            <a:avLst/>
+          </a:prstGeom>
+        </p:spPr>
+      </p:pic>
+    </p:spTree>
+    <p:extLst>
+      <p:ext uri="{BB962C8B-B14F-4D97-AF65-F5344CB8AC3E}">
+        <p14:creationId xmlns:p14="http://schemas.microsoft.com/office/powerpoint/2010/main" val="2657672016"/>
+      </p:ext>
+    </p:extLst>
+  </p:cSld>
+  <p:clrMapOvr>
+    <a:masterClrMapping/>
+  </p:clrMapOvr>
+  <p:transition spd="slow">
+    <p:push dir="u"/>
+  </p:transition>
+</p:sld>
+</file>
+
+<file path=ppt/slides/slide43.xml><?xml version="1.0" encoding="utf-8"?>
+<p:sld xmlns:a="http://schemas.openxmlformats.org/drawingml/2006/main" xmlns:r="http://schemas.openxmlformats.org/officeDocument/2006/relationships" xmlns:p="http://schemas.openxmlformats.org/presentationml/2006/main">
+  <p:cSld>
+    <p:spTree>
+      <p:nvGrpSpPr>
+        <p:cNvPr id="1" name=""/>
+        <p:cNvGrpSpPr/>
+        <p:nvPr/>
+      </p:nvGrpSpPr>
+      <p:grpSpPr>
+        <a:xfrm>
+          <a:off x="0" y="0"/>
+          <a:ext cx="0" cy="0"/>
+          <a:chOff x="0" y="0"/>
+          <a:chExt cx="0" cy="0"/>
+        </a:xfrm>
+      </p:grpSpPr>
+      <p:sp>
+        <p:nvSpPr>
+          <p:cNvPr id="4" name="Прямоугольник 3">
+            <a:extLst>
+              <a:ext uri="{FF2B5EF4-FFF2-40B4-BE49-F238E27FC236}">
+                <a16:creationId xmlns:a16="http://schemas.microsoft.com/office/drawing/2014/main" id="{AB962FED-5AB7-48E6-BA47-46485F873C2F}"/>
+              </a:ext>
+            </a:extLst>
+          </p:cNvPr>
+          <p:cNvSpPr/>
+          <p:nvPr/>
+        </p:nvSpPr>
+        <p:spPr>
+          <a:xfrm>
+            <a:off x="0" y="0"/>
+            <a:ext cx="12192000" cy="6858000"/>
+          </a:xfrm>
+          <a:prstGeom prst="rect">
+            <a:avLst/>
+          </a:prstGeom>
+          <a:solidFill>
+            <a:srgbClr val="E6D3AD"/>
+          </a:solidFill>
+          <a:ln>
+            <a:noFill/>
+          </a:ln>
+        </p:spPr>
+        <p:style>
+          <a:lnRef idx="2">
+            <a:schemeClr val="accent1">
+              <a:shade val="50000"/>
+            </a:schemeClr>
+          </a:lnRef>
+          <a:fillRef idx="1">
+            <a:schemeClr val="accent1"/>
+          </a:fillRef>
+          <a:effectRef idx="0">
+            <a:schemeClr val="accent1"/>
+          </a:effectRef>
+          <a:fontRef idx="minor">
+            <a:schemeClr val="lt1"/>
+          </a:fontRef>
+        </p:style>
+        <p:txBody>
+          <a:bodyPr rtlCol="0" anchor="ctr"/>
+          <a:lstStyle/>
+          <a:p>
+            <a:pPr algn="ctr"/>
+            <a:endParaRPr lang="ru-RU"/>
+          </a:p>
+        </p:txBody>
+      </p:sp>
+      <p:sp>
+        <p:nvSpPr>
+          <p:cNvPr id="6" name="Прямоугольник 5">
+            <a:extLst>
+              <a:ext uri="{FF2B5EF4-FFF2-40B4-BE49-F238E27FC236}">
+                <a16:creationId xmlns:a16="http://schemas.microsoft.com/office/drawing/2014/main" id="{FB892B7E-969F-46DC-A4EF-528993941E2B}"/>
+              </a:ext>
+            </a:extLst>
+          </p:cNvPr>
+          <p:cNvSpPr/>
+          <p:nvPr/>
+        </p:nvSpPr>
+        <p:spPr>
+          <a:xfrm>
+            <a:off x="0" y="4944861"/>
+            <a:ext cx="12192000" cy="1966405"/>
+          </a:xfrm>
+          <a:prstGeom prst="rect">
+            <a:avLst/>
+          </a:prstGeom>
+          <a:solidFill>
+            <a:srgbClr val="252729"/>
+          </a:solidFill>
+          <a:ln>
+            <a:noFill/>
+          </a:ln>
+        </p:spPr>
+        <p:style>
+          <a:lnRef idx="2">
+            <a:schemeClr val="accent1">
+              <a:shade val="50000"/>
+            </a:schemeClr>
+          </a:lnRef>
+          <a:fillRef idx="1">
+            <a:schemeClr val="accent1"/>
+          </a:fillRef>
+          <a:effectRef idx="0">
+            <a:schemeClr val="accent1"/>
+          </a:effectRef>
+          <a:fontRef idx="minor">
+            <a:schemeClr val="lt1"/>
+          </a:fontRef>
+        </p:style>
+        <p:txBody>
+          <a:bodyPr rtlCol="0" anchor="ctr"/>
+          <a:lstStyle/>
+          <a:p>
+            <a:pPr algn="ctr"/>
+            <a:endParaRPr lang="ru-RU" sz="1200"/>
           </a:p>
         </p:txBody>
       </p:sp>
@@ -6982,8 +10059,8 @@
             </p:nvSpPr>
             <p:spPr>
               <a:xfrm>
-                <a:off x="932155" y="2257147"/>
-                <a:ext cx="10786370" cy="3968319"/>
+                <a:off x="932155" y="1483570"/>
+                <a:ext cx="10786370" cy="4741897"/>
               </a:xfrm>
               <a:prstGeom prst="rect">
                 <a:avLst/>
@@ -7022,7 +10099,7 @@
                   </a:lnSpc>
                 </a:pPr>
                 <a:r>
-                  <a:rPr lang="en-US" sz="2400" dirty="0">
+                  <a:rPr lang="en-US" sz="2800" dirty="0">
                     <a:ln>
                       <a:solidFill>
                         <a:srgbClr val="252729"/>
@@ -7033,7 +10110,23 @@
                   </a:rPr>
                   <a:t>E = Y – (T + S)</a:t>
                 </a:r>
-                <a:endParaRPr lang="ru-RU" sz="2400" dirty="0">
+                <a:endParaRPr lang="ru-RU" sz="2800" dirty="0">
+                  <a:ln>
+                    <a:solidFill>
+                      <a:srgbClr val="252729"/>
+                    </a:solidFill>
+                  </a:ln>
+                  <a:latin typeface="Jost" pitchFamily="2" charset="-52"/>
+                  <a:ea typeface="Jost" pitchFamily="2" charset="-52"/>
+                </a:endParaRPr>
+              </a:p>
+              <a:p>
+                <a:pPr algn="ctr">
+                  <a:lnSpc>
+                    <a:spcPct val="150000"/>
+                  </a:lnSpc>
+                </a:pPr>
+                <a:endParaRPr lang="ru-RU" sz="2800" dirty="0">
                   <a:ln>
                     <a:solidFill>
                       <a:srgbClr val="252729"/>
@@ -7056,7 +10149,7 @@
                     </m:oMathParaPr>
                     <m:oMath xmlns:m="http://schemas.openxmlformats.org/officeDocument/2006/math">
                       <m:r>
-                        <a:rPr lang="ru-RU" sz="2400" i="1" smtClean="0">
+                        <a:rPr lang="ru-RU" sz="2800" i="1" smtClean="0">
                           <a:ln>
                             <a:solidFill>
                               <a:srgbClr val="252729"/>
@@ -7068,7 +10161,7 @@
                         <m:t>∆</m:t>
                       </m:r>
                       <m:r>
-                        <a:rPr lang="ru-RU" sz="2400" b="0" i="1" smtClean="0">
+                        <a:rPr lang="ru-RU" sz="2800" b="0" i="1" smtClean="0">
                           <a:ln>
                             <a:solidFill>
                               <a:srgbClr val="252729"/>
@@ -7080,7 +10173,7 @@
                         <m:t>=</m:t>
                       </m:r>
                       <m:r>
-                        <a:rPr lang="en-US" sz="2400" b="0" i="1" smtClean="0">
+                        <a:rPr lang="en-US" sz="2800" b="0" i="1" smtClean="0">
                           <a:ln>
                             <a:solidFill>
                               <a:srgbClr val="252729"/>
@@ -7092,7 +10185,7 @@
                         <m:t>𝑌</m:t>
                       </m:r>
                       <m:r>
-                        <a:rPr lang="en-US" sz="2400" b="0" i="1" smtClean="0">
+                        <a:rPr lang="en-US" sz="2800" b="0" i="1" smtClean="0">
                           <a:ln>
                             <a:solidFill>
                               <a:srgbClr val="252729"/>
@@ -7107,7 +10200,7 @@
                         <m:accPr>
                           <m:chr m:val="̅"/>
                           <m:ctrlPr>
-                            <a:rPr lang="en-US" sz="2400" b="0" i="1" smtClean="0">
+                            <a:rPr lang="en-US" sz="2800" b="0" i="1" smtClean="0">
                               <a:ln>
                                 <a:solidFill>
                                   <a:srgbClr val="252729"/>
@@ -7120,7 +10213,7 @@
                         </m:accPr>
                         <m:e>
                           <m:r>
-                            <a:rPr lang="en-US" sz="2400" b="0" i="1" smtClean="0">
+                            <a:rPr lang="en-US" sz="2800" b="0" i="1" smtClean="0">
                               <a:ln>
                                 <a:solidFill>
                                   <a:srgbClr val="252729"/>
@@ -7136,7 +10229,7 @@
                     </m:oMath>
                   </m:oMathPara>
                 </a14:m>
-                <a:endParaRPr lang="en-US" sz="2400" dirty="0">
+                <a:endParaRPr lang="en-US" sz="2800" dirty="0">
                   <a:ln>
                     <a:solidFill>
                       <a:srgbClr val="252729"/>
@@ -7161,7 +10254,7 @@
                       <m:sSup>
                         <m:sSupPr>
                           <m:ctrlPr>
-                            <a:rPr lang="ru-RU" sz="2400" i="1" smtClean="0">
+                            <a:rPr lang="ru-RU" sz="2800" i="1" smtClean="0">
                               <a:ln>
                                 <a:solidFill>
                                   <a:srgbClr val="252729"/>
@@ -7174,7 +10267,7 @@
                         </m:sSupPr>
                         <m:e>
                           <m:r>
-                            <a:rPr lang="en-US" sz="2400" b="0" i="1" smtClean="0">
+                            <a:rPr lang="en-US" sz="2800" b="0" i="1" smtClean="0">
                               <a:ln>
                                 <a:solidFill>
                                   <a:srgbClr val="252729"/>
@@ -7188,7 +10281,7 @@
                         </m:e>
                         <m:sup>
                           <m:r>
-                            <a:rPr lang="en-US" sz="2400" b="0" i="1" smtClean="0">
+                            <a:rPr lang="en-US" sz="2800" b="0" i="1" smtClean="0">
                               <a:ln>
                                 <a:solidFill>
                                   <a:srgbClr val="252729"/>
@@ -7202,7 +10295,7 @@
                         </m:sup>
                       </m:sSup>
                       <m:r>
-                        <a:rPr lang="en-US" sz="2400" b="0" i="1" smtClean="0">
+                        <a:rPr lang="en-US" sz="2800" b="0" i="1" smtClean="0">
                           <a:ln>
                             <a:solidFill>
                               <a:srgbClr val="252729"/>
@@ -7216,7 +10309,7 @@
                       <m:f>
                         <m:fPr>
                           <m:ctrlPr>
-                            <a:rPr lang="en-US" sz="2400" b="0" i="1" smtClean="0">
+                            <a:rPr lang="en-US" sz="2800" b="0" i="1" smtClean="0">
                               <a:ln>
                                 <a:solidFill>
                                   <a:srgbClr val="252729"/>
@@ -7231,7 +10324,7 @@
                           <m:sSup>
                             <m:sSupPr>
                               <m:ctrlPr>
-                                <a:rPr lang="en-US" sz="2400" b="0" i="1" smtClean="0">
+                                <a:rPr lang="en-US" sz="2800" b="0" i="1" smtClean="0">
                                   <a:ln>
                                     <a:solidFill>
                                       <a:srgbClr val="252729"/>
@@ -7244,7 +10337,7 @@
                             </m:sSupPr>
                             <m:e>
                               <m:r>
-                                <a:rPr lang="en-US" sz="2400" b="0" i="1" smtClean="0">
+                                <a:rPr lang="en-US" sz="2800" b="0" i="1" smtClean="0">
                                   <a:ln>
                                     <a:solidFill>
                                       <a:srgbClr val="252729"/>
@@ -7258,7 +10351,7 @@
                             </m:e>
                             <m:sup>
                               <m:r>
-                                <a:rPr lang="en-US" sz="2400" b="0" i="1" smtClean="0">
+                                <a:rPr lang="en-US" sz="2800" b="0" i="1" smtClean="0">
                                   <a:ln>
                                     <a:solidFill>
                                       <a:srgbClr val="252729"/>
@@ -7272,7 +10365,7 @@
                             </m:sup>
                           </m:sSup>
                           <m:r>
-                            <a:rPr lang="en-US" sz="2400" b="0" i="1" smtClean="0">
+                            <a:rPr lang="en-US" sz="2800" b="0" i="1" smtClean="0">
                               <a:ln>
                                 <a:solidFill>
                                   <a:srgbClr val="252729"/>
@@ -7288,7 +10381,7 @@
                           <m:sSup>
                             <m:sSupPr>
                               <m:ctrlPr>
-                                <a:rPr lang="en-US" sz="2400" b="0" i="1" smtClean="0">
+                                <a:rPr lang="en-US" sz="2800" b="0" i="1" smtClean="0">
                                   <a:ln>
                                     <a:solidFill>
                                       <a:srgbClr val="252729"/>
@@ -7301,7 +10394,7 @@
                             </m:sSupPr>
                             <m:e>
                               <m:r>
-                                <a:rPr lang="ru-RU" sz="2400" i="1" smtClean="0">
+                                <a:rPr lang="ru-RU" sz="2800" i="1" smtClean="0">
                                   <a:ln>
                                     <a:solidFill>
                                       <a:srgbClr val="252729"/>
@@ -7315,7 +10408,7 @@
                             </m:e>
                             <m:sup>
                               <m:r>
-                                <a:rPr lang="en-US" sz="2400" b="0" i="1" smtClean="0">
+                                <a:rPr lang="en-US" sz="2800" b="0" i="1" smtClean="0">
                                   <a:ln>
                                     <a:solidFill>
                                       <a:srgbClr val="252729"/>
@@ -7329,7 +10422,7 @@
                             </m:sup>
                           </m:sSup>
                           <m:r>
-                            <a:rPr lang="ru-RU" sz="2400" i="1" smtClean="0">
+                            <a:rPr lang="ru-RU" sz="2800" i="1" smtClean="0">
                               <a:ln>
                                 <a:solidFill>
                                   <a:srgbClr val="252729"/>
@@ -7386,12 +10479,15 @@
                       <m:sSup>
                         <m:sSupPr>
                           <m:ctrlPr>
-                            <a:rPr lang="ru-RU" sz="2400" i="1" smtClean="0">
+                            <a:rPr lang="ru-RU" b="1" smtClean="0">
                               <a:ln>
                                 <a:solidFill>
                                   <a:srgbClr val="252729"/>
                                 </a:solidFill>
                               </a:ln>
+                              <a:solidFill>
+                                <a:srgbClr val="E6D3AD"/>
+                              </a:solidFill>
                               <a:latin typeface="Cambria Math" panose="02040503050406030204" pitchFamily="18" charset="0"/>
                               <a:ea typeface="Jost" pitchFamily="2" charset="-52"/>
                             </a:rPr>
@@ -7399,49 +10495,103 @@
                         </m:sSupPr>
                         <m:e>
                           <m:r>
-                            <a:rPr lang="en-US" sz="2400" b="0" i="1" smtClean="0">
+                            <a:rPr lang="en-US" b="1" i="0" smtClean="0">
                               <a:ln>
                                 <a:solidFill>
                                   <a:srgbClr val="252729"/>
                                 </a:solidFill>
                               </a:ln>
+                              <a:solidFill>
+                                <a:srgbClr val="E6D3AD"/>
+                              </a:solidFill>
                               <a:latin typeface="Cambria Math" panose="02040503050406030204" pitchFamily="18" charset="0"/>
                               <a:ea typeface="Jost" pitchFamily="2" charset="-52"/>
                             </a:rPr>
-                            <m:t>𝑅</m:t>
+                            <m:t>𝐑</m:t>
                           </m:r>
                         </m:e>
                         <m:sup>
                           <m:r>
-                            <a:rPr lang="en-US" sz="2400" b="0" i="1" smtClean="0">
+                            <a:rPr lang="en-US" b="1" i="0" smtClean="0">
                               <a:ln>
                                 <a:solidFill>
                                   <a:srgbClr val="252729"/>
                                 </a:solidFill>
                               </a:ln>
+                              <a:solidFill>
+                                <a:srgbClr val="E6D3AD"/>
+                              </a:solidFill>
                               <a:latin typeface="Cambria Math" panose="02040503050406030204" pitchFamily="18" charset="0"/>
                               <a:ea typeface="Jost" pitchFamily="2" charset="-52"/>
                             </a:rPr>
-                            <m:t>2</m:t>
+                            <m:t>𝟐</m:t>
                           </m:r>
                         </m:sup>
                       </m:sSup>
                       <m:r>
-                        <a:rPr lang="en-US" sz="2400" b="0" i="1" smtClean="0">
+                        <a:rPr lang="en-US" b="1" i="0" smtClean="0">
                           <a:ln>
                             <a:solidFill>
                               <a:srgbClr val="252729"/>
                             </a:solidFill>
                           </a:ln>
+                          <a:solidFill>
+                            <a:srgbClr val="E6D3AD"/>
+                          </a:solidFill>
                           <a:latin typeface="Cambria Math" panose="02040503050406030204" pitchFamily="18" charset="0"/>
                           <a:ea typeface="Jost" pitchFamily="2" charset="-52"/>
                         </a:rPr>
-                        <m:t>=0,975112</m:t>
+                        <m:t>=</m:t>
+                      </m:r>
+                      <m:r>
+                        <a:rPr lang="en-US" b="1" i="0" smtClean="0">
+                          <a:ln>
+                            <a:solidFill>
+                              <a:srgbClr val="252729"/>
+                            </a:solidFill>
+                          </a:ln>
+                          <a:solidFill>
+                            <a:srgbClr val="E6D3AD"/>
+                          </a:solidFill>
+                          <a:latin typeface="Cambria Math" panose="02040503050406030204" pitchFamily="18" charset="0"/>
+                          <a:ea typeface="Jost" pitchFamily="2" charset="-52"/>
+                        </a:rPr>
+                        <m:t>𝟎</m:t>
+                      </m:r>
+                      <m:r>
+                        <a:rPr lang="en-US" b="1" i="0" smtClean="0">
+                          <a:ln>
+                            <a:solidFill>
+                              <a:srgbClr val="252729"/>
+                            </a:solidFill>
+                          </a:ln>
+                          <a:solidFill>
+                            <a:srgbClr val="E6D3AD"/>
+                          </a:solidFill>
+                          <a:latin typeface="Cambria Math" panose="02040503050406030204" pitchFamily="18" charset="0"/>
+                          <a:ea typeface="Jost" pitchFamily="2" charset="-52"/>
+                        </a:rPr>
+                        <m:t>,</m:t>
+                      </m:r>
+                      <m:r>
+                        <a:rPr lang="en-US" b="1" i="0" smtClean="0">
+                          <a:ln>
+                            <a:solidFill>
+                              <a:srgbClr val="252729"/>
+                            </a:solidFill>
+                          </a:ln>
+                          <a:solidFill>
+                            <a:srgbClr val="E6D3AD"/>
+                          </a:solidFill>
+                          <a:latin typeface="Cambria Math" panose="02040503050406030204" pitchFamily="18" charset="0"/>
+                          <a:ea typeface="Jost" pitchFamily="2" charset="-52"/>
+                        </a:rPr>
+                        <m:t>𝟗𝟕𝟓𝟏𝟏𝟐</m:t>
                       </m:r>
                     </m:oMath>
                   </m:oMathPara>
                 </a14:m>
-                <a:endParaRPr lang="ru-RU" sz="2400" dirty="0">
+                <a:endParaRPr lang="ru-RU" sz="2400" b="1" dirty="0">
                   <a:ln>
                     <a:solidFill>
                       <a:srgbClr val="252729"/>
@@ -7471,8 +10621,8 @@
             </p:nvSpPr>
             <p:spPr>
               <a:xfrm>
-                <a:off x="932155" y="2257147"/>
-                <a:ext cx="10786370" cy="3968319"/>
+                <a:off x="932155" y="1483570"/>
+                <a:ext cx="10786370" cy="4741897"/>
               </a:xfrm>
               <a:prstGeom prst="rect">
                 <a:avLst/>
@@ -7502,6 +10652,123 @@
           </p:sp>
         </mc:Fallback>
       </mc:AlternateContent>
+      <p:sp>
+        <p:nvSpPr>
+          <p:cNvPr id="10" name="Прямоугольник 9">
+            <a:extLst>
+              <a:ext uri="{FF2B5EF4-FFF2-40B4-BE49-F238E27FC236}">
+                <a16:creationId xmlns:a16="http://schemas.microsoft.com/office/drawing/2014/main" id="{6754250C-8AAA-4853-916B-BCB929475F02}"/>
+              </a:ext>
+            </a:extLst>
+          </p:cNvPr>
+          <p:cNvSpPr/>
+          <p:nvPr/>
+        </p:nvSpPr>
+        <p:spPr>
+          <a:xfrm>
+            <a:off x="0" y="-15004"/>
+            <a:ext cx="12192000" cy="1485733"/>
+          </a:xfrm>
+          <a:prstGeom prst="rect">
+            <a:avLst/>
+          </a:prstGeom>
+          <a:solidFill>
+            <a:srgbClr val="252729"/>
+          </a:solidFill>
+          <a:ln>
+            <a:noFill/>
+          </a:ln>
+        </p:spPr>
+        <p:style>
+          <a:lnRef idx="2">
+            <a:schemeClr val="accent1">
+              <a:shade val="50000"/>
+            </a:schemeClr>
+          </a:lnRef>
+          <a:fillRef idx="1">
+            <a:schemeClr val="accent1"/>
+          </a:fillRef>
+          <a:effectRef idx="0">
+            <a:schemeClr val="accent1"/>
+          </a:effectRef>
+          <a:fontRef idx="minor">
+            <a:schemeClr val="lt1"/>
+          </a:fontRef>
+        </p:style>
+        <p:txBody>
+          <a:bodyPr rtlCol="0" anchor="ctr"/>
+          <a:lstStyle/>
+          <a:p>
+            <a:pPr algn="ctr"/>
+            <a:endParaRPr lang="ru-RU" sz="1200"/>
+          </a:p>
+        </p:txBody>
+      </p:sp>
+      <p:sp>
+        <p:nvSpPr>
+          <p:cNvPr id="11" name="Заголовок 1">
+            <a:extLst>
+              <a:ext uri="{FF2B5EF4-FFF2-40B4-BE49-F238E27FC236}">
+                <a16:creationId xmlns:a16="http://schemas.microsoft.com/office/drawing/2014/main" id="{FC624EB1-4594-4C0C-9881-B3B411FE5289}"/>
+              </a:ext>
+            </a:extLst>
+          </p:cNvPr>
+          <p:cNvSpPr txBox="1">
+            <a:spLocks/>
+          </p:cNvSpPr>
+          <p:nvPr/>
+        </p:nvSpPr>
+        <p:spPr>
+          <a:xfrm>
+            <a:off x="967666" y="268718"/>
+            <a:ext cx="10256668" cy="946134"/>
+          </a:xfrm>
+          <a:prstGeom prst="rect">
+            <a:avLst/>
+          </a:prstGeom>
+          <a:ln w="57150">
+            <a:solidFill>
+              <a:srgbClr val="252729"/>
+            </a:solidFill>
+          </a:ln>
+        </p:spPr>
+        <p:txBody>
+          <a:bodyPr vert="horz" lIns="91440" tIns="45720" rIns="91440" bIns="45720" rtlCol="0" anchor="ctr">
+            <a:normAutofit fontScale="97500"/>
+          </a:bodyPr>
+          <a:lstStyle>
+            <a:lvl1pPr algn="ctr" defTabSz="914400" rtl="0" eaLnBrk="1" latinLnBrk="0" hangingPunct="1">
+              <a:lnSpc>
+                <a:spcPct val="90000"/>
+              </a:lnSpc>
+              <a:spcBef>
+                <a:spcPct val="0"/>
+              </a:spcBef>
+              <a:buNone/>
+              <a:defRPr sz="6000" kern="1200">
+                <a:solidFill>
+                  <a:schemeClr val="tx1"/>
+                </a:solidFill>
+                <a:latin typeface="+mj-lt"/>
+                <a:ea typeface="+mj-ea"/>
+                <a:cs typeface="+mj-cs"/>
+              </a:defRPr>
+            </a:lvl1pPr>
+          </a:lstStyle>
+          <a:p>
+            <a:r>
+              <a:rPr lang="ru-RU" sz="4800" b="1" dirty="0">
+                <a:solidFill>
+                  <a:srgbClr val="E6D3AD"/>
+                </a:solidFill>
+                <a:latin typeface="Jost" pitchFamily="2" charset="-52"/>
+                <a:ea typeface="Jost" pitchFamily="2" charset="-52"/>
+              </a:rPr>
+              <a:t>Оценка качества модели</a:t>
+            </a:r>
+          </a:p>
+        </p:txBody>
+      </p:sp>
     </p:spTree>
     <p:extLst>
       <p:ext uri="{BB962C8B-B14F-4D97-AF65-F5344CB8AC3E}">
@@ -7512,13 +10779,13 @@
   <p:clrMapOvr>
     <a:masterClrMapping/>
   </p:clrMapOvr>
-  <mc:AlternateContent xmlns:mc="http://schemas.openxmlformats.org/markup-compatibility/2006">
-    <mc:Choice xmlns:p159="http://schemas.microsoft.com/office/powerpoint/2015/09/main" Requires="p159">
+  <mc:AlternateContent xmlns:mc="http://schemas.openxmlformats.org/markup-compatibility/2006" xmlns:p159="http://schemas.microsoft.com/office/powerpoint/2015/09/main">
+    <mc:Choice Requires="p159">
       <p:transition spd="slow">
         <p159:morph option="byObject"/>
       </p:transition>
     </mc:Choice>
-    <mc:Fallback>
+    <mc:Fallback xmlns="">
       <p:transition spd="slow">
         <p:fade/>
       </p:transition>
@@ -7527,7 +10794,570 @@
 </p:sld>
 </file>
 
-<file path=ppt/slides/slide31.xml><?xml version="1.0" encoding="utf-8"?>
+<file path=ppt/slides/slide44.xml><?xml version="1.0" encoding="utf-8"?>
+<p:sld xmlns:a="http://schemas.openxmlformats.org/drawingml/2006/main" xmlns:r="http://schemas.openxmlformats.org/officeDocument/2006/relationships" xmlns:p="http://schemas.openxmlformats.org/presentationml/2006/main">
+  <p:cSld>
+    <p:spTree>
+      <p:nvGrpSpPr>
+        <p:cNvPr id="1" name=""/>
+        <p:cNvGrpSpPr/>
+        <p:nvPr/>
+      </p:nvGrpSpPr>
+      <p:grpSpPr>
+        <a:xfrm>
+          <a:off x="0" y="0"/>
+          <a:ext cx="0" cy="0"/>
+          <a:chOff x="0" y="0"/>
+          <a:chExt cx="0" cy="0"/>
+        </a:xfrm>
+      </p:grpSpPr>
+      <p:pic>
+        <p:nvPicPr>
+          <p:cNvPr id="22" name="Рисунок 21">
+            <a:extLst>
+              <a:ext uri="{FF2B5EF4-FFF2-40B4-BE49-F238E27FC236}">
+                <a16:creationId xmlns:a16="http://schemas.microsoft.com/office/drawing/2014/main" id="{AB0125AB-EFBD-4B09-A819-9895447A2B2E}"/>
+              </a:ext>
+            </a:extLst>
+          </p:cNvPr>
+          <p:cNvPicPr>
+            <a:picLocks noChangeAspect="1"/>
+          </p:cNvPicPr>
+          <p:nvPr/>
+        </p:nvPicPr>
+        <p:blipFill>
+          <a:blip r:embed="rId3">
+            <a:extLst>
+              <a:ext uri="{28A0092B-C50C-407E-A947-70E740481C1C}">
+                <a14:useLocalDpi xmlns:a14="http://schemas.microsoft.com/office/drawing/2010/main" val="0"/>
+              </a:ext>
+            </a:extLst>
+          </a:blip>
+          <a:stretch>
+            <a:fillRect/>
+          </a:stretch>
+        </p:blipFill>
+        <p:spPr>
+          <a:xfrm>
+            <a:off x="0" y="0"/>
+            <a:ext cx="12192000" cy="6858000"/>
+          </a:xfrm>
+          <a:prstGeom prst="rect">
+            <a:avLst/>
+          </a:prstGeom>
+        </p:spPr>
+      </p:pic>
+      <p:sp>
+        <p:nvSpPr>
+          <p:cNvPr id="29" name="Прямоугольник 28">
+            <a:extLst>
+              <a:ext uri="{FF2B5EF4-FFF2-40B4-BE49-F238E27FC236}">
+                <a16:creationId xmlns:a16="http://schemas.microsoft.com/office/drawing/2014/main" id="{92C77AE1-835F-4166-992A-060BAD2EDF79}"/>
+              </a:ext>
+            </a:extLst>
+          </p:cNvPr>
+          <p:cNvSpPr/>
+          <p:nvPr/>
+        </p:nvSpPr>
+        <p:spPr>
+          <a:xfrm>
+            <a:off x="0" y="-15004"/>
+            <a:ext cx="12192000" cy="1485733"/>
+          </a:xfrm>
+          <a:prstGeom prst="rect">
+            <a:avLst/>
+          </a:prstGeom>
+          <a:solidFill>
+            <a:srgbClr val="252729"/>
+          </a:solidFill>
+          <a:ln>
+            <a:noFill/>
+          </a:ln>
+        </p:spPr>
+        <p:style>
+          <a:lnRef idx="2">
+            <a:schemeClr val="accent1">
+              <a:shade val="50000"/>
+            </a:schemeClr>
+          </a:lnRef>
+          <a:fillRef idx="1">
+            <a:schemeClr val="accent1"/>
+          </a:fillRef>
+          <a:effectRef idx="0">
+            <a:schemeClr val="accent1"/>
+          </a:effectRef>
+          <a:fontRef idx="minor">
+            <a:schemeClr val="lt1"/>
+          </a:fontRef>
+        </p:style>
+        <p:txBody>
+          <a:bodyPr rtlCol="0" anchor="ctr"/>
+          <a:lstStyle/>
+          <a:p>
+            <a:pPr algn="ctr"/>
+            <a:endParaRPr lang="ru-RU" sz="1200"/>
+          </a:p>
+        </p:txBody>
+      </p:sp>
+      <p:sp>
+        <p:nvSpPr>
+          <p:cNvPr id="23" name="Звезда: 5 точек 22">
+            <a:extLst>
+              <a:ext uri="{FF2B5EF4-FFF2-40B4-BE49-F238E27FC236}">
+                <a16:creationId xmlns:a16="http://schemas.microsoft.com/office/drawing/2014/main" id="{44530A88-8962-4A71-BC9B-2CC1FAEFF2D5}"/>
+              </a:ext>
+            </a:extLst>
+          </p:cNvPr>
+          <p:cNvSpPr/>
+          <p:nvPr/>
+        </p:nvSpPr>
+        <p:spPr>
+          <a:xfrm>
+            <a:off x="1917576" y="1821253"/>
+            <a:ext cx="506028" cy="506028"/>
+          </a:xfrm>
+          <a:prstGeom prst="star5">
+            <a:avLst/>
+          </a:prstGeom>
+          <a:solidFill>
+            <a:srgbClr val="C00000"/>
+          </a:solidFill>
+          <a:ln>
+            <a:noFill/>
+          </a:ln>
+        </p:spPr>
+        <p:style>
+          <a:lnRef idx="2">
+            <a:schemeClr val="accent1">
+              <a:shade val="50000"/>
+            </a:schemeClr>
+          </a:lnRef>
+          <a:fillRef idx="1">
+            <a:schemeClr val="accent1"/>
+          </a:fillRef>
+          <a:effectRef idx="0">
+            <a:schemeClr val="accent1"/>
+          </a:effectRef>
+          <a:fontRef idx="minor">
+            <a:schemeClr val="lt1"/>
+          </a:fontRef>
+        </p:style>
+        <p:txBody>
+          <a:bodyPr rtlCol="0" anchor="ctr"/>
+          <a:lstStyle/>
+          <a:p>
+            <a:pPr algn="ctr"/>
+            <a:endParaRPr lang="ru-RU"/>
+          </a:p>
+        </p:txBody>
+      </p:sp>
+      <p:sp>
+        <p:nvSpPr>
+          <p:cNvPr id="24" name="Звезда: 5 точек 23">
+            <a:extLst>
+              <a:ext uri="{FF2B5EF4-FFF2-40B4-BE49-F238E27FC236}">
+                <a16:creationId xmlns:a16="http://schemas.microsoft.com/office/drawing/2014/main" id="{7B038832-E6C6-4DA0-8930-AA328E0C311A}"/>
+              </a:ext>
+            </a:extLst>
+          </p:cNvPr>
+          <p:cNvSpPr/>
+          <p:nvPr/>
+        </p:nvSpPr>
+        <p:spPr>
+          <a:xfrm>
+            <a:off x="10324729" y="2714015"/>
+            <a:ext cx="506028" cy="506028"/>
+          </a:xfrm>
+          <a:prstGeom prst="star5">
+            <a:avLst/>
+          </a:prstGeom>
+          <a:solidFill>
+            <a:srgbClr val="C00000"/>
+          </a:solidFill>
+          <a:ln>
+            <a:noFill/>
+          </a:ln>
+        </p:spPr>
+        <p:style>
+          <a:lnRef idx="2">
+            <a:schemeClr val="accent1">
+              <a:shade val="50000"/>
+            </a:schemeClr>
+          </a:lnRef>
+          <a:fillRef idx="1">
+            <a:schemeClr val="accent1"/>
+          </a:fillRef>
+          <a:effectRef idx="0">
+            <a:schemeClr val="accent1"/>
+          </a:effectRef>
+          <a:fontRef idx="minor">
+            <a:schemeClr val="lt1"/>
+          </a:fontRef>
+        </p:style>
+        <p:txBody>
+          <a:bodyPr rtlCol="0" anchor="ctr"/>
+          <a:lstStyle/>
+          <a:p>
+            <a:pPr algn="ctr"/>
+            <a:endParaRPr lang="ru-RU"/>
+          </a:p>
+        </p:txBody>
+      </p:sp>
+      <p:sp>
+        <p:nvSpPr>
+          <p:cNvPr id="25" name="Звезда: 5 точек 24">
+            <a:extLst>
+              <a:ext uri="{FF2B5EF4-FFF2-40B4-BE49-F238E27FC236}">
+                <a16:creationId xmlns:a16="http://schemas.microsoft.com/office/drawing/2014/main" id="{2DFF6406-BEC1-4976-ADB2-EF4E89316800}"/>
+              </a:ext>
+            </a:extLst>
+          </p:cNvPr>
+          <p:cNvSpPr/>
+          <p:nvPr/>
+        </p:nvSpPr>
+        <p:spPr>
+          <a:xfrm>
+            <a:off x="2681055" y="4365820"/>
+            <a:ext cx="506028" cy="506028"/>
+          </a:xfrm>
+          <a:prstGeom prst="star5">
+            <a:avLst/>
+          </a:prstGeom>
+          <a:solidFill>
+            <a:srgbClr val="C00000"/>
+          </a:solidFill>
+          <a:ln>
+            <a:noFill/>
+          </a:ln>
+        </p:spPr>
+        <p:style>
+          <a:lnRef idx="2">
+            <a:schemeClr val="accent1">
+              <a:shade val="50000"/>
+            </a:schemeClr>
+          </a:lnRef>
+          <a:fillRef idx="1">
+            <a:schemeClr val="accent1"/>
+          </a:fillRef>
+          <a:effectRef idx="0">
+            <a:schemeClr val="accent1"/>
+          </a:effectRef>
+          <a:fontRef idx="minor">
+            <a:schemeClr val="lt1"/>
+          </a:fontRef>
+        </p:style>
+        <p:txBody>
+          <a:bodyPr rtlCol="0" anchor="ctr"/>
+          <a:lstStyle/>
+          <a:p>
+            <a:pPr algn="ctr"/>
+            <a:endParaRPr lang="ru-RU"/>
+          </a:p>
+        </p:txBody>
+      </p:sp>
+      <p:sp>
+        <p:nvSpPr>
+          <p:cNvPr id="26" name="Звезда: 5 точек 25">
+            <a:extLst>
+              <a:ext uri="{FF2B5EF4-FFF2-40B4-BE49-F238E27FC236}">
+                <a16:creationId xmlns:a16="http://schemas.microsoft.com/office/drawing/2014/main" id="{D9C041BB-6421-4DBB-93A4-CBF7CE2D8DFD}"/>
+              </a:ext>
+            </a:extLst>
+          </p:cNvPr>
+          <p:cNvSpPr/>
+          <p:nvPr/>
+        </p:nvSpPr>
+        <p:spPr>
+          <a:xfrm>
+            <a:off x="9055222" y="1485733"/>
+            <a:ext cx="506028" cy="506028"/>
+          </a:xfrm>
+          <a:prstGeom prst="star5">
+            <a:avLst/>
+          </a:prstGeom>
+          <a:solidFill>
+            <a:srgbClr val="C00000"/>
+          </a:solidFill>
+          <a:ln>
+            <a:noFill/>
+          </a:ln>
+        </p:spPr>
+        <p:style>
+          <a:lnRef idx="2">
+            <a:schemeClr val="accent1">
+              <a:shade val="50000"/>
+            </a:schemeClr>
+          </a:lnRef>
+          <a:fillRef idx="1">
+            <a:schemeClr val="accent1"/>
+          </a:fillRef>
+          <a:effectRef idx="0">
+            <a:schemeClr val="accent1"/>
+          </a:effectRef>
+          <a:fontRef idx="minor">
+            <a:schemeClr val="lt1"/>
+          </a:fontRef>
+        </p:style>
+        <p:txBody>
+          <a:bodyPr rtlCol="0" anchor="ctr"/>
+          <a:lstStyle/>
+          <a:p>
+            <a:pPr algn="ctr"/>
+            <a:endParaRPr lang="ru-RU"/>
+          </a:p>
+        </p:txBody>
+      </p:sp>
+      <p:sp>
+        <p:nvSpPr>
+          <p:cNvPr id="27" name="Звезда: 5 точек 26">
+            <a:extLst>
+              <a:ext uri="{FF2B5EF4-FFF2-40B4-BE49-F238E27FC236}">
+                <a16:creationId xmlns:a16="http://schemas.microsoft.com/office/drawing/2014/main" id="{D7295DCC-DB9E-4B92-9501-16A2CC7825DC}"/>
+              </a:ext>
+            </a:extLst>
+          </p:cNvPr>
+          <p:cNvSpPr/>
+          <p:nvPr/>
+        </p:nvSpPr>
+        <p:spPr>
+          <a:xfrm>
+            <a:off x="8904302" y="4438172"/>
+            <a:ext cx="506028" cy="506028"/>
+          </a:xfrm>
+          <a:prstGeom prst="star5">
+            <a:avLst/>
+          </a:prstGeom>
+          <a:solidFill>
+            <a:srgbClr val="C00000"/>
+          </a:solidFill>
+          <a:ln>
+            <a:noFill/>
+          </a:ln>
+        </p:spPr>
+        <p:style>
+          <a:lnRef idx="2">
+            <a:schemeClr val="accent1">
+              <a:shade val="50000"/>
+            </a:schemeClr>
+          </a:lnRef>
+          <a:fillRef idx="1">
+            <a:schemeClr val="accent1"/>
+          </a:fillRef>
+          <a:effectRef idx="0">
+            <a:schemeClr val="accent1"/>
+          </a:effectRef>
+          <a:fontRef idx="minor">
+            <a:schemeClr val="lt1"/>
+          </a:fontRef>
+        </p:style>
+        <p:txBody>
+          <a:bodyPr rtlCol="0" anchor="ctr"/>
+          <a:lstStyle/>
+          <a:p>
+            <a:pPr algn="ctr"/>
+            <a:endParaRPr lang="ru-RU"/>
+          </a:p>
+        </p:txBody>
+      </p:sp>
+      <p:sp>
+        <p:nvSpPr>
+          <p:cNvPr id="28" name="Звезда: 5 точек 27">
+            <a:extLst>
+              <a:ext uri="{FF2B5EF4-FFF2-40B4-BE49-F238E27FC236}">
+                <a16:creationId xmlns:a16="http://schemas.microsoft.com/office/drawing/2014/main" id="{1B45B56E-2782-40C5-A09A-C9B5A9444A80}"/>
+              </a:ext>
+            </a:extLst>
+          </p:cNvPr>
+          <p:cNvSpPr/>
+          <p:nvPr/>
+        </p:nvSpPr>
+        <p:spPr>
+          <a:xfrm>
+            <a:off x="1207362" y="3557725"/>
+            <a:ext cx="506028" cy="506028"/>
+          </a:xfrm>
+          <a:prstGeom prst="star5">
+            <a:avLst/>
+          </a:prstGeom>
+          <a:solidFill>
+            <a:srgbClr val="C00000"/>
+          </a:solidFill>
+          <a:ln>
+            <a:noFill/>
+          </a:ln>
+        </p:spPr>
+        <p:style>
+          <a:lnRef idx="2">
+            <a:schemeClr val="accent1">
+              <a:shade val="50000"/>
+            </a:schemeClr>
+          </a:lnRef>
+          <a:fillRef idx="1">
+            <a:schemeClr val="accent1"/>
+          </a:fillRef>
+          <a:effectRef idx="0">
+            <a:schemeClr val="accent1"/>
+          </a:effectRef>
+          <a:fontRef idx="minor">
+            <a:schemeClr val="lt1"/>
+          </a:fontRef>
+        </p:style>
+        <p:txBody>
+          <a:bodyPr rtlCol="0" anchor="ctr"/>
+          <a:lstStyle/>
+          <a:p>
+            <a:pPr algn="ctr"/>
+            <a:endParaRPr lang="ru-RU"/>
+          </a:p>
+        </p:txBody>
+      </p:sp>
+      <p:sp>
+        <p:nvSpPr>
+          <p:cNvPr id="30" name="Заголовок 1">
+            <a:extLst>
+              <a:ext uri="{FF2B5EF4-FFF2-40B4-BE49-F238E27FC236}">
+                <a16:creationId xmlns:a16="http://schemas.microsoft.com/office/drawing/2014/main" id="{0D60EB88-7FB2-4069-96D1-8266B7FB5BB6}"/>
+              </a:ext>
+            </a:extLst>
+          </p:cNvPr>
+          <p:cNvSpPr txBox="1">
+            <a:spLocks/>
+          </p:cNvSpPr>
+          <p:nvPr/>
+        </p:nvSpPr>
+        <p:spPr>
+          <a:xfrm>
+            <a:off x="967666" y="268718"/>
+            <a:ext cx="10256668" cy="946134"/>
+          </a:xfrm>
+          <a:prstGeom prst="rect">
+            <a:avLst/>
+          </a:prstGeom>
+          <a:ln w="57150">
+            <a:solidFill>
+              <a:srgbClr val="252729"/>
+            </a:solidFill>
+          </a:ln>
+        </p:spPr>
+        <p:txBody>
+          <a:bodyPr vert="horz" lIns="91440" tIns="45720" rIns="91440" bIns="45720" rtlCol="0" anchor="ctr">
+            <a:normAutofit fontScale="97500"/>
+          </a:bodyPr>
+          <a:lstStyle>
+            <a:lvl1pPr algn="ctr" defTabSz="914400" rtl="0" eaLnBrk="1" latinLnBrk="0" hangingPunct="1">
+              <a:lnSpc>
+                <a:spcPct val="90000"/>
+              </a:lnSpc>
+              <a:spcBef>
+                <a:spcPct val="0"/>
+              </a:spcBef>
+              <a:buNone/>
+              <a:defRPr sz="6000" kern="1200">
+                <a:solidFill>
+                  <a:schemeClr val="tx1"/>
+                </a:solidFill>
+                <a:latin typeface="+mj-lt"/>
+                <a:ea typeface="+mj-ea"/>
+                <a:cs typeface="+mj-cs"/>
+              </a:defRPr>
+            </a:lvl1pPr>
+          </a:lstStyle>
+          <a:p>
+            <a:r>
+              <a:rPr lang="ru-RU" sz="4800" b="1" dirty="0">
+                <a:solidFill>
+                  <a:srgbClr val="E6D3AD"/>
+                </a:solidFill>
+                <a:latin typeface="Jost" pitchFamily="2" charset="-52"/>
+                <a:ea typeface="Jost" pitchFamily="2" charset="-52"/>
+              </a:rPr>
+              <a:t>Прогноз</a:t>
+            </a:r>
+          </a:p>
+        </p:txBody>
+      </p:sp>
+      <p:sp>
+        <p:nvSpPr>
+          <p:cNvPr id="32" name="Заголовок 1">
+            <a:extLst>
+              <a:ext uri="{FF2B5EF4-FFF2-40B4-BE49-F238E27FC236}">
+                <a16:creationId xmlns:a16="http://schemas.microsoft.com/office/drawing/2014/main" id="{7DC18235-2849-4D24-9F1A-CAFE51080ED2}"/>
+              </a:ext>
+            </a:extLst>
+          </p:cNvPr>
+          <p:cNvSpPr txBox="1">
+            <a:spLocks/>
+          </p:cNvSpPr>
+          <p:nvPr/>
+        </p:nvSpPr>
+        <p:spPr>
+          <a:xfrm>
+            <a:off x="2352582" y="5676608"/>
+            <a:ext cx="7486836" cy="946134"/>
+          </a:xfrm>
+          <a:prstGeom prst="rect">
+            <a:avLst/>
+          </a:prstGeom>
+          <a:ln w="57150">
+            <a:solidFill>
+              <a:srgbClr val="E6D3AD"/>
+            </a:solidFill>
+          </a:ln>
+        </p:spPr>
+        <p:txBody>
+          <a:bodyPr vert="horz" lIns="91440" tIns="45720" rIns="91440" bIns="45720" rtlCol="0" anchor="ctr">
+            <a:normAutofit fontScale="97500"/>
+          </a:bodyPr>
+          <a:lstStyle>
+            <a:lvl1pPr algn="ctr" defTabSz="914400" rtl="0" eaLnBrk="1" latinLnBrk="0" hangingPunct="1">
+              <a:lnSpc>
+                <a:spcPct val="90000"/>
+              </a:lnSpc>
+              <a:spcBef>
+                <a:spcPct val="0"/>
+              </a:spcBef>
+              <a:buNone/>
+              <a:defRPr sz="6000" kern="1200">
+                <a:solidFill>
+                  <a:schemeClr val="tx1"/>
+                </a:solidFill>
+                <a:latin typeface="+mj-lt"/>
+                <a:ea typeface="+mj-ea"/>
+                <a:cs typeface="+mj-cs"/>
+              </a:defRPr>
+            </a:lvl1pPr>
+          </a:lstStyle>
+          <a:p>
+            <a:r>
+              <a:rPr lang="ru-RU" sz="5400" b="1" dirty="0">
+                <a:solidFill>
+                  <a:srgbClr val="E6D3AD"/>
+                </a:solidFill>
+                <a:latin typeface="Jost" pitchFamily="2" charset="-52"/>
+                <a:ea typeface="Jost" pitchFamily="2" charset="-52"/>
+              </a:rPr>
+              <a:t>На новый год</a:t>
+            </a:r>
+          </a:p>
+        </p:txBody>
+      </p:sp>
+    </p:spTree>
+    <p:extLst>
+      <p:ext uri="{BB962C8B-B14F-4D97-AF65-F5344CB8AC3E}">
+        <p14:creationId xmlns:p14="http://schemas.microsoft.com/office/powerpoint/2010/main" val="4227367749"/>
+      </p:ext>
+    </p:extLst>
+  </p:cSld>
+  <p:clrMapOvr>
+    <a:masterClrMapping/>
+  </p:clrMapOvr>
+  <p:transition spd="slow">
+    <p:push dir="u"/>
+  </p:transition>
+</p:sld>
+</file>
+
+<file path=ppt/slides/slide45.xml><?xml version="1.0" encoding="utf-8"?>
 <p:sld xmlns:a="http://schemas.openxmlformats.org/drawingml/2006/main" xmlns:r="http://schemas.openxmlformats.org/officeDocument/2006/relationships" xmlns:p="http://schemas.openxmlformats.org/presentationml/2006/main">
   <p:cSld>
     <p:spTree>
@@ -7596,7 +11426,76 @@
 </p:sld>
 </file>
 
-<file path=ppt/slides/slide32.xml><?xml version="1.0" encoding="utf-8"?>
+<file path=ppt/slides/slide46.xml><?xml version="1.0" encoding="utf-8"?>
+<p:sld xmlns:a="http://schemas.openxmlformats.org/drawingml/2006/main" xmlns:r="http://schemas.openxmlformats.org/officeDocument/2006/relationships" xmlns:p="http://schemas.openxmlformats.org/presentationml/2006/main">
+  <p:cSld>
+    <p:spTree>
+      <p:nvGrpSpPr>
+        <p:cNvPr id="1" name=""/>
+        <p:cNvGrpSpPr/>
+        <p:nvPr/>
+      </p:nvGrpSpPr>
+      <p:grpSpPr>
+        <a:xfrm>
+          <a:off x="0" y="0"/>
+          <a:ext cx="0" cy="0"/>
+          <a:chOff x="0" y="0"/>
+          <a:chExt cx="0" cy="0"/>
+        </a:xfrm>
+      </p:grpSpPr>
+      <p:pic>
+        <p:nvPicPr>
+          <p:cNvPr id="3" name="Рисунок 2">
+            <a:extLst>
+              <a:ext uri="{FF2B5EF4-FFF2-40B4-BE49-F238E27FC236}">
+                <a16:creationId xmlns:a16="http://schemas.microsoft.com/office/drawing/2014/main" id="{D861512F-AED5-4B82-B1E6-1FB6ACDC10AA}"/>
+              </a:ext>
+            </a:extLst>
+          </p:cNvPr>
+          <p:cNvPicPr>
+            <a:picLocks noChangeAspect="1"/>
+          </p:cNvPicPr>
+          <p:nvPr/>
+        </p:nvPicPr>
+        <p:blipFill>
+          <a:blip r:embed="rId2">
+            <a:extLst>
+              <a:ext uri="{28A0092B-C50C-407E-A947-70E740481C1C}">
+                <a14:useLocalDpi xmlns:a14="http://schemas.microsoft.com/office/drawing/2010/main" val="0"/>
+              </a:ext>
+            </a:extLst>
+          </a:blip>
+          <a:stretch>
+            <a:fillRect/>
+          </a:stretch>
+        </p:blipFill>
+        <p:spPr>
+          <a:xfrm>
+            <a:off x="0" y="0"/>
+            <a:ext cx="12192000" cy="6858000"/>
+          </a:xfrm>
+          <a:prstGeom prst="rect">
+            <a:avLst/>
+          </a:prstGeom>
+        </p:spPr>
+      </p:pic>
+    </p:spTree>
+    <p:extLst>
+      <p:ext uri="{BB962C8B-B14F-4D97-AF65-F5344CB8AC3E}">
+        <p14:creationId xmlns:p14="http://schemas.microsoft.com/office/powerpoint/2010/main" val="1081258744"/>
+      </p:ext>
+    </p:extLst>
+  </p:cSld>
+  <p:clrMapOvr>
+    <a:masterClrMapping/>
+  </p:clrMapOvr>
+  <p:transition spd="slow">
+    <p:push dir="u"/>
+  </p:transition>
+</p:sld>
+</file>
+
+<file path=ppt/slides/slide47.xml><?xml version="1.0" encoding="utf-8"?>
 <p:sld xmlns:a="http://schemas.openxmlformats.org/drawingml/2006/main" xmlns:r="http://schemas.openxmlformats.org/officeDocument/2006/relationships" xmlns:p="http://schemas.openxmlformats.org/presentationml/2006/main">
   <p:cSld>
     <p:spTree>
@@ -8153,86 +12052,6 @@
   <p:clrMapOvr>
     <a:masterClrMapping/>
   </p:clrMapOvr>
-</p:sld>
-</file>
-
-<file path=ppt/slides/slide4.xml><?xml version="1.0" encoding="utf-8"?>
-<p:sld xmlns:a="http://schemas.openxmlformats.org/drawingml/2006/main" xmlns:r="http://schemas.openxmlformats.org/officeDocument/2006/relationships" xmlns:p="http://schemas.openxmlformats.org/presentationml/2006/main">
-  <p:cSld>
-    <p:spTree>
-      <p:nvGrpSpPr>
-        <p:cNvPr id="1" name=""/>
-        <p:cNvGrpSpPr/>
-        <p:nvPr/>
-      </p:nvGrpSpPr>
-      <p:grpSpPr>
-        <a:xfrm>
-          <a:off x="0" y="0"/>
-          <a:ext cx="0" cy="0"/>
-          <a:chOff x="0" y="0"/>
-          <a:chExt cx="0" cy="0"/>
-        </a:xfrm>
-      </p:grpSpPr>
-      <p:pic>
-        <p:nvPicPr>
-          <p:cNvPr id="2050" name="Picture 2" descr="Самая новогодняя сказка. Как Самуил Маршак написал «12 месяцев» / Новости  города / Сайт Москвы">
-            <a:extLst>
-              <a:ext uri="{FF2B5EF4-FFF2-40B4-BE49-F238E27FC236}">
-                <a16:creationId xmlns:a16="http://schemas.microsoft.com/office/drawing/2014/main" id="{873778D2-1D18-4737-B4A6-E3AF06A2676D}"/>
-              </a:ext>
-            </a:extLst>
-          </p:cNvPr>
-          <p:cNvPicPr>
-            <a:picLocks noChangeAspect="1" noChangeArrowheads="1"/>
-          </p:cNvPicPr>
-          <p:nvPr/>
-        </p:nvPicPr>
-        <p:blipFill>
-          <a:blip r:embed="rId2">
-            <a:extLst>
-              <a:ext uri="{28A0092B-C50C-407E-A947-70E740481C1C}">
-                <a14:useLocalDpi xmlns:a14="http://schemas.microsoft.com/office/drawing/2010/main" val="0"/>
-              </a:ext>
-            </a:extLst>
-          </a:blip>
-          <a:srcRect/>
-          <a:stretch>
-            <a:fillRect/>
-          </a:stretch>
-        </p:blipFill>
-        <p:spPr bwMode="auto">
-          <a:xfrm>
-            <a:off x="-594804" y="0"/>
-            <a:ext cx="13772226" cy="6886114"/>
-          </a:xfrm>
-          <a:prstGeom prst="rect">
-            <a:avLst/>
-          </a:prstGeom>
-          <a:noFill/>
-          <a:extLst>
-            <a:ext uri="{909E8E84-426E-40DD-AFC4-6F175D3DCCD1}">
-              <a14:hiddenFill xmlns:a14="http://schemas.microsoft.com/office/drawing/2010/main">
-                <a:solidFill>
-                  <a:srgbClr val="FFFFFF"/>
-                </a:solidFill>
-              </a14:hiddenFill>
-            </a:ext>
-          </a:extLst>
-        </p:spPr>
-      </p:pic>
-    </p:spTree>
-    <p:extLst>
-      <p:ext uri="{BB962C8B-B14F-4D97-AF65-F5344CB8AC3E}">
-        <p14:creationId xmlns:p14="http://schemas.microsoft.com/office/powerpoint/2010/main" val="3627709695"/>
-      </p:ext>
-    </p:extLst>
-  </p:cSld>
-  <p:clrMapOvr>
-    <a:masterClrMapping/>
-  </p:clrMapOvr>
-  <p:transition spd="slow">
-    <p:push dir="u"/>
-  </p:transition>
 </p:sld>
 </file>
 
@@ -8368,18 +12187,9 @@
   <p:clrMapOvr>
     <a:masterClrMapping/>
   </p:clrMapOvr>
-  <mc:AlternateContent xmlns:mc="http://schemas.openxmlformats.org/markup-compatibility/2006">
-    <mc:Choice xmlns:p14="http://schemas.microsoft.com/office/powerpoint/2010/main" Requires="p14">
-      <p:transition spd="med" p14:dur="700">
-        <p:fade/>
-      </p:transition>
-    </mc:Choice>
-    <mc:Fallback>
-      <p:transition spd="med">
-        <p:fade/>
-      </p:transition>
-    </mc:Fallback>
-  </mc:AlternateContent>
+  <p:transition spd="slow">
+    <p:push dir="u"/>
+  </p:transition>
 </p:sld>
 </file>
 
@@ -8446,18 +12256,9 @@
   <p:clrMapOvr>
     <a:masterClrMapping/>
   </p:clrMapOvr>
-  <mc:AlternateContent xmlns:mc="http://schemas.openxmlformats.org/markup-compatibility/2006">
-    <mc:Choice xmlns:p14="http://schemas.microsoft.com/office/powerpoint/2010/main" Requires="p14">
-      <p:transition spd="med" p14:dur="700">
-        <p:fade/>
-      </p:transition>
-    </mc:Choice>
-    <mc:Fallback>
-      <p:transition spd="med">
-        <p:fade/>
-      </p:transition>
-    </mc:Fallback>
-  </mc:AlternateContent>
+  <p:transition spd="slow">
+    <p:push dir="u"/>
+  </p:transition>
 </p:sld>
 </file>
 
@@ -8524,18 +12325,9 @@
   <p:clrMapOvr>
     <a:masterClrMapping/>
   </p:clrMapOvr>
-  <mc:AlternateContent xmlns:mc="http://schemas.openxmlformats.org/markup-compatibility/2006">
-    <mc:Choice xmlns:p14="http://schemas.microsoft.com/office/powerpoint/2010/main" Requires="p14">
-      <p:transition spd="med" p14:dur="700">
-        <p:fade/>
-      </p:transition>
-    </mc:Choice>
-    <mc:Fallback>
-      <p:transition spd="med">
-        <p:fade/>
-      </p:transition>
-    </mc:Fallback>
-  </mc:AlternateContent>
+  <p:transition spd="slow">
+    <p:push dir="u"/>
+  </p:transition>
 </p:sld>
 </file>
 
@@ -8602,18 +12394,9 @@
   <p:clrMapOvr>
     <a:masterClrMapping/>
   </p:clrMapOvr>
-  <mc:AlternateContent xmlns:mc="http://schemas.openxmlformats.org/markup-compatibility/2006">
-    <mc:Choice xmlns:p14="http://schemas.microsoft.com/office/powerpoint/2010/main" Requires="p14">
-      <p:transition spd="med" p14:dur="700">
-        <p:fade/>
-      </p:transition>
-    </mc:Choice>
-    <mc:Fallback>
-      <p:transition spd="med">
-        <p:fade/>
-      </p:transition>
-    </mc:Fallback>
-  </mc:AlternateContent>
+  <p:transition spd="slow">
+    <p:push dir="u"/>
+  </p:transition>
 </p:sld>
 </file>
 
@@ -8910,4 +12693,299 @@
     </a:ext>
   </a:extLst>
 </a:theme>
+</file>
+
+<file path=ppt/theme/theme2.xml><?xml version="1.0" encoding="utf-8"?>
+<a:theme xmlns:a="http://schemas.openxmlformats.org/drawingml/2006/main" name="Тема Office">
+  <a:themeElements>
+    <a:clrScheme name="Стандартная">
+      <a:dk1>
+        <a:sysClr val="windowText" lastClr="000000"/>
+      </a:dk1>
+      <a:lt1>
+        <a:sysClr val="window" lastClr="FFFFFF"/>
+      </a:lt1>
+      <a:dk2>
+        <a:srgbClr val="44546A"/>
+      </a:dk2>
+      <a:lt2>
+        <a:srgbClr val="E7E6E6"/>
+      </a:lt2>
+      <a:accent1>
+        <a:srgbClr val="4472C4"/>
+      </a:accent1>
+      <a:accent2>
+        <a:srgbClr val="ED7D31"/>
+      </a:accent2>
+      <a:accent3>
+        <a:srgbClr val="A5A5A5"/>
+      </a:accent3>
+      <a:accent4>
+        <a:srgbClr val="FFC000"/>
+      </a:accent4>
+      <a:accent5>
+        <a:srgbClr val="5B9BD5"/>
+      </a:accent5>
+      <a:accent6>
+        <a:srgbClr val="70AD47"/>
+      </a:accent6>
+      <a:hlink>
+        <a:srgbClr val="0563C1"/>
+      </a:hlink>
+      <a:folHlink>
+        <a:srgbClr val="954F72"/>
+      </a:folHlink>
+    </a:clrScheme>
+    <a:fontScheme name="Стандартная">
+      <a:majorFont>
+        <a:latin typeface="Calibri Light" panose="020F0302020204030204"/>
+        <a:ea typeface=""/>
+        <a:cs typeface=""/>
+        <a:font script="Jpan" typeface="游ゴシック Light"/>
+        <a:font script="Hang" typeface="맑은 고딕"/>
+        <a:font script="Hans" typeface="等线 Light"/>
+        <a:font script="Hant" typeface="新細明體"/>
+        <a:font script="Arab" typeface="Times New Roman"/>
+        <a:font script="Hebr" typeface="Times New Roman"/>
+        <a:font script="Thai" typeface="Angsana New"/>
+        <a:font script="Ethi" typeface="Nyala"/>
+        <a:font script="Beng" typeface="Vrinda"/>
+        <a:font script="Gujr" typeface="Shruti"/>
+        <a:font script="Khmr" typeface="MoolBoran"/>
+        <a:font script="Knda" typeface="Tunga"/>
+        <a:font script="Guru" typeface="Raavi"/>
+        <a:font script="Cans" typeface="Euphemia"/>
+        <a:font script="Cher" typeface="Plantagenet Cherokee"/>
+        <a:font script="Yiii" typeface="Microsoft Yi Baiti"/>
+        <a:font script="Tibt" typeface="Microsoft Himalaya"/>
+        <a:font script="Thaa" typeface="MV Boli"/>
+        <a:font script="Deva" typeface="Mangal"/>
+        <a:font script="Telu" typeface="Gautami"/>
+        <a:font script="Taml" typeface="Latha"/>
+        <a:font script="Syrc" typeface="Estrangelo Edessa"/>
+        <a:font script="Orya" typeface="Kalinga"/>
+        <a:font script="Mlym" typeface="Kartika"/>
+        <a:font script="Laoo" typeface="DokChampa"/>
+        <a:font script="Sinh" typeface="Iskoola Pota"/>
+        <a:font script="Mong" typeface="Mongolian Baiti"/>
+        <a:font script="Viet" typeface="Times New Roman"/>
+        <a:font script="Uigh" typeface="Microsoft Uighur"/>
+        <a:font script="Geor" typeface="Sylfaen"/>
+        <a:font script="Armn" typeface="Arial"/>
+        <a:font script="Bugi" typeface="Leelawadee UI"/>
+        <a:font script="Bopo" typeface="Microsoft JhengHei"/>
+        <a:font script="Java" typeface="Javanese Text"/>
+        <a:font script="Lisu" typeface="Segoe UI"/>
+        <a:font script="Mymr" typeface="Myanmar Text"/>
+        <a:font script="Nkoo" typeface="Ebrima"/>
+        <a:font script="Olck" typeface="Nirmala UI"/>
+        <a:font script="Osma" typeface="Ebrima"/>
+        <a:font script="Phag" typeface="Phagspa"/>
+        <a:font script="Syrn" typeface="Estrangelo Edessa"/>
+        <a:font script="Syrj" typeface="Estrangelo Edessa"/>
+        <a:font script="Syre" typeface="Estrangelo Edessa"/>
+        <a:font script="Sora" typeface="Nirmala UI"/>
+        <a:font script="Tale" typeface="Microsoft Tai Le"/>
+        <a:font script="Talu" typeface="Microsoft New Tai Lue"/>
+        <a:font script="Tfng" typeface="Ebrima"/>
+      </a:majorFont>
+      <a:minorFont>
+        <a:latin typeface="Calibri" panose="020F0502020204030204"/>
+        <a:ea typeface=""/>
+        <a:cs typeface=""/>
+        <a:font script="Jpan" typeface="游ゴシック"/>
+        <a:font script="Hang" typeface="맑은 고딕"/>
+        <a:font script="Hans" typeface="等线"/>
+        <a:font script="Hant" typeface="新細明體"/>
+        <a:font script="Arab" typeface="Arial"/>
+        <a:font script="Hebr" typeface="Arial"/>
+        <a:font script="Thai" typeface="Cordia New"/>
+        <a:font script="Ethi" typeface="Nyala"/>
+        <a:font script="Beng" typeface="Vrinda"/>
+        <a:font script="Gujr" typeface="Shruti"/>
+        <a:font script="Khmr" typeface="DaunPenh"/>
+        <a:font script="Knda" typeface="Tunga"/>
+        <a:font script="Guru" typeface="Raavi"/>
+        <a:font script="Cans" typeface="Euphemia"/>
+        <a:font script="Cher" typeface="Plantagenet Cherokee"/>
+        <a:font script="Yiii" typeface="Microsoft Yi Baiti"/>
+        <a:font script="Tibt" typeface="Microsoft Himalaya"/>
+        <a:font script="Thaa" typeface="MV Boli"/>
+        <a:font script="Deva" typeface="Mangal"/>
+        <a:font script="Telu" typeface="Gautami"/>
+        <a:font script="Taml" typeface="Latha"/>
+        <a:font script="Syrc" typeface="Estrangelo Edessa"/>
+        <a:font script="Orya" typeface="Kalinga"/>
+        <a:font script="Mlym" typeface="Kartika"/>
+        <a:font script="Laoo" typeface="DokChampa"/>
+        <a:font script="Sinh" typeface="Iskoola Pota"/>
+        <a:font script="Mong" typeface="Mongolian Baiti"/>
+        <a:font script="Viet" typeface="Arial"/>
+        <a:font script="Uigh" typeface="Microsoft Uighur"/>
+        <a:font script="Geor" typeface="Sylfaen"/>
+        <a:font script="Armn" typeface="Arial"/>
+        <a:font script="Bugi" typeface="Leelawadee UI"/>
+        <a:font script="Bopo" typeface="Microsoft JhengHei"/>
+        <a:font script="Java" typeface="Javanese Text"/>
+        <a:font script="Lisu" typeface="Segoe UI"/>
+        <a:font script="Mymr" typeface="Myanmar Text"/>
+        <a:font script="Nkoo" typeface="Ebrima"/>
+        <a:font script="Olck" typeface="Nirmala UI"/>
+        <a:font script="Osma" typeface="Ebrima"/>
+        <a:font script="Phag" typeface="Phagspa"/>
+        <a:font script="Syrn" typeface="Estrangelo Edessa"/>
+        <a:font script="Syrj" typeface="Estrangelo Edessa"/>
+        <a:font script="Syre" typeface="Estrangelo Edessa"/>
+        <a:font script="Sora" typeface="Nirmala UI"/>
+        <a:font script="Tale" typeface="Microsoft Tai Le"/>
+        <a:font script="Talu" typeface="Microsoft New Tai Lue"/>
+        <a:font script="Tfng" typeface="Ebrima"/>
+      </a:minorFont>
+    </a:fontScheme>
+    <a:fmtScheme name="Стандартная">
+      <a:fillStyleLst>
+        <a:solidFill>
+          <a:schemeClr val="phClr"/>
+        </a:solidFill>
+        <a:gradFill rotWithShape="1">
+          <a:gsLst>
+            <a:gs pos="0">
+              <a:schemeClr val="phClr">
+                <a:lumMod val="110000"/>
+                <a:satMod val="105000"/>
+                <a:tint val="67000"/>
+              </a:schemeClr>
+            </a:gs>
+            <a:gs pos="50000">
+              <a:schemeClr val="phClr">
+                <a:lumMod val="105000"/>
+                <a:satMod val="103000"/>
+                <a:tint val="73000"/>
+              </a:schemeClr>
+            </a:gs>
+            <a:gs pos="100000">
+              <a:schemeClr val="phClr">
+                <a:lumMod val="105000"/>
+                <a:satMod val="109000"/>
+                <a:tint val="81000"/>
+              </a:schemeClr>
+            </a:gs>
+          </a:gsLst>
+          <a:lin ang="5400000" scaled="0"/>
+        </a:gradFill>
+        <a:gradFill rotWithShape="1">
+          <a:gsLst>
+            <a:gs pos="0">
+              <a:schemeClr val="phClr">
+                <a:satMod val="103000"/>
+                <a:lumMod val="102000"/>
+                <a:tint val="94000"/>
+              </a:schemeClr>
+            </a:gs>
+            <a:gs pos="50000">
+              <a:schemeClr val="phClr">
+                <a:satMod val="110000"/>
+                <a:lumMod val="100000"/>
+                <a:shade val="100000"/>
+              </a:schemeClr>
+            </a:gs>
+            <a:gs pos="100000">
+              <a:schemeClr val="phClr">
+                <a:lumMod val="99000"/>
+                <a:satMod val="120000"/>
+                <a:shade val="78000"/>
+              </a:schemeClr>
+            </a:gs>
+          </a:gsLst>
+          <a:lin ang="5400000" scaled="0"/>
+        </a:gradFill>
+      </a:fillStyleLst>
+      <a:lnStyleLst>
+        <a:ln w="6350" cap="flat" cmpd="sng" algn="ctr">
+          <a:solidFill>
+            <a:schemeClr val="phClr"/>
+          </a:solidFill>
+          <a:prstDash val="solid"/>
+          <a:miter lim="800000"/>
+        </a:ln>
+        <a:ln w="12700" cap="flat" cmpd="sng" algn="ctr">
+          <a:solidFill>
+            <a:schemeClr val="phClr"/>
+          </a:solidFill>
+          <a:prstDash val="solid"/>
+          <a:miter lim="800000"/>
+        </a:ln>
+        <a:ln w="19050" cap="flat" cmpd="sng" algn="ctr">
+          <a:solidFill>
+            <a:schemeClr val="phClr"/>
+          </a:solidFill>
+          <a:prstDash val="solid"/>
+          <a:miter lim="800000"/>
+        </a:ln>
+      </a:lnStyleLst>
+      <a:effectStyleLst>
+        <a:effectStyle>
+          <a:effectLst/>
+        </a:effectStyle>
+        <a:effectStyle>
+          <a:effectLst/>
+        </a:effectStyle>
+        <a:effectStyle>
+          <a:effectLst>
+            <a:outerShdw blurRad="57150" dist="19050" dir="5400000" algn="ctr" rotWithShape="0">
+              <a:srgbClr val="000000">
+                <a:alpha val="63000"/>
+              </a:srgbClr>
+            </a:outerShdw>
+          </a:effectLst>
+        </a:effectStyle>
+      </a:effectStyleLst>
+      <a:bgFillStyleLst>
+        <a:solidFill>
+          <a:schemeClr val="phClr"/>
+        </a:solidFill>
+        <a:solidFill>
+          <a:schemeClr val="phClr">
+            <a:tint val="95000"/>
+            <a:satMod val="170000"/>
+          </a:schemeClr>
+        </a:solidFill>
+        <a:gradFill rotWithShape="1">
+          <a:gsLst>
+            <a:gs pos="0">
+              <a:schemeClr val="phClr">
+                <a:tint val="93000"/>
+                <a:satMod val="150000"/>
+                <a:shade val="98000"/>
+                <a:lumMod val="102000"/>
+              </a:schemeClr>
+            </a:gs>
+            <a:gs pos="50000">
+              <a:schemeClr val="phClr">
+                <a:tint val="98000"/>
+                <a:satMod val="130000"/>
+                <a:shade val="90000"/>
+                <a:lumMod val="103000"/>
+              </a:schemeClr>
+            </a:gs>
+            <a:gs pos="100000">
+              <a:schemeClr val="phClr">
+                <a:shade val="63000"/>
+                <a:satMod val="120000"/>
+              </a:schemeClr>
+            </a:gs>
+          </a:gsLst>
+          <a:lin ang="5400000" scaled="0"/>
+        </a:gradFill>
+      </a:bgFillStyleLst>
+    </a:fmtScheme>
+  </a:themeElements>
+  <a:objectDefaults/>
+  <a:extraClrSchemeLst/>
+  <a:extLst>
+    <a:ext uri="{05A4C25C-085E-4340-85A3-A5531E510DB2}">
+      <thm15:themeFamily xmlns:thm15="http://schemas.microsoft.com/office/thememl/2012/main" name="Office Theme" id="{62F939B6-93AF-4DB8-9C6B-D6C7DFDC589F}" vid="{4A3C46E8-61CC-4603-A589-7422A47A8E4A}"/>
+    </a:ext>
+  </a:extLst>
+</a:theme>
 </file>
--- a/Курсовая_работа_Кривцов_К_Е_БИВТ_21_5.pptx
+++ b/Курсовая_работа_Кривцов_К_Е_БИВТ_21_5.pptx
@@ -21,8 +21,8 @@
     <p:sldId id="266" r:id="rId12"/>
     <p:sldId id="267" r:id="rId13"/>
     <p:sldId id="268" r:id="rId14"/>
-    <p:sldId id="269" r:id="rId15"/>
-    <p:sldId id="274" r:id="rId16"/>
+    <p:sldId id="274" r:id="rId15"/>
+    <p:sldId id="269" r:id="rId16"/>
     <p:sldId id="290" r:id="rId17"/>
     <p:sldId id="291" r:id="rId18"/>
     <p:sldId id="292" r:id="rId19"/>
@@ -4896,6 +4896,75 @@
           <a:chExt cx="0" cy="0"/>
         </a:xfrm>
       </p:grpSpPr>
+      <p:pic>
+        <p:nvPicPr>
+          <p:cNvPr id="4" name="Рисунок 3">
+            <a:extLst>
+              <a:ext uri="{FF2B5EF4-FFF2-40B4-BE49-F238E27FC236}">
+                <a16:creationId xmlns:a16="http://schemas.microsoft.com/office/drawing/2014/main" id="{04368FFA-15D6-4B14-8834-904650F183AC}"/>
+              </a:ext>
+            </a:extLst>
+          </p:cNvPr>
+          <p:cNvPicPr>
+            <a:picLocks noChangeAspect="1"/>
+          </p:cNvPicPr>
+          <p:nvPr/>
+        </p:nvPicPr>
+        <p:blipFill>
+          <a:blip r:embed="rId2">
+            <a:extLst>
+              <a:ext uri="{28A0092B-C50C-407E-A947-70E740481C1C}">
+                <a14:useLocalDpi xmlns:a14="http://schemas.microsoft.com/office/drawing/2010/main" val="0"/>
+              </a:ext>
+            </a:extLst>
+          </a:blip>
+          <a:stretch>
+            <a:fillRect/>
+          </a:stretch>
+        </p:blipFill>
+        <p:spPr>
+          <a:xfrm>
+            <a:off x="265365" y="0"/>
+            <a:ext cx="11661269" cy="6858000"/>
+          </a:xfrm>
+          <a:prstGeom prst="rect">
+            <a:avLst/>
+          </a:prstGeom>
+        </p:spPr>
+      </p:pic>
+    </p:spTree>
+    <p:extLst>
+      <p:ext uri="{BB962C8B-B14F-4D97-AF65-F5344CB8AC3E}">
+        <p14:creationId xmlns:p14="http://schemas.microsoft.com/office/powerpoint/2010/main" val="3643970442"/>
+      </p:ext>
+    </p:extLst>
+  </p:cSld>
+  <p:clrMapOvr>
+    <a:masterClrMapping/>
+  </p:clrMapOvr>
+  <p:transition spd="slow">
+    <p:push dir="u"/>
+  </p:transition>
+</p:sld>
+</file>
+
+<file path=ppt/slides/slide15.xml><?xml version="1.0" encoding="utf-8"?>
+<p:sld xmlns:a="http://schemas.openxmlformats.org/drawingml/2006/main" xmlns:r="http://schemas.openxmlformats.org/officeDocument/2006/relationships" xmlns:p="http://schemas.openxmlformats.org/presentationml/2006/main">
+  <p:cSld>
+    <p:spTree>
+      <p:nvGrpSpPr>
+        <p:cNvPr id="1" name=""/>
+        <p:cNvGrpSpPr/>
+        <p:nvPr/>
+      </p:nvGrpSpPr>
+      <p:grpSpPr>
+        <a:xfrm>
+          <a:off x="0" y="0"/>
+          <a:ext cx="0" cy="0"/>
+          <a:chOff x="0" y="0"/>
+          <a:chExt cx="0" cy="0"/>
+        </a:xfrm>
+      </p:grpSpPr>
       <p:sp>
         <p:nvSpPr>
           <p:cNvPr id="4" name="Прямоугольник 3">
@@ -4976,7 +5045,7 @@
           </a:ln>
         </p:spPr>
         <p:txBody>
-          <a:bodyPr anchor="t">
+          <a:bodyPr anchor="ctr">
             <a:noAutofit/>
           </a:bodyPr>
           <a:lstStyle/>
@@ -5093,41 +5162,7 @@
                 <a:latin typeface="Jost" pitchFamily="2" charset="-52"/>
                 <a:ea typeface="Jost" pitchFamily="2" charset="-52"/>
               </a:rPr>
-              <a:t>В Мае в половине годов - просадка, в половине - рост</a:t>
-            </a:r>
-            <a:br>
-              <a:rPr lang="ru-RU" sz="2800" dirty="0">
-                <a:ln>
-                  <a:solidFill>
-                    <a:srgbClr val="252729"/>
-                  </a:solidFill>
-                </a:ln>
-                <a:latin typeface="Jost" pitchFamily="2" charset="-52"/>
-                <a:ea typeface="Jost" pitchFamily="2" charset="-52"/>
-              </a:rPr>
-            </a:br>
-            <a:br>
-              <a:rPr lang="ru-RU" sz="2800" dirty="0">
-                <a:ln>
-                  <a:solidFill>
-                    <a:srgbClr val="252729"/>
-                  </a:solidFill>
-                </a:ln>
-                <a:latin typeface="Jost" pitchFamily="2" charset="-52"/>
-                <a:ea typeface="Jost" pitchFamily="2" charset="-52"/>
-              </a:rPr>
-            </a:br>
-            <a:r>
-              <a:rPr lang="ru-RU" sz="2800" dirty="0">
-                <a:ln>
-                  <a:solidFill>
-                    <a:srgbClr val="252729"/>
-                  </a:solidFill>
-                </a:ln>
-                <a:latin typeface="Jost" pitchFamily="2" charset="-52"/>
-                <a:ea typeface="Jost" pitchFamily="2" charset="-52"/>
-              </a:rPr>
-              <a:t>В июне - просадка, в июле она еще более ярко выражена</a:t>
+              <a:t>В июне - просадка, в июле – наоборот</a:t>
             </a:r>
             <a:br>
               <a:rPr lang="ru-RU" sz="2800" dirty="0">
@@ -5238,75 +5273,6 @@
     <p:extLst>
       <p:ext uri="{BB962C8B-B14F-4D97-AF65-F5344CB8AC3E}">
         <p14:creationId xmlns:p14="http://schemas.microsoft.com/office/powerpoint/2010/main" val="3552932653"/>
-      </p:ext>
-    </p:extLst>
-  </p:cSld>
-  <p:clrMapOvr>
-    <a:masterClrMapping/>
-  </p:clrMapOvr>
-  <p:transition spd="slow">
-    <p:push dir="u"/>
-  </p:transition>
-</p:sld>
-</file>
-
-<file path=ppt/slides/slide15.xml><?xml version="1.0" encoding="utf-8"?>
-<p:sld xmlns:a="http://schemas.openxmlformats.org/drawingml/2006/main" xmlns:r="http://schemas.openxmlformats.org/officeDocument/2006/relationships" xmlns:p="http://schemas.openxmlformats.org/presentationml/2006/main">
-  <p:cSld>
-    <p:spTree>
-      <p:nvGrpSpPr>
-        <p:cNvPr id="1" name=""/>
-        <p:cNvGrpSpPr/>
-        <p:nvPr/>
-      </p:nvGrpSpPr>
-      <p:grpSpPr>
-        <a:xfrm>
-          <a:off x="0" y="0"/>
-          <a:ext cx="0" cy="0"/>
-          <a:chOff x="0" y="0"/>
-          <a:chExt cx="0" cy="0"/>
-        </a:xfrm>
-      </p:grpSpPr>
-      <p:pic>
-        <p:nvPicPr>
-          <p:cNvPr id="4" name="Рисунок 3">
-            <a:extLst>
-              <a:ext uri="{FF2B5EF4-FFF2-40B4-BE49-F238E27FC236}">
-                <a16:creationId xmlns:a16="http://schemas.microsoft.com/office/drawing/2014/main" id="{04368FFA-15D6-4B14-8834-904650F183AC}"/>
-              </a:ext>
-            </a:extLst>
-          </p:cNvPr>
-          <p:cNvPicPr>
-            <a:picLocks noChangeAspect="1"/>
-          </p:cNvPicPr>
-          <p:nvPr/>
-        </p:nvPicPr>
-        <p:blipFill>
-          <a:blip r:embed="rId2">
-            <a:extLst>
-              <a:ext uri="{28A0092B-C50C-407E-A947-70E740481C1C}">
-                <a14:useLocalDpi xmlns:a14="http://schemas.microsoft.com/office/drawing/2010/main" val="0"/>
-              </a:ext>
-            </a:extLst>
-          </a:blip>
-          <a:stretch>
-            <a:fillRect/>
-          </a:stretch>
-        </p:blipFill>
-        <p:spPr>
-          <a:xfrm>
-            <a:off x="265365" y="0"/>
-            <a:ext cx="11661269" cy="6858000"/>
-          </a:xfrm>
-          <a:prstGeom prst="rect">
-            <a:avLst/>
-          </a:prstGeom>
-        </p:spPr>
-      </p:pic>
-    </p:spTree>
-    <p:extLst>
-      <p:ext uri="{BB962C8B-B14F-4D97-AF65-F5344CB8AC3E}">
-        <p14:creationId xmlns:p14="http://schemas.microsoft.com/office/powerpoint/2010/main" val="3643970442"/>
       </p:ext>
     </p:extLst>
   </p:cSld>
@@ -10041,8 +10007,8 @@
           </a:p>
         </p:txBody>
       </p:sp>
-      <mc:AlternateContent xmlns:mc="http://schemas.openxmlformats.org/markup-compatibility/2006">
-        <mc:Choice xmlns:a14="http://schemas.microsoft.com/office/drawing/2010/main" Requires="a14">
+      <mc:AlternateContent xmlns:mc="http://schemas.openxmlformats.org/markup-compatibility/2006" xmlns:a14="http://schemas.microsoft.com/office/drawing/2010/main">
+        <mc:Choice Requires="a14">
           <p:sp>
             <p:nvSpPr>
               <p:cNvPr id="8" name="Заголовок 1">
@@ -10479,7 +10445,7 @@
                       <m:sSup>
                         <m:sSupPr>
                           <m:ctrlPr>
-                            <a:rPr lang="ru-RU" b="1" smtClean="0">
+                            <a:rPr lang="ru-RU" b="1" i="1" smtClean="0">
                               <a:ln>
                                 <a:solidFill>
                                   <a:srgbClr val="252729"/>
@@ -10604,7 +10570,7 @@
             </p:txBody>
           </p:sp>
         </mc:Choice>
-        <mc:Fallback>
+        <mc:Fallback xmlns="">
           <p:sp>
             <p:nvSpPr>
               <p:cNvPr id="8" name="Заголовок 1">

--- a/Курсовая_работа_Кривцов_К_Е_БИВТ_21_5.pptx
+++ b/Курсовая_работа_Кривцов_К_Е_БИВТ_21_5.pptx
@@ -5,7 +5,7 @@
     <p:sldMasterId id="2147483648" r:id="rId1"/>
   </p:sldMasterIdLst>
   <p:notesMasterIdLst>
-    <p:notesMasterId r:id="rId49"/>
+    <p:notesMasterId r:id="rId50"/>
   </p:notesMasterIdLst>
   <p:sldIdLst>
     <p:sldId id="256" r:id="rId2"/>
@@ -54,7 +54,8 @@
     <p:sldId id="304" r:id="rId45"/>
     <p:sldId id="288" r:id="rId46"/>
     <p:sldId id="302" r:id="rId47"/>
-    <p:sldId id="289" r:id="rId48"/>
+    <p:sldId id="305" r:id="rId48"/>
+    <p:sldId id="289" r:id="rId49"/>
   </p:sldIdLst>
   <p:sldSz cx="12192000" cy="6858000"/>
   <p:notesSz cx="6858000" cy="9144000"/>
@@ -243,7 +244,7 @@
           <a:p>
             <a:fld id="{BBE109AF-4A65-454E-A11D-ECF17141A990}" type="datetimeFigureOut">
               <a:rPr lang="ru-RU" smtClean="0"/>
-              <a:t>09.12.2023</a:t>
+              <a:t>16.12.2023</a:t>
             </a:fld>
             <a:endParaRPr lang="ru-RU"/>
           </a:p>
@@ -993,7 +994,7 @@
           <a:p>
             <a:fld id="{50FE7B8D-52F0-4A1B-BB9F-9B64E76B1600}" type="datetimeFigureOut">
               <a:rPr lang="ru-RU" smtClean="0"/>
-              <a:t>09.12.2023</a:t>
+              <a:t>16.12.2023</a:t>
             </a:fld>
             <a:endParaRPr lang="ru-RU"/>
           </a:p>
@@ -1191,7 +1192,7 @@
           <a:p>
             <a:fld id="{50FE7B8D-52F0-4A1B-BB9F-9B64E76B1600}" type="datetimeFigureOut">
               <a:rPr lang="ru-RU" smtClean="0"/>
-              <a:t>09.12.2023</a:t>
+              <a:t>16.12.2023</a:t>
             </a:fld>
             <a:endParaRPr lang="ru-RU"/>
           </a:p>
@@ -1399,7 +1400,7 @@
           <a:p>
             <a:fld id="{50FE7B8D-52F0-4A1B-BB9F-9B64E76B1600}" type="datetimeFigureOut">
               <a:rPr lang="ru-RU" smtClean="0"/>
-              <a:t>09.12.2023</a:t>
+              <a:t>16.12.2023</a:t>
             </a:fld>
             <a:endParaRPr lang="ru-RU"/>
           </a:p>
@@ -1597,7 +1598,7 @@
           <a:p>
             <a:fld id="{50FE7B8D-52F0-4A1B-BB9F-9B64E76B1600}" type="datetimeFigureOut">
               <a:rPr lang="ru-RU" smtClean="0"/>
-              <a:t>09.12.2023</a:t>
+              <a:t>16.12.2023</a:t>
             </a:fld>
             <a:endParaRPr lang="ru-RU"/>
           </a:p>
@@ -1872,7 +1873,7 @@
           <a:p>
             <a:fld id="{50FE7B8D-52F0-4A1B-BB9F-9B64E76B1600}" type="datetimeFigureOut">
               <a:rPr lang="ru-RU" smtClean="0"/>
-              <a:t>09.12.2023</a:t>
+              <a:t>16.12.2023</a:t>
             </a:fld>
             <a:endParaRPr lang="ru-RU"/>
           </a:p>
@@ -2137,7 +2138,7 @@
           <a:p>
             <a:fld id="{50FE7B8D-52F0-4A1B-BB9F-9B64E76B1600}" type="datetimeFigureOut">
               <a:rPr lang="ru-RU" smtClean="0"/>
-              <a:t>09.12.2023</a:t>
+              <a:t>16.12.2023</a:t>
             </a:fld>
             <a:endParaRPr lang="ru-RU"/>
           </a:p>
@@ -2549,7 +2550,7 @@
           <a:p>
             <a:fld id="{50FE7B8D-52F0-4A1B-BB9F-9B64E76B1600}" type="datetimeFigureOut">
               <a:rPr lang="ru-RU" smtClean="0"/>
-              <a:t>09.12.2023</a:t>
+              <a:t>16.12.2023</a:t>
             </a:fld>
             <a:endParaRPr lang="ru-RU"/>
           </a:p>
@@ -2690,7 +2691,7 @@
           <a:p>
             <a:fld id="{50FE7B8D-52F0-4A1B-BB9F-9B64E76B1600}" type="datetimeFigureOut">
               <a:rPr lang="ru-RU" smtClean="0"/>
-              <a:t>09.12.2023</a:t>
+              <a:t>16.12.2023</a:t>
             </a:fld>
             <a:endParaRPr lang="ru-RU"/>
           </a:p>
@@ -2803,7 +2804,7 @@
           <a:p>
             <a:fld id="{50FE7B8D-52F0-4A1B-BB9F-9B64E76B1600}" type="datetimeFigureOut">
               <a:rPr lang="ru-RU" smtClean="0"/>
-              <a:t>09.12.2023</a:t>
+              <a:t>16.12.2023</a:t>
             </a:fld>
             <a:endParaRPr lang="ru-RU"/>
           </a:p>
@@ -3114,7 +3115,7 @@
           <a:p>
             <a:fld id="{50FE7B8D-52F0-4A1B-BB9F-9B64E76B1600}" type="datetimeFigureOut">
               <a:rPr lang="ru-RU" smtClean="0"/>
-              <a:t>09.12.2023</a:t>
+              <a:t>16.12.2023</a:t>
             </a:fld>
             <a:endParaRPr lang="ru-RU"/>
           </a:p>
@@ -3402,7 +3403,7 @@
           <a:p>
             <a:fld id="{50FE7B8D-52F0-4A1B-BB9F-9B64E76B1600}" type="datetimeFigureOut">
               <a:rPr lang="ru-RU" smtClean="0"/>
-              <a:t>09.12.2023</a:t>
+              <a:t>16.12.2023</a:t>
             </a:fld>
             <a:endParaRPr lang="ru-RU"/>
           </a:p>
@@ -3643,7 +3644,7 @@
           <a:p>
             <a:fld id="{50FE7B8D-52F0-4A1B-BB9F-9B64E76B1600}" type="datetimeFigureOut">
               <a:rPr lang="ru-RU" smtClean="0"/>
-              <a:t>09.12.2023</a:t>
+              <a:t>16.12.2023</a:t>
             </a:fld>
             <a:endParaRPr lang="ru-RU"/>
           </a:p>
@@ -9767,10 +9768,10 @@
       </p:grpSpPr>
       <p:pic>
         <p:nvPicPr>
-          <p:cNvPr id="6" name="Рисунок 5">
-            <a:extLst>
-              <a:ext uri="{FF2B5EF4-FFF2-40B4-BE49-F238E27FC236}">
-                <a16:creationId xmlns:a16="http://schemas.microsoft.com/office/drawing/2014/main" id="{E5FB4857-EFEE-4413-BA61-D2E2137BD902}"/>
+          <p:cNvPr id="2" name="Рисунок 1">
+            <a:extLst>
+              <a:ext uri="{FF2B5EF4-FFF2-40B4-BE49-F238E27FC236}">
+                <a16:creationId xmlns:a16="http://schemas.microsoft.com/office/drawing/2014/main" id="{6DBD4B85-6772-40BC-91E1-BBA75C49A36F}"/>
               </a:ext>
             </a:extLst>
           </p:cNvPr>
@@ -9780,21 +9781,15 @@
           <p:nvPr/>
         </p:nvPicPr>
         <p:blipFill>
-          <a:blip r:embed="rId2">
-            <a:extLst>
-              <a:ext uri="{28A0092B-C50C-407E-A947-70E740481C1C}">
-                <a14:useLocalDpi xmlns:a14="http://schemas.microsoft.com/office/drawing/2010/main" val="0"/>
-              </a:ext>
-            </a:extLst>
-          </a:blip>
+          <a:blip r:embed="rId2"/>
           <a:stretch>
             <a:fillRect/>
           </a:stretch>
         </p:blipFill>
         <p:spPr>
           <a:xfrm>
-            <a:off x="0" y="0"/>
-            <a:ext cx="12192000" cy="6858000"/>
+            <a:off x="941033" y="183742"/>
+            <a:ext cx="10309934" cy="6490516"/>
           </a:xfrm>
           <a:prstGeom prst="rect">
             <a:avLst/>
@@ -11411,10 +11406,10 @@
       </p:grpSpPr>
       <p:pic>
         <p:nvPicPr>
-          <p:cNvPr id="3" name="Рисунок 2">
-            <a:extLst>
-              <a:ext uri="{FF2B5EF4-FFF2-40B4-BE49-F238E27FC236}">
-                <a16:creationId xmlns:a16="http://schemas.microsoft.com/office/drawing/2014/main" id="{D861512F-AED5-4B82-B1E6-1FB6ACDC10AA}"/>
+          <p:cNvPr id="2" name="Рисунок 1">
+            <a:extLst>
+              <a:ext uri="{FF2B5EF4-FFF2-40B4-BE49-F238E27FC236}">
+                <a16:creationId xmlns:a16="http://schemas.microsoft.com/office/drawing/2014/main" id="{E49F3E49-E112-46A2-B6D9-C91A23DD9890}"/>
               </a:ext>
             </a:extLst>
           </p:cNvPr>
@@ -11424,21 +11419,15 @@
           <p:nvPr/>
         </p:nvPicPr>
         <p:blipFill>
-          <a:blip r:embed="rId2">
-            <a:extLst>
-              <a:ext uri="{28A0092B-C50C-407E-A947-70E740481C1C}">
-                <a14:useLocalDpi xmlns:a14="http://schemas.microsoft.com/office/drawing/2010/main" val="0"/>
-              </a:ext>
-            </a:extLst>
-          </a:blip>
+          <a:blip r:embed="rId2"/>
           <a:stretch>
             <a:fillRect/>
           </a:stretch>
         </p:blipFill>
         <p:spPr>
           <a:xfrm>
-            <a:off x="0" y="0"/>
-            <a:ext cx="12192000" cy="6858000"/>
+            <a:off x="727969" y="2597"/>
+            <a:ext cx="10736062" cy="6852806"/>
           </a:xfrm>
           <a:prstGeom prst="rect">
             <a:avLst/>
@@ -11480,6 +11469,69 @@
       </p:grpSpPr>
       <p:pic>
         <p:nvPicPr>
+          <p:cNvPr id="3" name="Рисунок 2">
+            <a:extLst>
+              <a:ext uri="{FF2B5EF4-FFF2-40B4-BE49-F238E27FC236}">
+                <a16:creationId xmlns:a16="http://schemas.microsoft.com/office/drawing/2014/main" id="{AFAF615E-CBBD-4112-8FA3-4C0411A28AB0}"/>
+              </a:ext>
+            </a:extLst>
+          </p:cNvPr>
+          <p:cNvPicPr>
+            <a:picLocks noChangeAspect="1"/>
+          </p:cNvPicPr>
+          <p:nvPr/>
+        </p:nvPicPr>
+        <p:blipFill>
+          <a:blip r:embed="rId2"/>
+          <a:stretch>
+            <a:fillRect/>
+          </a:stretch>
+        </p:blipFill>
+        <p:spPr>
+          <a:xfrm>
+            <a:off x="874795" y="142043"/>
+            <a:ext cx="10442410" cy="6573914"/>
+          </a:xfrm>
+          <a:prstGeom prst="rect">
+            <a:avLst/>
+          </a:prstGeom>
+        </p:spPr>
+      </p:pic>
+    </p:spTree>
+    <p:extLst>
+      <p:ext uri="{BB962C8B-B14F-4D97-AF65-F5344CB8AC3E}">
+        <p14:creationId xmlns:p14="http://schemas.microsoft.com/office/powerpoint/2010/main" val="2042357233"/>
+      </p:ext>
+    </p:extLst>
+  </p:cSld>
+  <p:clrMapOvr>
+    <a:masterClrMapping/>
+  </p:clrMapOvr>
+  <p:transition spd="slow">
+    <p:push dir="u"/>
+  </p:transition>
+</p:sld>
+</file>
+
+<file path=ppt/slides/slide48.xml><?xml version="1.0" encoding="utf-8"?>
+<p:sld xmlns:a="http://schemas.openxmlformats.org/drawingml/2006/main" xmlns:r="http://schemas.openxmlformats.org/officeDocument/2006/relationships" xmlns:p="http://schemas.openxmlformats.org/presentationml/2006/main">
+  <p:cSld>
+    <p:spTree>
+      <p:nvGrpSpPr>
+        <p:cNvPr id="1" name=""/>
+        <p:cNvGrpSpPr/>
+        <p:nvPr/>
+      </p:nvGrpSpPr>
+      <p:grpSpPr>
+        <a:xfrm>
+          <a:off x="0" y="0"/>
+          <a:ext cx="0" cy="0"/>
+          <a:chOff x="0" y="0"/>
+          <a:chExt cx="0" cy="0"/>
+        </a:xfrm>
+      </p:grpSpPr>
+      <p:pic>
+        <p:nvPicPr>
           <p:cNvPr id="5" name="Рисунок 4">
             <a:extLst>
               <a:ext uri="{FF2B5EF4-FFF2-40B4-BE49-F238E27FC236}">
@@ -12018,6 +12070,9 @@
   <p:clrMapOvr>
     <a:masterClrMapping/>
   </p:clrMapOvr>
+  <p:transition spd="slow">
+    <p:push dir="u"/>
+  </p:transition>
 </p:sld>
 </file>
 
